--- a/CSS/css分享/css分享 - 布局.pptx
+++ b/CSS/css分享/css分享 - 布局.pptx
@@ -2655,7 +2655,7 @@
         <a:spcBef>
           <a:spcPts val="1000"/>
         </a:spcBef>
-        <a:buFont typeface="Arial" panose="020B0604020202020204" pitchFamily="34" charset="0"/>
+        <a:buFont typeface="Arial" panose="020B0604020202090204" pitchFamily="34" charset="0"/>
         <a:buChar char="•"/>
         <a:defRPr sz="2800" kern="1200">
           <a:solidFill>
@@ -2673,7 +2673,7 @@
         <a:spcBef>
           <a:spcPts val="500"/>
         </a:spcBef>
-        <a:buFont typeface="Arial" panose="020B0604020202020204" pitchFamily="34" charset="0"/>
+        <a:buFont typeface="Arial" panose="020B0604020202090204" pitchFamily="34" charset="0"/>
         <a:buChar char="•"/>
         <a:defRPr sz="2400" kern="1200">
           <a:solidFill>
@@ -2691,7 +2691,7 @@
         <a:spcBef>
           <a:spcPts val="500"/>
         </a:spcBef>
-        <a:buFont typeface="Arial" panose="020B0604020202020204" pitchFamily="34" charset="0"/>
+        <a:buFont typeface="Arial" panose="020B0604020202090204" pitchFamily="34" charset="0"/>
         <a:buChar char="•"/>
         <a:defRPr sz="2000" kern="1200">
           <a:solidFill>
@@ -2709,7 +2709,7 @@
         <a:spcBef>
           <a:spcPts val="500"/>
         </a:spcBef>
-        <a:buFont typeface="Arial" panose="020B0604020202020204" pitchFamily="34" charset="0"/>
+        <a:buFont typeface="Arial" panose="020B0604020202090204" pitchFamily="34" charset="0"/>
         <a:buChar char="•"/>
         <a:defRPr sz="1800" kern="1200">
           <a:solidFill>
@@ -2727,7 +2727,7 @@
         <a:spcBef>
           <a:spcPts val="500"/>
         </a:spcBef>
-        <a:buFont typeface="Arial" panose="020B0604020202020204" pitchFamily="34" charset="0"/>
+        <a:buFont typeface="Arial" panose="020B0604020202090204" pitchFamily="34" charset="0"/>
         <a:buChar char="•"/>
         <a:defRPr sz="1800" kern="1200">
           <a:solidFill>
@@ -2745,7 +2745,7 @@
         <a:spcBef>
           <a:spcPts val="500"/>
         </a:spcBef>
-        <a:buFont typeface="Arial" panose="020B0604020202020204" pitchFamily="34" charset="0"/>
+        <a:buFont typeface="Arial" panose="020B0604020202090204" pitchFamily="34" charset="0"/>
         <a:buChar char="•"/>
         <a:defRPr sz="1800" kern="1200">
           <a:solidFill>
@@ -2763,7 +2763,7 @@
         <a:spcBef>
           <a:spcPts val="500"/>
         </a:spcBef>
-        <a:buFont typeface="Arial" panose="020B0604020202020204" pitchFamily="34" charset="0"/>
+        <a:buFont typeface="Arial" panose="020B0604020202090204" pitchFamily="34" charset="0"/>
         <a:buChar char="•"/>
         <a:defRPr sz="1800" kern="1200">
           <a:solidFill>
@@ -2781,7 +2781,7 @@
         <a:spcBef>
           <a:spcPts val="500"/>
         </a:spcBef>
-        <a:buFont typeface="Arial" panose="020B0604020202020204" pitchFamily="34" charset="0"/>
+        <a:buFont typeface="Arial" panose="020B0604020202090204" pitchFamily="34" charset="0"/>
         <a:buChar char="•"/>
         <a:defRPr sz="1800" kern="1200">
           <a:solidFill>
@@ -2799,7 +2799,7 @@
         <a:spcBef>
           <a:spcPts val="500"/>
         </a:spcBef>
-        <a:buFont typeface="Arial" panose="020B0604020202020204" pitchFamily="34" charset="0"/>
+        <a:buFont typeface="Arial" panose="020B0604020202090204" pitchFamily="34" charset="0"/>
         <a:buChar char="•"/>
         <a:defRPr sz="1800" kern="1200">
           <a:solidFill>
@@ -3009,10 +3009,10 @@
           <a:bodyPr/>
           <a:p>
             <a:r>
-              <a:rPr lang="zh-CN" altLang="en-US" sz="2400"/>
+              <a:rPr lang="zh-CN" altLang="en-US"/>
               <a:t>主要内容</a:t>
             </a:r>
-            <a:endParaRPr lang="zh-CN" altLang="en-US" sz="2400"/>
+            <a:endParaRPr lang="zh-CN" altLang="en-US"/>
           </a:p>
         </p:txBody>
       </p:sp>
@@ -3056,7 +3056,7 @@
               <a:rPr lang="zh-CN" altLang="en-US" sz="1400">
                 <a:sym typeface="+mn-ea"/>
               </a:rPr>
-              <a:t>左右栏布局：</a:t>
+              <a:t>左定宽右自适应布局：</a:t>
             </a:r>
             <a:r>
               <a:rPr lang="en-US" altLang="zh-CN" sz="1400">
@@ -4047,11 +4047,20 @@
         </p:nvSpPr>
         <p:spPr/>
         <p:txBody>
-          <a:bodyPr/>
+          <a:bodyPr>
+            <a:normAutofit lnSpcReduction="10000"/>
+          </a:bodyPr>
           <a:p>
             <a:r>
               <a:rPr lang="en-US" altLang="zh-CN" sz="1800"/>
               <a:t>demo-1</a:t>
+            </a:r>
+            <a:endParaRPr lang="en-US" altLang="zh-CN" sz="1800"/>
+          </a:p>
+          <a:p>
+            <a:r>
+              <a:rPr lang="zh-CN" altLang="en-US" sz="1800"/>
+              <a:t>流体布局</a:t>
             </a:r>
             <a:endParaRPr lang="en-US" altLang="zh-CN" sz="1800"/>
           </a:p>
@@ -4588,8 +4597,6 @@
       </a:bgFillStyleLst>
     </a:fmtScheme>
   </a:themeElements>
-  <a:objectDefaults/>
-  <a:extraClrSchemeLst/>
   <a:extLst>
     <a:ext uri="{05A4C25C-085E-4340-85A3-A5531E510DB2}">
       <thm15:themeFamily xmlns:thm15="http://schemas.microsoft.com/office/thememl/2012/main" name="Office Theme" id="{62F939B6-93AF-4DB8-9C6B-D6C7DFDC589F}" vid="{4A3C46E8-61CC-4603-A589-7422A47A8E4A}"/>

--- a/CSS/css分享/css分享 - 布局.pptx
+++ b/CSS/css分享/css分享 - 布局.pptx
@@ -12,6 +12,7 @@
     <p:sldId id="261" r:id="rId7"/>
     <p:sldId id="262" r:id="rId8"/>
     <p:sldId id="263" r:id="rId9"/>
+    <p:sldId id="264" r:id="rId10"/>
   </p:sldIdLst>
   <p:sldSz cx="12192000" cy="6858000"/>
   <p:notesSz cx="6858000" cy="9144000"/>
@@ -2655,7 +2656,7 @@
         <a:spcBef>
           <a:spcPts val="1000"/>
         </a:spcBef>
-        <a:buFont typeface="Arial" panose="020B0604020202090204" pitchFamily="34" charset="0"/>
+        <a:buFont typeface="Arial" panose="020B0604020202020204" pitchFamily="34" charset="0"/>
         <a:buChar char="•"/>
         <a:defRPr sz="2800" kern="1200">
           <a:solidFill>
@@ -2673,7 +2674,7 @@
         <a:spcBef>
           <a:spcPts val="500"/>
         </a:spcBef>
-        <a:buFont typeface="Arial" panose="020B0604020202090204" pitchFamily="34" charset="0"/>
+        <a:buFont typeface="Arial" panose="020B0604020202020204" pitchFamily="34" charset="0"/>
         <a:buChar char="•"/>
         <a:defRPr sz="2400" kern="1200">
           <a:solidFill>
@@ -2691,7 +2692,7 @@
         <a:spcBef>
           <a:spcPts val="500"/>
         </a:spcBef>
-        <a:buFont typeface="Arial" panose="020B0604020202090204" pitchFamily="34" charset="0"/>
+        <a:buFont typeface="Arial" panose="020B0604020202020204" pitchFamily="34" charset="0"/>
         <a:buChar char="•"/>
         <a:defRPr sz="2000" kern="1200">
           <a:solidFill>
@@ -2709,7 +2710,7 @@
         <a:spcBef>
           <a:spcPts val="500"/>
         </a:spcBef>
-        <a:buFont typeface="Arial" panose="020B0604020202090204" pitchFamily="34" charset="0"/>
+        <a:buFont typeface="Arial" panose="020B0604020202020204" pitchFamily="34" charset="0"/>
         <a:buChar char="•"/>
         <a:defRPr sz="1800" kern="1200">
           <a:solidFill>
@@ -2727,7 +2728,7 @@
         <a:spcBef>
           <a:spcPts val="500"/>
         </a:spcBef>
-        <a:buFont typeface="Arial" panose="020B0604020202090204" pitchFamily="34" charset="0"/>
+        <a:buFont typeface="Arial" panose="020B0604020202020204" pitchFamily="34" charset="0"/>
         <a:buChar char="•"/>
         <a:defRPr sz="1800" kern="1200">
           <a:solidFill>
@@ -2745,7 +2746,7 @@
         <a:spcBef>
           <a:spcPts val="500"/>
         </a:spcBef>
-        <a:buFont typeface="Arial" panose="020B0604020202090204" pitchFamily="34" charset="0"/>
+        <a:buFont typeface="Arial" panose="020B0604020202020204" pitchFamily="34" charset="0"/>
         <a:buChar char="•"/>
         <a:defRPr sz="1800" kern="1200">
           <a:solidFill>
@@ -2763,7 +2764,7 @@
         <a:spcBef>
           <a:spcPts val="500"/>
         </a:spcBef>
-        <a:buFont typeface="Arial" panose="020B0604020202090204" pitchFamily="34" charset="0"/>
+        <a:buFont typeface="Arial" panose="020B0604020202020204" pitchFamily="34" charset="0"/>
         <a:buChar char="•"/>
         <a:defRPr sz="1800" kern="1200">
           <a:solidFill>
@@ -2781,7 +2782,7 @@
         <a:spcBef>
           <a:spcPts val="500"/>
         </a:spcBef>
-        <a:buFont typeface="Arial" panose="020B0604020202090204" pitchFamily="34" charset="0"/>
+        <a:buFont typeface="Arial" panose="020B0604020202020204" pitchFamily="34" charset="0"/>
         <a:buChar char="•"/>
         <a:defRPr sz="1800" kern="1200">
           <a:solidFill>
@@ -2799,7 +2800,7 @@
         <a:spcBef>
           <a:spcPts val="500"/>
         </a:spcBef>
-        <a:buFont typeface="Arial" panose="020B0604020202090204" pitchFamily="34" charset="0"/>
+        <a:buFont typeface="Arial" panose="020B0604020202020204" pitchFamily="34" charset="0"/>
         <a:buChar char="•"/>
         <a:defRPr sz="1800" kern="1200">
           <a:solidFill>
@@ -3278,22 +3279,16 @@
               <a:buAutoNum type="arabicPeriod"/>
             </a:pPr>
             <a:r>
+              <a:rPr lang="en-US" altLang="zh-CN" sz="1400">
+                <a:sym typeface="+mn-ea"/>
+              </a:rPr>
+              <a:t>position: absolute </a:t>
+            </a:r>
+            <a:r>
               <a:rPr lang="zh-CN" altLang="en-US" sz="1400">
                 <a:sym typeface="+mn-ea"/>
               </a:rPr>
-              <a:t>无依赖绝对定位 </a:t>
-            </a:r>
-            <a:r>
-              <a:rPr lang="en-US" altLang="zh-CN" sz="1400">
-                <a:sym typeface="+mn-ea"/>
-              </a:rPr>
-              <a:t>position: absolute </a:t>
-            </a:r>
-            <a:r>
-              <a:rPr lang="zh-CN" altLang="en-US" sz="1400">
-                <a:sym typeface="+mn-ea"/>
-              </a:rPr>
-              <a:t>的相对性</a:t>
+              <a:t>的相对特性</a:t>
             </a:r>
             <a:endParaRPr lang="zh-CN" altLang="en-US" sz="1400">
               <a:sym typeface="+mn-ea"/>
@@ -3310,7 +3305,7 @@
               <a:rPr lang="en-US" altLang="zh-CN" sz="1400">
                 <a:sym typeface="+mn-ea"/>
               </a:rPr>
-              <a:t> white-space </a:t>
+              <a:t>white-space </a:t>
             </a:r>
             <a:r>
               <a:rPr lang="zh-CN" altLang="en-US" sz="1400">
@@ -3975,9 +3970,9 @@
             </a:pPr>
             <a:r>
               <a:rPr lang="zh-CN" altLang="en-US" sz="1400"/>
-              <a:t>如果没有这样的祖先，包含块就是初始包含块</a:t>
-            </a:r>
-            <a:endParaRPr lang="zh-CN" altLang="en-US" sz="1400"/>
+              <a:t>如果没有这样的祖先，包含块就是初始包含块。</a:t>
+            </a:r>
+            <a:endParaRPr lang="en-US" altLang="zh-CN" sz="1400"/>
           </a:p>
         </p:txBody>
       </p:sp>
@@ -4114,6 +4109,12 @@
             <a:pPr marL="457200" lvl="1" indent="0">
               <a:buNone/>
             </a:pPr>
+            <a:endParaRPr lang="zh-CN" altLang="en-US" sz="1200"/>
+          </a:p>
+          <a:p>
+            <a:pPr marL="457200" lvl="1" indent="0">
+              <a:buNone/>
+            </a:pPr>
             <a:r>
               <a:rPr lang="zh-CN" altLang="en-US" sz="1200"/>
               <a:t>.box { width: 100px; border: 1px solid; } 或者 .box { width: 100px; padding: 20px; }</a:t>
@@ -4258,22 +4259,16 @@
               </a:rPr>
             </a:br>
             <a:r>
+              <a:rPr lang="en-US" altLang="zh-CN">
+                <a:sym typeface="+mn-ea"/>
+              </a:rPr>
+              <a:t>position: absolute </a:t>
+            </a:r>
+            <a:r>
               <a:rPr lang="zh-CN" altLang="en-US">
                 <a:sym typeface="+mn-ea"/>
               </a:rPr>
-              <a:t>无依赖绝对定位 </a:t>
-            </a:r>
-            <a:r>
-              <a:rPr lang="en-US" altLang="zh-CN">
-                <a:sym typeface="+mn-ea"/>
-              </a:rPr>
-              <a:t>position: absolute </a:t>
-            </a:r>
-            <a:r>
-              <a:rPr lang="zh-CN" altLang="en-US">
-                <a:sym typeface="+mn-ea"/>
-              </a:rPr>
-              <a:t>的相对性</a:t>
+              <a:t>的相对特性</a:t>
             </a:r>
             <a:br>
               <a:rPr lang="zh-CN" altLang="en-US">
@@ -4305,36 +4300,392 @@
             <a:endParaRPr lang="zh-CN" altLang="en-US" sz="1400"/>
           </a:p>
           <a:p>
-            <a:pPr marL="457200" lvl="1" indent="0">
-              <a:buNone/>
-            </a:pPr>
-            <a:r>
-              <a:rPr lang="zh-CN" altLang="en-US" sz="1025"/>
-              <a:t>一个绝对定位元素，没有任何 left/top/right/bottom 属性设置，并且其祖先元素全部都是非定位元素，其位置在哪里？</a:t>
-            </a:r>
-            <a:endParaRPr lang="zh-CN" altLang="en-US" sz="1025"/>
+            <a:pPr lvl="1">
+              <a:buAutoNum type="arabicPeriod"/>
+            </a:pPr>
+            <a:r>
+              <a:rPr lang="zh-CN" altLang="en-US" sz="1200"/>
+              <a:t>一个绝对定位元素，没有任何 left/top/right/bottom 属性设置，并且其祖先元素全部都是非定位元素，其位置在哪里？（</a:t>
+            </a:r>
+            <a:r>
+              <a:rPr lang="en-US" altLang="zh-CN" sz="1200">
+                <a:sym typeface="+mn-ea"/>
+              </a:rPr>
+              <a:t>demo-2</a:t>
+            </a:r>
+            <a:r>
+              <a:rPr lang="zh-CN" altLang="en-US" sz="1200">
+                <a:sym typeface="+mn-ea"/>
+              </a:rPr>
+              <a:t>，</a:t>
+            </a:r>
+            <a:r>
+              <a:rPr lang="en-US" altLang="zh-CN" sz="1200">
+                <a:sym typeface="+mn-ea"/>
+              </a:rPr>
+              <a:t>demo-3</a:t>
+            </a:r>
+            <a:r>
+              <a:rPr lang="zh-CN" altLang="en-US" sz="1200"/>
+              <a:t>）</a:t>
+            </a:r>
+            <a:endParaRPr lang="zh-CN" altLang="en-US" sz="1200"/>
+          </a:p>
+          <a:p>
+            <a:pPr lvl="1">
+              <a:buAutoNum type="arabicPeriod"/>
+            </a:pPr>
+            <a:r>
+              <a:rPr lang="zh-CN" altLang="en-US" sz="1200">
+                <a:sym typeface="+mn-ea"/>
+              </a:rPr>
+              <a:t>绝对定位元素，其祖先元素全部都是非定位元素，其位置在哪里？（</a:t>
+            </a:r>
+            <a:r>
+              <a:rPr lang="en-US" altLang="zh-CN" sz="1200">
+                <a:sym typeface="+mn-ea"/>
+              </a:rPr>
+              <a:t>demo-4</a:t>
+            </a:r>
+            <a:r>
+              <a:rPr lang="zh-CN" altLang="en-US" sz="1200">
+                <a:sym typeface="+mn-ea"/>
+              </a:rPr>
+              <a:t>）</a:t>
+            </a:r>
+            <a:endParaRPr lang="zh-CN" altLang="en-US" sz="1200">
+              <a:sym typeface="+mn-ea"/>
+            </a:endParaRPr>
           </a:p>
           <a:p>
             <a:pPr lvl="0"/>
             <a:r>
-              <a:rPr lang="en-US" altLang="zh-CN" sz="1195">
-                <a:sym typeface="+mn-ea"/>
-              </a:rPr>
-              <a:t>demo-2</a:t>
-            </a:r>
-            <a:endParaRPr lang="en-US" altLang="zh-CN" sz="1195">
+              <a:rPr lang="zh-CN" altLang="en-US" sz="1400">
+                <a:sym typeface="+mn-ea"/>
+              </a:rPr>
+              <a:t>static</a:t>
+            </a:r>
+            <a:endParaRPr lang="zh-CN" altLang="en-US" sz="1400">
+              <a:sym typeface="+mn-ea"/>
+            </a:endParaRPr>
+          </a:p>
+          <a:p>
+            <a:pPr marL="0" lvl="0" indent="0">
+              <a:buNone/>
+            </a:pPr>
+            <a:r>
+              <a:rPr lang="zh-CN" altLang="en-US" sz="1200">
+                <a:sym typeface="+mn-ea"/>
+              </a:rPr>
+              <a:t>         盒是个常规盒，根据常规流布局。'top'，'right'，'bottom'和'left'属性失效</a:t>
+            </a:r>
+            <a:endParaRPr lang="zh-CN" altLang="en-US" sz="1200">
               <a:sym typeface="+mn-ea"/>
             </a:endParaRPr>
           </a:p>
           <a:p>
             <a:pPr lvl="0"/>
             <a:r>
-              <a:rPr lang="en-US" altLang="zh-CN" sz="1190">
-                <a:sym typeface="+mn-ea"/>
-              </a:rPr>
-              <a:t>demo-3</a:t>
-            </a:r>
+              <a:rPr lang="zh-CN" altLang="en-US" sz="1400">
+                <a:sym typeface="+mn-ea"/>
+              </a:rPr>
+              <a:t>relative</a:t>
+            </a:r>
+            <a:endParaRPr lang="zh-CN" altLang="en-US" sz="1400">
+              <a:sym typeface="+mn-ea"/>
+            </a:endParaRPr>
+          </a:p>
+          <a:p>
+            <a:pPr marL="0" lvl="0" indent="0">
+              <a:buNone/>
+            </a:pPr>
+            <a:r>
+              <a:rPr lang="zh-CN" altLang="en-US" sz="1200">
+                <a:sym typeface="+mn-ea"/>
+              </a:rPr>
+              <a:t>         盒的位置是根据常规流计算的（被称为常规流中的位置），然后盒相对于其常规位置偏移。当盒B为相对定位时，后面的盒的位置仍按照B没有偏移量来计算</a:t>
+            </a:r>
+            <a:endParaRPr lang="zh-CN" altLang="en-US" sz="1200">
+              <a:sym typeface="+mn-ea"/>
+            </a:endParaRPr>
+          </a:p>
+          <a:p>
+            <a:pPr lvl="0"/>
+            <a:r>
+              <a:rPr lang="zh-CN" altLang="en-US" sz="1400">
+                <a:sym typeface="+mn-ea"/>
+              </a:rPr>
+              <a:t>absolute</a:t>
+            </a:r>
+            <a:endParaRPr lang="zh-CN" altLang="en-US" sz="1400">
+              <a:sym typeface="+mn-ea"/>
+            </a:endParaRPr>
+          </a:p>
+          <a:p>
+            <a:pPr marL="0" lvl="0" indent="0">
+              <a:buNone/>
+            </a:pPr>
+            <a:r>
+              <a:rPr lang="zh-CN" altLang="en-US" sz="1400">
+                <a:sym typeface="+mn-ea"/>
+              </a:rPr>
+              <a:t>        </a:t>
+            </a:r>
+            <a:r>
+              <a:rPr lang="zh-CN" altLang="en-US" sz="1200">
+                <a:sym typeface="+mn-ea"/>
+              </a:rPr>
+              <a:t>盒的位置（及可能的大小）由'top'，'right'，'bottom'和'left'属性指定，这些属性指定了相对于盒的包含块的偏移量。绝对定位的盒脱离了常规流，意味着它们不会影响后面兄弟元素的布局，而且，虽然绝对定位的盒有外边距，但它们不会与任何其它外边距合并</a:t>
+            </a:r>
+            <a:endParaRPr lang="zh-CN" altLang="en-US" sz="1200">
+              <a:sym typeface="+mn-ea"/>
+            </a:endParaRPr>
+          </a:p>
+          <a:p>
+            <a:pPr lvl="0"/>
+            <a:r>
+              <a:rPr lang="zh-CN" altLang="en-US" sz="1400">
+                <a:sym typeface="+mn-ea"/>
+              </a:rPr>
+              <a:t>具有相对特性的无依赖absolute绝对定位   </a:t>
+            </a:r>
+            <a:r>
+              <a:rPr lang="en-US" altLang="zh-CN" sz="1400">
+                <a:sym typeface="+mn-ea"/>
+              </a:rPr>
+              <a:t>- </a:t>
+            </a:r>
+            <a:r>
+              <a:rPr lang="zh-CN" altLang="en-US" sz="1400">
+                <a:sym typeface="+mn-ea"/>
+              </a:rPr>
+              <a:t>《</a:t>
+            </a:r>
+            <a:r>
+              <a:rPr lang="en-US" altLang="zh-CN" sz="1400">
+                <a:sym typeface="+mn-ea"/>
+              </a:rPr>
+              <a:t>CSS</a:t>
+            </a:r>
+            <a:r>
+              <a:rPr lang="zh-CN" altLang="en-US" sz="1400">
+                <a:sym typeface="+mn-ea"/>
+              </a:rPr>
+              <a:t>世界</a:t>
+            </a:r>
+            <a:r>
+              <a:rPr lang="zh-CN" altLang="en-US" sz="1400">
+                <a:sym typeface="+mn-ea"/>
+              </a:rPr>
+              <a:t>》</a:t>
+            </a:r>
+            <a:endParaRPr lang="zh-CN" altLang="en-US" sz="1400">
+              <a:sym typeface="+mn-ea"/>
+            </a:endParaRPr>
+          </a:p>
+          <a:p>
+            <a:pPr marL="0" lvl="0" indent="0">
+              <a:buNone/>
+            </a:pPr>
+            <a:r>
+              <a:rPr lang="en-US" altLang="zh-CN" sz="1400">
+                <a:sym typeface="+mn-ea"/>
+              </a:rPr>
+              <a:t>        </a:t>
+            </a:r>
+            <a:r>
+              <a:rPr lang="en-US" altLang="zh-CN" sz="1200">
+                <a:sym typeface="+mn-ea"/>
+              </a:rPr>
+              <a:t>我把这种没有设置 left/top/right/bottom 属性值的绝对定位称为“无依赖绝对定位”。无依赖绝对定位”本质上就是“相对定位”，仅仅是不占据 CSS 流的尺寸空间而已。</a:t>
+            </a:r>
+            <a:endParaRPr lang="en-US" altLang="zh-CN" sz="1200">
+              <a:sym typeface="+mn-ea"/>
+            </a:endParaRPr>
+          </a:p>
+          <a:p>
+            <a:pPr marL="0" lvl="0" indent="0">
+              <a:buNone/>
+            </a:pPr>
+            <a:r>
+              <a:rPr lang="en-US" altLang="zh-CN" sz="1200">
+                <a:sym typeface="+mn-ea"/>
+              </a:rPr>
+              <a:t>         demo - </a:t>
+            </a:r>
+            <a:r>
+              <a:rPr lang="zh-CN" altLang="en-US" sz="1200">
+                <a:sym typeface="+mn-ea"/>
+              </a:rPr>
+              <a:t>http://demo.cssworld.cn/6/5-4.php</a:t>
+            </a:r>
+            <a:endParaRPr lang="zh-CN" altLang="en-US" sz="1200">
+              <a:sym typeface="+mn-ea"/>
+            </a:endParaRPr>
+          </a:p>
+          <a:p>
+            <a:pPr marL="0" lvl="0" indent="0">
+              <a:buNone/>
+            </a:pPr>
             <a:endParaRPr lang="zh-CN" altLang="en-US" sz="1195"/>
+          </a:p>
+        </p:txBody>
+      </p:sp>
+    </p:spTree>
+  </p:cSld>
+  <p:clrMapOvr>
+    <a:masterClrMapping/>
+  </p:clrMapOvr>
+</p:sld>
+</file>
+
+<file path=ppt/slides/slide8.xml><?xml version="1.0" encoding="utf-8"?>
+<p:sld xmlns:a="http://schemas.openxmlformats.org/drawingml/2006/main" xmlns:r="http://schemas.openxmlformats.org/officeDocument/2006/relationships" xmlns:p="http://schemas.openxmlformats.org/presentationml/2006/main">
+  <p:cSld>
+    <p:spTree>
+      <p:nvGrpSpPr>
+        <p:cNvPr id="1" name=""/>
+        <p:cNvGrpSpPr/>
+        <p:nvPr/>
+      </p:nvGrpSpPr>
+      <p:grpSpPr/>
+      <p:sp>
+        <p:nvSpPr>
+          <p:cNvPr id="2" name="标题 1"/>
+          <p:cNvSpPr>
+            <a:spLocks noGrp="1"/>
+          </p:cNvSpPr>
+          <p:nvPr>
+            <p:ph type="title"/>
+          </p:nvPr>
+        </p:nvSpPr>
+        <p:spPr/>
+        <p:txBody>
+          <a:bodyPr>
+            <a:normAutofit fontScale="90000"/>
+          </a:bodyPr>
+          <a:p>
+            <a:br>
+              <a:rPr lang="en-US" altLang="zh-CN">
+                <a:sym typeface="+mn-ea"/>
+              </a:rPr>
+            </a:br>
+            <a:r>
+              <a:rPr lang="en-US" altLang="zh-CN">
+                <a:sym typeface="+mn-ea"/>
+              </a:rPr>
+              <a:t>white-space </a:t>
+            </a:r>
+            <a:r>
+              <a:rPr lang="zh-CN" altLang="en-US">
+                <a:sym typeface="+mn-ea"/>
+              </a:rPr>
+              <a:t>作用原理</a:t>
+            </a:r>
+            <a:br>
+              <a:rPr lang="zh-CN" altLang="en-US">
+                <a:sym typeface="+mn-ea"/>
+              </a:rPr>
+            </a:br>
+            <a:endParaRPr lang="zh-CN" altLang="en-US"/>
+          </a:p>
+        </p:txBody>
+      </p:sp>
+      <p:sp>
+        <p:nvSpPr>
+          <p:cNvPr id="3" name="内容占位符 2"/>
+          <p:cNvSpPr>
+            <a:spLocks noGrp="1"/>
+          </p:cNvSpPr>
+          <p:nvPr>
+            <p:ph idx="1"/>
+          </p:nvPr>
+        </p:nvSpPr>
+        <p:spPr>
+          <a:xfrm>
+            <a:off x="838200" y="1825625"/>
+            <a:ext cx="10515600" cy="4351338"/>
+          </a:xfrm>
+        </p:spPr>
+        <p:txBody>
+          <a:bodyPr/>
+          <a:p>
+            <a:r>
+              <a:rPr lang="zh-CN" altLang="en-US" sz="1200">
+                <a:sym typeface="+mn-ea"/>
+              </a:rPr>
+              <a:t>文本内容超出省略</a:t>
+            </a:r>
+            <a:endParaRPr lang="zh-CN" altLang="en-US" sz="1200">
+              <a:sym typeface="+mn-ea"/>
+            </a:endParaRPr>
+          </a:p>
+          <a:p>
+            <a:r>
+              <a:rPr lang="zh-CN" altLang="en-US" sz="1200">
+                <a:sym typeface="+mn-ea"/>
+              </a:rPr>
+              <a:t>word-spacing、</a:t>
+            </a:r>
+            <a:r>
+              <a:rPr lang="zh-CN" altLang="en-US" sz="1200">
+                <a:sym typeface="+mn-ea"/>
+              </a:rPr>
+              <a:t>letter-spacing、word-break、word-wrap</a:t>
+            </a:r>
+            <a:endParaRPr lang="zh-CN" altLang="en-US" sz="1200">
+              <a:sym typeface="+mn-ea"/>
+            </a:endParaRPr>
+          </a:p>
+          <a:p>
+            <a:r>
+              <a:rPr lang="zh-CN" altLang="en-US" sz="1200">
+                <a:sym typeface="+mn-ea"/>
+              </a:rPr>
+              <a:t>空白字符：'white-space'属性</a:t>
+            </a:r>
+            <a:endParaRPr lang="zh-CN" altLang="en-US" sz="1200">
+              <a:sym typeface="+mn-ea"/>
+            </a:endParaRPr>
+          </a:p>
+          <a:p>
+            <a:r>
+              <a:rPr lang="zh-CN" altLang="en-US" sz="1200">
+                <a:sym typeface="+mn-ea"/>
+              </a:rPr>
+              <a:t>问题：</a:t>
+            </a:r>
+            <a:endParaRPr lang="zh-CN" altLang="en-US" sz="1200">
+              <a:sym typeface="+mn-ea"/>
+            </a:endParaRPr>
+          </a:p>
+          <a:p>
+            <a:r>
+              <a:rPr lang="en-US" altLang="zh-CN" sz="1200">
+                <a:sym typeface="+mn-ea"/>
+              </a:rPr>
+              <a:t>1. html </a:t>
+            </a:r>
+            <a:r>
+              <a:rPr lang="zh-CN" altLang="en-US" sz="1200">
+                <a:sym typeface="+mn-ea"/>
+              </a:rPr>
+              <a:t>文本多个空格会如何显示？</a:t>
+            </a:r>
+            <a:endParaRPr lang="zh-CN" altLang="en-US" sz="1200">
+              <a:sym typeface="+mn-ea"/>
+            </a:endParaRPr>
+          </a:p>
+          <a:p>
+            <a:endParaRPr lang="zh-CN" altLang="en-US" sz="1200">
+              <a:sym typeface="+mn-ea"/>
+            </a:endParaRPr>
+          </a:p>
+          <a:p>
+            <a:pPr marL="0" indent="0">
+              <a:buNone/>
+            </a:pPr>
+            <a:endParaRPr lang="zh-CN" altLang="en-US"/>
           </a:p>
         </p:txBody>
       </p:sp>
@@ -4597,6 +4948,8 @@
       </a:bgFillStyleLst>
     </a:fmtScheme>
   </a:themeElements>
+  <a:objectDefaults/>
+  <a:extraClrSchemeLst/>
   <a:extLst>
     <a:ext uri="{05A4C25C-085E-4340-85A3-A5531E510DB2}">
       <thm15:themeFamily xmlns:thm15="http://schemas.microsoft.com/office/thememl/2012/main" name="Office Theme" id="{62F939B6-93AF-4DB8-9C6B-D6C7DFDC589F}" vid="{4A3C46E8-61CC-4603-A589-7422A47A8E4A}"/>

--- a/CSS/css分享/css分享 - 布局.pptx
+++ b/CSS/css分享/css分享 - 布局.pptx
@@ -7,12 +7,15 @@
   <p:sldIdLst>
     <p:sldId id="256" r:id="rId3"/>
     <p:sldId id="257" r:id="rId4"/>
-    <p:sldId id="259" r:id="rId5"/>
-    <p:sldId id="260" r:id="rId6"/>
-    <p:sldId id="261" r:id="rId7"/>
-    <p:sldId id="262" r:id="rId8"/>
-    <p:sldId id="263" r:id="rId9"/>
-    <p:sldId id="264" r:id="rId10"/>
+    <p:sldId id="265" r:id="rId5"/>
+    <p:sldId id="266" r:id="rId6"/>
+    <p:sldId id="273" r:id="rId7"/>
+    <p:sldId id="259" r:id="rId8"/>
+    <p:sldId id="260" r:id="rId9"/>
+    <p:sldId id="261" r:id="rId10"/>
+    <p:sldId id="262" r:id="rId11"/>
+    <p:sldId id="263" r:id="rId12"/>
+    <p:sldId id="279" r:id="rId13"/>
   </p:sldIdLst>
   <p:sldSz cx="12192000" cy="6858000"/>
   <p:notesSz cx="6858000" cy="9144000"/>
@@ -2985,6 +2988,477 @@
 </p:sld>
 </file>
 
+<file path=ppt/slides/slide10.xml><?xml version="1.0" encoding="utf-8"?>
+<p:sld xmlns:a="http://schemas.openxmlformats.org/drawingml/2006/main" xmlns:r="http://schemas.openxmlformats.org/officeDocument/2006/relationships" xmlns:p="http://schemas.openxmlformats.org/presentationml/2006/main">
+  <p:cSld>
+    <p:spTree>
+      <p:nvGrpSpPr>
+        <p:cNvPr id="1" name=""/>
+        <p:cNvGrpSpPr/>
+        <p:nvPr/>
+      </p:nvGrpSpPr>
+      <p:grpSpPr/>
+      <p:sp>
+        <p:nvSpPr>
+          <p:cNvPr id="2" name="标题 1"/>
+          <p:cNvSpPr>
+            <a:spLocks noGrp="1"/>
+          </p:cNvSpPr>
+          <p:nvPr>
+            <p:ph type="title"/>
+          </p:nvPr>
+        </p:nvSpPr>
+        <p:spPr/>
+        <p:txBody>
+          <a:bodyPr>
+            <a:normAutofit fontScale="90000"/>
+          </a:bodyPr>
+          <a:p>
+            <a:br>
+              <a:rPr lang="zh-CN" altLang="en-US">
+                <a:sym typeface="+mn-ea"/>
+              </a:rPr>
+            </a:br>
+            <a:r>
+              <a:rPr lang="en-US" altLang="zh-CN">
+                <a:sym typeface="+mn-ea"/>
+              </a:rPr>
+              <a:t>position: absolute </a:t>
+            </a:r>
+            <a:r>
+              <a:rPr lang="zh-CN" altLang="en-US">
+                <a:sym typeface="+mn-ea"/>
+              </a:rPr>
+              <a:t>的相对特性</a:t>
+            </a:r>
+            <a:br>
+              <a:rPr lang="zh-CN" altLang="en-US">
+                <a:sym typeface="+mn-ea"/>
+              </a:rPr>
+            </a:br>
+            <a:endParaRPr lang="zh-CN" altLang="en-US"/>
+          </a:p>
+        </p:txBody>
+      </p:sp>
+      <p:sp>
+        <p:nvSpPr>
+          <p:cNvPr id="3" name="内容占位符 2"/>
+          <p:cNvSpPr>
+            <a:spLocks noGrp="1"/>
+          </p:cNvSpPr>
+          <p:nvPr>
+            <p:ph idx="1"/>
+          </p:nvPr>
+        </p:nvSpPr>
+        <p:spPr/>
+        <p:txBody>
+          <a:bodyPr/>
+          <a:p>
+            <a:r>
+              <a:rPr lang="zh-CN" altLang="en-US" sz="1400">
+                <a:latin typeface="+mn-ea"/>
+              </a:rPr>
+              <a:t>问题：</a:t>
+            </a:r>
+            <a:endParaRPr lang="zh-CN" altLang="en-US" sz="1400">
+              <a:latin typeface="+mn-ea"/>
+            </a:endParaRPr>
+          </a:p>
+          <a:p>
+            <a:pPr lvl="1">
+              <a:buAutoNum type="arabicPeriod"/>
+            </a:pPr>
+            <a:r>
+              <a:rPr lang="zh-CN" altLang="en-US" sz="1200">
+                <a:latin typeface="+mn-ea"/>
+              </a:rPr>
+              <a:t>一个绝对定位元素，没有任何 left/top/right/bottom 属性设置，并且其祖先元素全部都是非定位元素，其位置在哪里？（</a:t>
+            </a:r>
+            <a:r>
+              <a:rPr lang="en-US" altLang="zh-CN" sz="1200">
+                <a:latin typeface="+mn-ea"/>
+                <a:sym typeface="+mn-ea"/>
+              </a:rPr>
+              <a:t>demo-2</a:t>
+            </a:r>
+            <a:r>
+              <a:rPr lang="zh-CN" altLang="en-US" sz="1200">
+                <a:latin typeface="+mn-ea"/>
+                <a:sym typeface="+mn-ea"/>
+              </a:rPr>
+              <a:t>，</a:t>
+            </a:r>
+            <a:r>
+              <a:rPr lang="en-US" altLang="zh-CN" sz="1200">
+                <a:latin typeface="+mn-ea"/>
+                <a:sym typeface="+mn-ea"/>
+              </a:rPr>
+              <a:t>demo-3</a:t>
+            </a:r>
+            <a:r>
+              <a:rPr lang="zh-CN" altLang="en-US" sz="1200">
+                <a:latin typeface="+mn-ea"/>
+              </a:rPr>
+              <a:t>）</a:t>
+            </a:r>
+            <a:endParaRPr lang="zh-CN" altLang="en-US" sz="1200">
+              <a:latin typeface="+mn-ea"/>
+            </a:endParaRPr>
+          </a:p>
+          <a:p>
+            <a:pPr lvl="1">
+              <a:buAutoNum type="arabicPeriod"/>
+            </a:pPr>
+            <a:r>
+              <a:rPr lang="zh-CN" altLang="en-US" sz="1200">
+                <a:latin typeface="+mn-ea"/>
+                <a:sym typeface="+mn-ea"/>
+              </a:rPr>
+              <a:t>绝对定位元素，其祖先元素全部都是非定位元素，其位置在哪里？（</a:t>
+            </a:r>
+            <a:r>
+              <a:rPr lang="en-US" altLang="zh-CN" sz="1200">
+                <a:latin typeface="+mn-ea"/>
+                <a:sym typeface="+mn-ea"/>
+              </a:rPr>
+              <a:t>demo-4</a:t>
+            </a:r>
+            <a:r>
+              <a:rPr lang="zh-CN" altLang="en-US" sz="1200">
+                <a:latin typeface="+mn-ea"/>
+                <a:sym typeface="+mn-ea"/>
+              </a:rPr>
+              <a:t>）</a:t>
+            </a:r>
+            <a:endParaRPr lang="zh-CN" altLang="en-US" sz="1200">
+              <a:latin typeface="+mn-ea"/>
+              <a:sym typeface="+mn-ea"/>
+            </a:endParaRPr>
+          </a:p>
+          <a:p>
+            <a:pPr lvl="0"/>
+            <a:r>
+              <a:rPr lang="zh-CN" altLang="en-US" sz="1400">
+                <a:latin typeface="+mn-ea"/>
+                <a:sym typeface="+mn-ea"/>
+              </a:rPr>
+              <a:t>static</a:t>
+            </a:r>
+            <a:endParaRPr lang="zh-CN" altLang="en-US" sz="1400">
+              <a:latin typeface="+mn-ea"/>
+              <a:sym typeface="+mn-ea"/>
+            </a:endParaRPr>
+          </a:p>
+          <a:p>
+            <a:pPr marL="0" lvl="0" indent="0">
+              <a:buNone/>
+            </a:pPr>
+            <a:r>
+              <a:rPr lang="zh-CN" altLang="en-US" sz="1200">
+                <a:latin typeface="+mn-ea"/>
+                <a:sym typeface="+mn-ea"/>
+              </a:rPr>
+              <a:t>    盒是个常规盒，根据常规流布局。'top'，'right'，'bottom'和'left'属性失效</a:t>
+            </a:r>
+            <a:endParaRPr lang="zh-CN" altLang="en-US" sz="1200">
+              <a:latin typeface="+mn-ea"/>
+              <a:sym typeface="+mn-ea"/>
+            </a:endParaRPr>
+          </a:p>
+          <a:p>
+            <a:pPr lvl="0"/>
+            <a:r>
+              <a:rPr lang="zh-CN" altLang="en-US" sz="1400">
+                <a:latin typeface="+mn-ea"/>
+                <a:sym typeface="+mn-ea"/>
+              </a:rPr>
+              <a:t>relative</a:t>
+            </a:r>
+            <a:endParaRPr lang="zh-CN" altLang="en-US" sz="1400">
+              <a:latin typeface="+mn-ea"/>
+              <a:sym typeface="+mn-ea"/>
+            </a:endParaRPr>
+          </a:p>
+          <a:p>
+            <a:pPr marL="0" lvl="0" indent="0">
+              <a:buNone/>
+            </a:pPr>
+            <a:r>
+              <a:rPr lang="zh-CN" altLang="en-US" sz="1200">
+                <a:latin typeface="+mn-ea"/>
+                <a:sym typeface="+mn-ea"/>
+              </a:rPr>
+              <a:t>    盒的位置是根据常规流计算的（被称为常规流中的位置），然后盒相对于其常规位置偏移。当盒B为相对定位时，后面的盒的位置仍按照B没有偏移量来计算</a:t>
+            </a:r>
+            <a:endParaRPr lang="zh-CN" altLang="en-US" sz="1200">
+              <a:latin typeface="+mn-ea"/>
+              <a:sym typeface="+mn-ea"/>
+            </a:endParaRPr>
+          </a:p>
+          <a:p>
+            <a:pPr lvl="0"/>
+            <a:r>
+              <a:rPr lang="zh-CN" altLang="en-US" sz="1400">
+                <a:latin typeface="+mn-ea"/>
+                <a:sym typeface="+mn-ea"/>
+              </a:rPr>
+              <a:t>absolute</a:t>
+            </a:r>
+            <a:endParaRPr lang="zh-CN" altLang="en-US" sz="1400">
+              <a:latin typeface="+mn-ea"/>
+              <a:sym typeface="+mn-ea"/>
+            </a:endParaRPr>
+          </a:p>
+          <a:p>
+            <a:pPr marL="0" lvl="0" indent="0">
+              <a:buNone/>
+            </a:pPr>
+            <a:r>
+              <a:rPr lang="zh-CN" altLang="en-US" sz="1400">
+                <a:latin typeface="+mn-ea"/>
+                <a:sym typeface="+mn-ea"/>
+              </a:rPr>
+              <a:t>   </a:t>
+            </a:r>
+            <a:r>
+              <a:rPr lang="zh-CN" altLang="en-US" sz="1200">
+                <a:latin typeface="+mn-ea"/>
+                <a:sym typeface="+mn-ea"/>
+              </a:rPr>
+              <a:t>盒的位置（及可能的大小）由'top'，'right'，'bottom'和'left'属性指定，这些属性指定了相对于盒的包含块的偏移量。绝对定位的盒脱离了常规流，意味着它们不会影响后面兄弟元素的布局，而且，虽然绝对定位的盒有外边距，但它们不会与任何其它外边距合并</a:t>
+            </a:r>
+            <a:endParaRPr lang="zh-CN" altLang="en-US" sz="1200">
+              <a:latin typeface="+mn-ea"/>
+              <a:sym typeface="+mn-ea"/>
+            </a:endParaRPr>
+          </a:p>
+          <a:p>
+            <a:pPr lvl="0"/>
+            <a:r>
+              <a:rPr lang="zh-CN" altLang="en-US" sz="1400">
+                <a:latin typeface="+mn-ea"/>
+                <a:sym typeface="+mn-ea"/>
+              </a:rPr>
+              <a:t>具有相对特性的无依赖absolute绝对定位   </a:t>
+            </a:r>
+            <a:r>
+              <a:rPr lang="en-US" altLang="zh-CN" sz="1400">
+                <a:latin typeface="+mn-ea"/>
+                <a:sym typeface="+mn-ea"/>
+              </a:rPr>
+              <a:t>- </a:t>
+            </a:r>
+            <a:r>
+              <a:rPr lang="zh-CN" altLang="en-US" sz="1400">
+                <a:latin typeface="+mn-ea"/>
+                <a:sym typeface="+mn-ea"/>
+              </a:rPr>
+              <a:t>《</a:t>
+            </a:r>
+            <a:r>
+              <a:rPr lang="en-US" altLang="zh-CN" sz="1400">
+                <a:latin typeface="+mn-ea"/>
+                <a:sym typeface="+mn-ea"/>
+              </a:rPr>
+              <a:t>CSS</a:t>
+            </a:r>
+            <a:r>
+              <a:rPr lang="zh-CN" altLang="en-US" sz="1400">
+                <a:latin typeface="+mn-ea"/>
+                <a:sym typeface="+mn-ea"/>
+              </a:rPr>
+              <a:t>世界》</a:t>
+            </a:r>
+            <a:endParaRPr lang="zh-CN" altLang="en-US" sz="1400">
+              <a:latin typeface="+mn-ea"/>
+              <a:sym typeface="+mn-ea"/>
+            </a:endParaRPr>
+          </a:p>
+          <a:p>
+            <a:pPr marL="0" lvl="0" indent="0">
+              <a:buNone/>
+            </a:pPr>
+            <a:r>
+              <a:rPr lang="en-US" altLang="zh-CN" sz="1400">
+                <a:latin typeface="+mn-ea"/>
+                <a:sym typeface="+mn-ea"/>
+              </a:rPr>
+              <a:t>       </a:t>
+            </a:r>
+            <a:r>
+              <a:rPr lang="en-US" altLang="zh-CN" sz="1200">
+                <a:latin typeface="+mn-ea"/>
+                <a:sym typeface="+mn-ea"/>
+              </a:rPr>
+              <a:t>把这种没有设置 left/top/right/bottom 属性值的绝对定位称为“无依赖绝对定位”。无依赖绝对定位”本质上就是“相对定位”，仅仅是不占据 CSS 流的尺寸空间而已。</a:t>
+            </a:r>
+            <a:endParaRPr lang="en-US" altLang="zh-CN" sz="1200">
+              <a:latin typeface="+mn-ea"/>
+              <a:sym typeface="+mn-ea"/>
+            </a:endParaRPr>
+          </a:p>
+          <a:p>
+            <a:pPr marL="0" lvl="0" indent="0">
+              <a:buNone/>
+            </a:pPr>
+            <a:r>
+              <a:rPr lang="en-US" altLang="zh-CN" sz="1200">
+                <a:latin typeface="+mn-ea"/>
+                <a:sym typeface="+mn-ea"/>
+              </a:rPr>
+              <a:t>        demo - </a:t>
+            </a:r>
+            <a:r>
+              <a:rPr lang="zh-CN" altLang="en-US" sz="1200">
+                <a:latin typeface="+mn-ea"/>
+                <a:sym typeface="+mn-ea"/>
+              </a:rPr>
+              <a:t>http://demo.cssworld.cn/6/5-4.php</a:t>
+            </a:r>
+            <a:endParaRPr lang="zh-CN" altLang="en-US" sz="1200">
+              <a:latin typeface="+mn-ea"/>
+              <a:sym typeface="+mn-ea"/>
+            </a:endParaRPr>
+          </a:p>
+          <a:p>
+            <a:pPr marL="0" lvl="0" indent="0">
+              <a:buNone/>
+            </a:pPr>
+            <a:endParaRPr lang="zh-CN" altLang="en-US" sz="1195"/>
+          </a:p>
+        </p:txBody>
+      </p:sp>
+    </p:spTree>
+  </p:cSld>
+  <p:clrMapOvr>
+    <a:masterClrMapping/>
+  </p:clrMapOvr>
+</p:sld>
+</file>
+
+<file path=ppt/slides/slide11.xml><?xml version="1.0" encoding="utf-8"?>
+<p:sld xmlns:a="http://schemas.openxmlformats.org/drawingml/2006/main" xmlns:r="http://schemas.openxmlformats.org/officeDocument/2006/relationships" xmlns:p="http://schemas.openxmlformats.org/presentationml/2006/main">
+  <p:cSld>
+    <p:spTree>
+      <p:nvGrpSpPr>
+        <p:cNvPr id="1" name=""/>
+        <p:cNvGrpSpPr/>
+        <p:nvPr/>
+      </p:nvGrpSpPr>
+      <p:grpSpPr/>
+      <p:sp>
+        <p:nvSpPr>
+          <p:cNvPr id="2" name="标题 1"/>
+          <p:cNvSpPr>
+            <a:spLocks noGrp="1"/>
+          </p:cNvSpPr>
+          <p:nvPr>
+            <p:ph type="title"/>
+          </p:nvPr>
+        </p:nvSpPr>
+        <p:spPr/>
+        <p:txBody>
+          <a:bodyPr/>
+          <a:p>
+            <a:r>
+              <a:rPr lang="zh-CN" altLang="en-US"/>
+              <a:t>参考</a:t>
+            </a:r>
+            <a:endParaRPr lang="zh-CN" altLang="en-US"/>
+          </a:p>
+        </p:txBody>
+      </p:sp>
+      <p:sp>
+        <p:nvSpPr>
+          <p:cNvPr id="3" name="内容占位符 2"/>
+          <p:cNvSpPr>
+            <a:spLocks noGrp="1"/>
+          </p:cNvSpPr>
+          <p:nvPr>
+            <p:ph idx="1"/>
+          </p:nvPr>
+        </p:nvSpPr>
+        <p:spPr>
+          <a:xfrm>
+            <a:off x="838200" y="1816100"/>
+            <a:ext cx="10515600" cy="4351338"/>
+          </a:xfrm>
+        </p:spPr>
+        <p:txBody>
+          <a:bodyPr/>
+          <a:p>
+            <a:r>
+              <a:rPr lang="en-US" altLang="zh-CN" sz="1400"/>
+              <a:t>层叠样式表2级修订版1（CSS 2.1）规范的中文翻译</a:t>
+            </a:r>
+            <a:r>
+              <a:rPr lang="zh-CN" altLang="en-US" sz="1400"/>
+              <a:t>：</a:t>
+            </a:r>
+            <a:r>
+              <a:rPr lang="en-US" altLang="zh-CN" sz="1400"/>
+              <a:t>http://www.ayqy.net/doc/css2-1/cover.html#minitoc</a:t>
+            </a:r>
+            <a:endParaRPr lang="en-US" altLang="zh-CN" sz="1400"/>
+          </a:p>
+          <a:p>
+            <a:r>
+              <a:rPr lang="en-US" altLang="zh-CN" sz="1400"/>
+              <a:t>W3C</a:t>
+            </a:r>
+            <a:r>
+              <a:rPr lang="zh-CN" altLang="en-US" sz="1400"/>
+              <a:t>官网：https://www.w3.org/</a:t>
+            </a:r>
+            <a:endParaRPr lang="zh-CN" altLang="en-US" sz="1400"/>
+          </a:p>
+          <a:p>
+            <a:r>
+              <a:rPr lang="en-US" altLang="zh-CN" sz="1400"/>
+              <a:t>MDN - CSS</a:t>
+            </a:r>
+            <a:r>
+              <a:rPr lang="zh-CN" altLang="en-US" sz="1400"/>
+              <a:t>：https://developer.mozilla.org/zh-CN/docs/Web/CSS</a:t>
+            </a:r>
+            <a:endParaRPr lang="zh-CN" altLang="en-US" sz="1400"/>
+          </a:p>
+          <a:p>
+            <a:r>
+              <a:rPr lang="zh-CN" altLang="en-US" sz="1400"/>
+              <a:t>《</a:t>
+            </a:r>
+            <a:r>
+              <a:rPr lang="en-US" altLang="zh-CN" sz="1400"/>
+              <a:t>CSS</a:t>
+            </a:r>
+            <a:r>
+              <a:rPr lang="zh-CN" altLang="en-US" sz="1400"/>
+              <a:t>世界》</a:t>
+            </a:r>
+            <a:r>
+              <a:rPr lang="en-US" altLang="zh-CN" sz="1400"/>
+              <a:t>- </a:t>
+            </a:r>
+            <a:r>
+              <a:rPr lang="zh-CN" altLang="en-US" sz="1400"/>
+              <a:t>张鑫旭</a:t>
+            </a:r>
+            <a:endParaRPr lang="zh-CN" altLang="en-US" sz="1400"/>
+          </a:p>
+          <a:p>
+            <a:endParaRPr lang="en-US" altLang="zh-CN"/>
+          </a:p>
+        </p:txBody>
+      </p:sp>
+    </p:spTree>
+  </p:cSld>
+  <p:clrMapOvr>
+    <a:masterClrMapping/>
+  </p:clrMapOvr>
+</p:sld>
+</file>
+
 <file path=ppt/slides/slide2.xml><?xml version="1.0" encoding="utf-8"?>
 <p:sld xmlns:a="http://schemas.openxmlformats.org/drawingml/2006/main" xmlns:r="http://schemas.openxmlformats.org/officeDocument/2006/relationships" xmlns:p="http://schemas.openxmlformats.org/presentationml/2006/main">
   <p:cSld>
@@ -3038,11 +3512,13 @@
             </a:pPr>
             <a:r>
               <a:rPr lang="zh-CN" altLang="en-US" sz="1400">
+                <a:latin typeface="+mn-ea"/>
                 <a:sym typeface="+mn-ea"/>
               </a:rPr>
               <a:t>开发常用的布局方案</a:t>
             </a:r>
             <a:endParaRPr lang="zh-CN" altLang="en-US" sz="1400">
+              <a:latin typeface="+mn-ea"/>
               <a:sym typeface="+mn-ea"/>
             </a:endParaRPr>
           </a:p>
@@ -3055,41 +3531,41 @@
             </a:pPr>
             <a:r>
               <a:rPr lang="zh-CN" altLang="en-US" sz="1400">
-                <a:sym typeface="+mn-ea"/>
-              </a:rPr>
-              <a:t>左定宽右自适应布局：</a:t>
+                <a:latin typeface="+mn-ea"/>
+                <a:sym typeface="+mn-ea"/>
+              </a:rPr>
+              <a:t>常见的布局：</a:t>
             </a:r>
             <a:r>
               <a:rPr lang="en-US" altLang="zh-CN" sz="1400">
+                <a:latin typeface="+mn-ea"/>
                 <a:sym typeface="+mn-ea"/>
               </a:rPr>
               <a:t>float + position</a:t>
             </a:r>
             <a:r>
               <a:rPr lang="zh-CN" altLang="en-US" sz="1400">
+                <a:latin typeface="+mn-ea"/>
                 <a:sym typeface="+mn-ea"/>
               </a:rPr>
               <a:t>、</a:t>
             </a:r>
             <a:r>
               <a:rPr lang="en-US" altLang="zh-CN" sz="1400">
+                <a:latin typeface="+mn-ea"/>
                 <a:sym typeface="+mn-ea"/>
               </a:rPr>
               <a:t>flex</a:t>
             </a:r>
             <a:r>
               <a:rPr lang="zh-CN" altLang="en-US" sz="1400">
-                <a:sym typeface="+mn-ea"/>
-              </a:rPr>
-              <a:t>、</a:t>
-            </a:r>
-            <a:r>
-              <a:rPr lang="en-US" altLang="zh-CN" sz="1400">
-                <a:sym typeface="+mn-ea"/>
-              </a:rPr>
-              <a:t>grid</a:t>
-            </a:r>
-            <a:endParaRPr lang="en-US" altLang="zh-CN" sz="1400">
+                <a:latin typeface="+mn-ea"/>
+                <a:sym typeface="+mn-ea"/>
+              </a:rPr>
+              <a:t>、栅格布局</a:t>
+            </a:r>
+            <a:endParaRPr lang="zh-CN" altLang="en-US" sz="1400">
+              <a:latin typeface="+mn-ea"/>
               <a:sym typeface="+mn-ea"/>
             </a:endParaRPr>
           </a:p>
@@ -3102,11 +3578,20 @@
             </a:pPr>
             <a:r>
               <a:rPr lang="zh-CN" altLang="en-US" sz="1400">
-                <a:sym typeface="+mn-ea"/>
-              </a:rPr>
-              <a:t>栅格布局</a:t>
-            </a:r>
-            <a:endParaRPr lang="zh-CN" altLang="en-US" sz="1400">
+                <a:latin typeface="+mn-ea"/>
+                <a:sym typeface="+mn-ea"/>
+              </a:rPr>
+              <a:t>未来的布局：</a:t>
+            </a:r>
+            <a:r>
+              <a:rPr lang="en-US" altLang="zh-CN" sz="1400">
+                <a:latin typeface="+mn-ea"/>
+                <a:sym typeface="+mn-ea"/>
+              </a:rPr>
+              <a:t>grid</a:t>
+            </a:r>
+            <a:endParaRPr lang="en-US" altLang="zh-CN" sz="1400">
+              <a:latin typeface="+mn-ea"/>
               <a:sym typeface="+mn-ea"/>
             </a:endParaRPr>
           </a:p>
@@ -3119,17 +3604,69 @@
             </a:pPr>
             <a:r>
               <a:rPr lang="zh-CN" altLang="en-US" sz="1400">
+                <a:latin typeface="+mn-ea"/>
                 <a:sym typeface="+mn-ea"/>
               </a:rPr>
               <a:t>项目</a:t>
             </a:r>
             <a:r>
               <a:rPr lang="en-US" altLang="zh-CN" sz="1400">
-                <a:sym typeface="+mn-ea"/>
-              </a:rPr>
-              <a:t>case</a:t>
-            </a:r>
-            <a:endParaRPr lang="en-US" altLang="zh-CN" sz="1400">
+                <a:latin typeface="+mn-ea"/>
+                <a:sym typeface="+mn-ea"/>
+              </a:rPr>
+              <a:t>case - </a:t>
+            </a:r>
+            <a:r>
+              <a:rPr lang="zh-CN" altLang="en-US" sz="1000">
+                <a:latin typeface="+mn-ea"/>
+                <a:sym typeface="+mn-ea"/>
+              </a:rPr>
+              <a:t>好于坏的基本原则：实现相同的布局，</a:t>
+            </a:r>
+            <a:r>
+              <a:rPr lang="en-US" altLang="zh-CN" sz="1000">
+                <a:latin typeface="+mn-ea"/>
+                <a:sym typeface="+mn-ea"/>
+              </a:rPr>
+              <a:t>html</a:t>
+            </a:r>
+            <a:r>
+              <a:rPr lang="zh-CN" altLang="en-US" sz="1000">
+                <a:latin typeface="+mn-ea"/>
+                <a:sym typeface="+mn-ea"/>
+              </a:rPr>
+              <a:t>和</a:t>
+            </a:r>
+            <a:r>
+              <a:rPr lang="en-US" altLang="zh-CN" sz="1000">
+                <a:latin typeface="+mn-ea"/>
+                <a:sym typeface="+mn-ea"/>
+              </a:rPr>
+              <a:t>css</a:t>
+            </a:r>
+            <a:r>
+              <a:rPr lang="zh-CN" altLang="en-US" sz="1000">
+                <a:latin typeface="+mn-ea"/>
+                <a:sym typeface="+mn-ea"/>
+              </a:rPr>
+              <a:t>代码越少越好，要避免重写原生的和组件内置的</a:t>
+            </a:r>
+            <a:r>
+              <a:rPr lang="en-US" altLang="zh-CN" sz="1000">
+                <a:latin typeface="+mn-ea"/>
+                <a:sym typeface="+mn-ea"/>
+              </a:rPr>
+              <a:t>css</a:t>
+            </a:r>
+            <a:r>
+              <a:rPr lang="zh-CN" altLang="en-US" sz="1000">
+                <a:latin typeface="+mn-ea"/>
+                <a:sym typeface="+mn-ea"/>
+              </a:rPr>
+              <a:t>属性。</a:t>
+            </a:r>
+            <a:endParaRPr lang="zh-CN" altLang="en-US" sz="1000">
+              <a:latin typeface="+mn-ea"/>
               <a:sym typeface="+mn-ea"/>
             </a:endParaRPr>
           </a:p>
@@ -3141,6 +3678,7 @@
               <a:buAutoNum type="arabicPeriod"/>
             </a:pPr>
             <a:endParaRPr lang="zh-CN" altLang="en-US" sz="1630">
+              <a:latin typeface="+mn-ea"/>
               <a:sym typeface="+mn-ea"/>
             </a:endParaRPr>
           </a:p>
@@ -3152,11 +3690,13 @@
             </a:pPr>
             <a:r>
               <a:rPr lang="zh-CN" altLang="en-US" sz="1400">
+                <a:latin typeface="+mn-ea"/>
                 <a:sym typeface="+mn-ea"/>
               </a:rPr>
               <a:t>布局的相关的知识点</a:t>
             </a:r>
             <a:endParaRPr lang="zh-CN" altLang="en-US" sz="1400">
+              <a:latin typeface="+mn-ea"/>
               <a:sym typeface="+mn-ea"/>
             </a:endParaRPr>
           </a:p>
@@ -3169,11 +3709,13 @@
             </a:pPr>
             <a:r>
               <a:rPr lang="zh-CN" sz="1400">
+                <a:latin typeface="+mn-ea"/>
                 <a:sym typeface="+mn-ea"/>
               </a:rPr>
               <a:t>什么是文档流？</a:t>
             </a:r>
             <a:endParaRPr lang="zh-CN" sz="1400">
+              <a:latin typeface="+mn-ea"/>
               <a:sym typeface="+mn-ea"/>
             </a:endParaRPr>
           </a:p>
@@ -3186,59 +3728,69 @@
             </a:pPr>
             <a:r>
               <a:rPr lang="zh-CN" altLang="en-US" sz="1400">
+                <a:latin typeface="+mn-ea"/>
                 <a:sym typeface="+mn-ea"/>
               </a:rPr>
               <a:t>相对</a:t>
             </a:r>
             <a:r>
               <a:rPr lang="en-US" altLang="zh-CN" sz="1400">
+                <a:latin typeface="+mn-ea"/>
                 <a:sym typeface="+mn-ea"/>
               </a:rPr>
               <a:t>“</a:t>
             </a:r>
             <a:r>
               <a:rPr lang="zh-CN" altLang="en-US" sz="1400">
+                <a:latin typeface="+mn-ea"/>
                 <a:sym typeface="+mn-ea"/>
               </a:rPr>
               <a:t>父元素</a:t>
             </a:r>
             <a:r>
               <a:rPr lang="en-US" altLang="zh-CN" sz="1400">
+                <a:latin typeface="+mn-ea"/>
                 <a:sym typeface="+mn-ea"/>
               </a:rPr>
               <a:t>”</a:t>
             </a:r>
             <a:r>
               <a:rPr lang="zh-CN" altLang="en-US" sz="1400">
+                <a:latin typeface="+mn-ea"/>
                 <a:sym typeface="+mn-ea"/>
               </a:rPr>
               <a:t>定位的</a:t>
             </a:r>
             <a:r>
               <a:rPr lang="en-US" altLang="zh-CN" sz="1400">
+                <a:latin typeface="+mn-ea"/>
                 <a:sym typeface="+mn-ea"/>
               </a:rPr>
               <a:t>“</a:t>
             </a:r>
             <a:r>
               <a:rPr lang="zh-CN" altLang="en-US" sz="1400">
+                <a:latin typeface="+mn-ea"/>
                 <a:sym typeface="+mn-ea"/>
               </a:rPr>
               <a:t>父元素</a:t>
             </a:r>
             <a:r>
               <a:rPr lang="en-US" altLang="zh-CN" sz="1400">
+                <a:latin typeface="+mn-ea"/>
                 <a:sym typeface="+mn-ea"/>
               </a:rPr>
               <a:t>”</a:t>
             </a:r>
             <a:r>
               <a:rPr lang="zh-CN" altLang="en-US" sz="1400">
+                <a:latin typeface="+mn-ea"/>
                 <a:sym typeface="+mn-ea"/>
               </a:rPr>
               <a:t>是什么？</a:t>
             </a:r>
             <a:endParaRPr lang="zh-CN" sz="1400">
+              <a:latin typeface="+mn-ea"/>
               <a:sym typeface="+mn-ea"/>
             </a:endParaRPr>
           </a:p>
@@ -3251,23 +3803,27 @@
             </a:pPr>
             <a:r>
               <a:rPr lang="en-US" sz="1400">
+                <a:latin typeface="+mn-ea"/>
                 <a:sym typeface="+mn-ea"/>
               </a:rPr>
               <a:t>div </a:t>
             </a:r>
             <a:r>
               <a:rPr lang="zh-CN" altLang="en-US" sz="1400">
+                <a:latin typeface="+mn-ea"/>
                 <a:sym typeface="+mn-ea"/>
               </a:rPr>
               <a:t>的 </a:t>
             </a:r>
             <a:r>
               <a:rPr lang="en-US" altLang="zh-CN" sz="1400">
+                <a:latin typeface="+mn-ea"/>
                 <a:sym typeface="+mn-ea"/>
               </a:rPr>
               <a:t>width: 100%</a:t>
             </a:r>
             <a:endParaRPr lang="zh-CN" altLang="en-US" sz="1400">
+              <a:latin typeface="+mn-ea"/>
               <a:sym typeface="+mn-ea"/>
             </a:endParaRPr>
           </a:p>
@@ -3280,50 +3836,18 @@
             </a:pPr>
             <a:r>
               <a:rPr lang="en-US" altLang="zh-CN" sz="1400">
+                <a:latin typeface="+mn-ea"/>
                 <a:sym typeface="+mn-ea"/>
               </a:rPr>
               <a:t>position: absolute </a:t>
             </a:r>
             <a:r>
               <a:rPr lang="zh-CN" altLang="en-US" sz="1400">
+                <a:latin typeface="+mn-ea"/>
                 <a:sym typeface="+mn-ea"/>
               </a:rPr>
               <a:t>的相对特性</a:t>
             </a:r>
-            <a:endParaRPr lang="zh-CN" altLang="en-US" sz="1400">
-              <a:sym typeface="+mn-ea"/>
-            </a:endParaRPr>
-          </a:p>
-          <a:p>
-            <a:pPr marL="971550" lvl="1" indent="-514350">
-              <a:lnSpc>
-                <a:spcPct val="130000"/>
-              </a:lnSpc>
-              <a:buAutoNum type="arabicPeriod"/>
-            </a:pPr>
-            <a:r>
-              <a:rPr lang="en-US" altLang="zh-CN" sz="1400">
-                <a:sym typeface="+mn-ea"/>
-              </a:rPr>
-              <a:t>white-space </a:t>
-            </a:r>
-            <a:r>
-              <a:rPr lang="zh-CN" altLang="en-US" sz="1400">
-                <a:sym typeface="+mn-ea"/>
-              </a:rPr>
-              <a:t>作用原理</a:t>
-            </a:r>
-            <a:endParaRPr lang="zh-CN" altLang="en-US" sz="1400">
-              <a:sym typeface="+mn-ea"/>
-            </a:endParaRPr>
-          </a:p>
-          <a:p>
-            <a:pPr marL="971550" lvl="1" indent="-514350">
-              <a:lnSpc>
-                <a:spcPct val="130000"/>
-              </a:lnSpc>
-              <a:buAutoNum type="arabicPeriod"/>
-            </a:pPr>
             <a:endParaRPr lang="zh-CN" altLang="en-US" sz="1400">
               <a:sym typeface="+mn-ea"/>
             </a:endParaRPr>
@@ -3382,12 +3906,22 @@
           <a:bodyPr/>
           <a:p>
             <a:r>
-              <a:rPr lang="zh-CN">
-                <a:sym typeface="+mn-ea"/>
-              </a:rPr>
-              <a:t>文档流</a:t>
-            </a:r>
-            <a:endParaRPr lang="zh-CN" altLang="en-US"/>
+              <a:rPr lang="en-US" altLang="zh-CN"/>
+              <a:t>Flex</a:t>
+            </a:r>
+            <a:r>
+              <a:rPr lang="zh-CN" altLang="en-US"/>
+              <a:t>与</a:t>
+            </a:r>
+            <a:r>
+              <a:rPr lang="en-US" altLang="zh-CN"/>
+              <a:t>Grid</a:t>
+            </a:r>
+            <a:r>
+              <a:rPr lang="zh-CN" altLang="en-US"/>
+              <a:t>布局对比</a:t>
+            </a:r>
+            <a:endParaRPr lang="en-US" altLang="zh-CN"/>
           </a:p>
         </p:txBody>
       </p:sp>
@@ -3405,178 +3939,135 @@
         <p:txBody>
           <a:bodyPr/>
           <a:p>
-            <a:pPr marL="0" indent="0">
-              <a:buNone/>
-            </a:pPr>
-            <a:r>
-              <a:rPr lang="zh-CN" sz="1400">
-                <a:sym typeface="+mn-ea"/>
-              </a:rPr>
-              <a:t>文档流 </a:t>
-            </a:r>
             <a:r>
               <a:rPr lang="en-US" altLang="zh-CN" sz="1400">
                 <a:sym typeface="+mn-ea"/>
               </a:rPr>
-              <a:t>- 常规流（Normal flow）</a:t>
+              <a:t>Flex</a:t>
             </a:r>
             <a:endParaRPr lang="en-US" altLang="zh-CN" sz="1400">
               <a:sym typeface="+mn-ea"/>
             </a:endParaRPr>
           </a:p>
           <a:p>
-            <a:pPr marL="0" indent="0">
-              <a:buNone/>
-            </a:pPr>
+            <a:pPr marL="457200" lvl="1" indent="0">
+              <a:buNone/>
+            </a:pPr>
+            <a:r>
+              <a:rPr lang="zh-CN" altLang="en-US" sz="1200"/>
+              <a:t>一维布局</a:t>
+            </a:r>
+            <a:r>
+              <a:rPr lang="en-US" altLang="zh-CN" sz="1200"/>
+              <a:t>: </a:t>
+            </a:r>
+            <a:r>
+              <a:rPr lang="zh-CN" altLang="en-US" sz="1200"/>
+              <a:t>只能控制行。</a:t>
+            </a:r>
+            <a:endParaRPr lang="zh-CN" altLang="en-US" sz="1200"/>
+          </a:p>
+          <a:p>
+            <a:r>
+              <a:rPr lang="en-US" altLang="zh-CN" sz="1400">
+                <a:sym typeface="+mn-ea"/>
+              </a:rPr>
+              <a:t>Grid</a:t>
+            </a:r>
             <a:endParaRPr lang="en-US" altLang="zh-CN" sz="1400">
               <a:sym typeface="+mn-ea"/>
             </a:endParaRPr>
           </a:p>
           <a:p>
-            <a:pPr lvl="1"/>
+            <a:pPr marL="457200" lvl="1" indent="0">
+              <a:buNone/>
+            </a:pPr>
+            <a:r>
+              <a:rPr lang="zh-CN" altLang="en-US" sz="1200"/>
+              <a:t>二维布局：行和列同时控制。</a:t>
+            </a:r>
+            <a:endParaRPr lang="zh-CN" altLang="en-US" sz="1200"/>
+          </a:p>
+          <a:p>
+            <a:pPr marL="457200" lvl="1" indent="0">
+              <a:buNone/>
+            </a:pPr>
+            <a:endParaRPr lang="zh-CN" altLang="en-US" sz="1200"/>
+          </a:p>
+          <a:p>
+            <a:r>
+              <a:rPr lang="en-US" altLang="zh-CN" sz="1400"/>
+              <a:t>demo: </a:t>
+            </a:r>
+            <a:r>
+              <a:rPr lang="en-US" altLang="zh-CN" sz="1400">
+                <a:sym typeface="+mn-ea"/>
+              </a:rPr>
+              <a:t>flex-grid/</a:t>
+            </a:r>
+            <a:r>
+              <a:rPr lang="en-US" altLang="zh-CN" sz="1400"/>
+              <a:t>flex-grid-0</a:t>
+            </a:r>
+            <a:endParaRPr lang="en-US" altLang="zh-CN" sz="1400"/>
+          </a:p>
+          <a:p>
+            <a:endParaRPr lang="en-US" altLang="zh-CN" sz="1400"/>
+          </a:p>
+          <a:p>
+            <a:r>
+              <a:rPr lang="zh-CN" altLang="zh-CN" sz="1400"/>
+              <a:t>使用场景：</a:t>
+            </a:r>
+            <a:endParaRPr lang="zh-CN" altLang="zh-CN" sz="1400"/>
+          </a:p>
+          <a:p>
+            <a:pPr marL="800100" lvl="1" indent="-342900">
+              <a:buAutoNum type="arabicPeriod"/>
+            </a:pPr>
+            <a:r>
+              <a:rPr lang="zh-CN" altLang="zh-CN" sz="1200"/>
+              <a:t>我只需要按行或者列控制布局？那就用弹性盒子</a:t>
+            </a:r>
+            <a:endParaRPr lang="zh-CN" altLang="zh-CN" sz="1200"/>
+          </a:p>
+          <a:p>
+            <a:pPr marL="800100" lvl="1" indent="-342900">
+              <a:buAutoNum type="arabicPeriod"/>
+            </a:pPr>
+            <a:r>
+              <a:rPr lang="zh-CN" altLang="zh-CN" sz="1200"/>
+              <a:t>我需要同时按行和列控制布局？那就用网格</a:t>
+            </a:r>
+            <a:endParaRPr lang="zh-CN" altLang="zh-CN" sz="1200"/>
+          </a:p>
+          <a:p>
+            <a:pPr marL="800100" lvl="1" indent="-342900">
+              <a:buAutoNum type="arabicPeriod"/>
+            </a:pPr>
+            <a:endParaRPr lang="zh-CN" altLang="zh-CN" sz="1200"/>
+          </a:p>
+          <a:p>
+            <a:pPr marL="457200" lvl="1" indent="0">
+              <a:buNone/>
+            </a:pPr>
             <a:r>
               <a:rPr lang="en-US" altLang="zh-CN" sz="1200">
-                <a:sym typeface="+mn-ea"/>
-              </a:rPr>
-              <a:t>常规流中的盒属于一个格式化上下文，可能是块或是行内（格式化上下文），但不能两者都是。</a:t>
-            </a:r>
-            <a:endParaRPr lang="en-US" altLang="zh-CN" sz="1200">
-              <a:sym typeface="+mn-ea"/>
-            </a:endParaRPr>
-          </a:p>
-          <a:p>
-            <a:pPr>
-              <a:buNone/>
-            </a:pPr>
-            <a:endParaRPr lang="en-US" altLang="zh-CN" sz="1400">
-              <a:sym typeface="+mn-ea"/>
-            </a:endParaRPr>
-          </a:p>
-          <a:p>
-            <a:pPr lvl="1"/>
-            <a:r>
-              <a:rPr lang="en-US" altLang="zh-CN" sz="1200">
-                <a:sym typeface="+mn-ea"/>
-              </a:rPr>
-              <a:t>CSS 2.1中，一个盒可能会根据三种定位方案来布局：</a:t>
-            </a:r>
-            <a:endParaRPr lang="en-US" altLang="zh-CN" sz="1200">
-              <a:sym typeface="+mn-ea"/>
-            </a:endParaRPr>
-          </a:p>
-          <a:p>
-            <a:pPr marL="457200" lvl="1" indent="0">
-              <a:buNone/>
-            </a:pPr>
-            <a:endParaRPr lang="en-US" altLang="zh-CN" sz="1200">
-              <a:sym typeface="+mn-ea"/>
-            </a:endParaRPr>
-          </a:p>
-          <a:p>
-            <a:pPr lvl="2">
-              <a:buAutoNum type="arabicPeriod"/>
-            </a:pPr>
-            <a:r>
-              <a:rPr lang="en-US" altLang="zh-CN" sz="1000">
-                <a:sym typeface="+mn-ea"/>
-              </a:rPr>
-              <a:t>常规流 CSS 2.1中，常规流包括块级盒的块格式化（block formatting），行内级盒的行内格式化和块级与行内级盒的相对定位</a:t>
-            </a:r>
-            <a:r>
-              <a:rPr lang="zh-CN" altLang="en-US" sz="1000">
-                <a:sym typeface="+mn-ea"/>
-              </a:rPr>
-              <a:t>。</a:t>
-            </a:r>
-            <a:endParaRPr lang="zh-CN" altLang="en-US" sz="1000">
-              <a:sym typeface="+mn-ea"/>
-            </a:endParaRPr>
-          </a:p>
-          <a:p>
-            <a:pPr lvl="2">
-              <a:buAutoNum type="arabicPeriod"/>
-            </a:pPr>
-            <a:endParaRPr lang="zh-CN" altLang="en-US" sz="1000">
-              <a:sym typeface="+mn-ea"/>
-            </a:endParaRPr>
-          </a:p>
-          <a:p>
-            <a:pPr lvl="2">
-              <a:buAutoNum type="arabicPeriod"/>
-            </a:pPr>
-            <a:r>
-              <a:rPr lang="en-US" altLang="zh-CN" sz="1000">
-                <a:sym typeface="+mn-ea"/>
-              </a:rPr>
-              <a:t>浮动 在浮动模型中，盒先根据常规流来放置，然后从常规流中取出来并尽可能远地向左或向右移动。其它内容可能沿着浮动（盒）的一侧排列（Content may flow along the side of a float）</a:t>
-            </a:r>
-            <a:r>
-              <a:rPr lang="zh-CN" altLang="en-US" sz="1000">
-                <a:sym typeface="+mn-ea"/>
-              </a:rPr>
-              <a:t>。</a:t>
-            </a:r>
-            <a:endParaRPr lang="zh-CN" altLang="en-US" sz="1000">
-              <a:sym typeface="+mn-ea"/>
-            </a:endParaRPr>
-          </a:p>
-          <a:p>
-            <a:pPr lvl="2">
-              <a:buAutoNum type="arabicPeriod"/>
-            </a:pPr>
-            <a:endParaRPr lang="zh-CN" altLang="en-US" sz="1000">
-              <a:sym typeface="+mn-ea"/>
-            </a:endParaRPr>
-          </a:p>
-          <a:p>
-            <a:pPr lvl="2">
-              <a:buAutoNum type="arabicPeriod"/>
-            </a:pPr>
-            <a:r>
-              <a:rPr lang="en-US" altLang="zh-CN" sz="1000">
-                <a:sym typeface="+mn-ea"/>
-              </a:rPr>
-              <a:t>绝对定位 在绝对定位模型中，一个盒会从常规流中全部移除（它不会影响后面的兄弟元素）并根据包含块确定位置</a:t>
-            </a:r>
-            <a:r>
-              <a:rPr lang="zh-CN" altLang="en-US" sz="1000">
-                <a:sym typeface="+mn-ea"/>
-              </a:rPr>
-              <a:t>。</a:t>
-            </a:r>
-            <a:endParaRPr lang="zh-CN" altLang="en-US" sz="1000">
-              <a:sym typeface="+mn-ea"/>
-            </a:endParaRPr>
-          </a:p>
-          <a:p>
-            <a:pPr marL="914400" lvl="2" indent="0">
-              <a:buNone/>
-            </a:pPr>
-            <a:endParaRPr lang="zh-CN" altLang="en-US" sz="1000">
-              <a:sym typeface="+mn-ea"/>
-            </a:endParaRPr>
-          </a:p>
-          <a:p>
-            <a:pPr marL="914400" lvl="2" indent="0">
-              <a:buNone/>
-            </a:pPr>
-            <a:endParaRPr lang="zh-CN" altLang="en-US" sz="1000">
-              <a:sym typeface="+mn-ea"/>
-            </a:endParaRPr>
-          </a:p>
-          <a:p>
-            <a:pPr marL="457200" lvl="1" indent="0">
-              <a:buNone/>
-            </a:pPr>
+                <a:hlinkClick r:id="rId1" tooltip="" action="ppaction://hlinkfile"/>
+              </a:rPr>
+              <a:t>MDN - </a:t>
+            </a:r>
             <a:r>
               <a:rPr lang="zh-CN" altLang="en-US" sz="1200">
-                <a:sym typeface="+mn-ea"/>
-              </a:rPr>
-              <a:t>如果一个元素是浮动的，绝对定位的或者是根元素，它就叫流外（out of flow）（元素）。如果一个元素不是流外的，就叫流内（in-flow）（元素）。</a:t>
-            </a:r>
-            <a:endParaRPr lang="zh-CN" altLang="en-US" sz="1200">
-              <a:sym typeface="+mn-ea"/>
-            </a:endParaRPr>
+                <a:hlinkClick r:id="rId1" tooltip="" action="ppaction://hlinkfile"/>
+              </a:rPr>
+              <a:t>Grid and flexbox</a:t>
+            </a:r>
+            <a:r>
+              <a:rPr lang="zh-CN" altLang="en-US" sz="1200"/>
+              <a:t>：https://developer.mozilla.org/zh-CN/docs/Web/CSS/CSS_Grid_Layout/Relationship_of_Grid_Layout</a:t>
+            </a:r>
+            <a:endParaRPr lang="zh-CN" altLang="en-US" sz="1200"/>
           </a:p>
         </p:txBody>
       </p:sp>
@@ -3598,9 +4089,33 @@
         <p:nvPr/>
       </p:nvGrpSpPr>
       <p:grpSpPr/>
-      <p:sp>
-        <p:nvSpPr>
-          <p:cNvPr id="2" name="标题 1"/>
+      <p:pic>
+        <p:nvPicPr>
+          <p:cNvPr id="5" name="图片 4" descr="度量-效能分析-布局"/>
+          <p:cNvPicPr>
+            <a:picLocks noChangeAspect="1"/>
+          </p:cNvPicPr>
+          <p:nvPr/>
+        </p:nvPicPr>
+        <p:blipFill>
+          <a:blip r:embed="rId1"/>
+          <a:stretch>
+            <a:fillRect/>
+          </a:stretch>
+        </p:blipFill>
+        <p:spPr>
+          <a:xfrm>
+            <a:off x="851535" y="1508125"/>
+            <a:ext cx="10704195" cy="4606925"/>
+          </a:xfrm>
+          <a:prstGeom prst="rect">
+            <a:avLst/>
+          </a:prstGeom>
+        </p:spPr>
+      </p:pic>
+      <p:sp>
+        <p:nvSpPr>
+          <p:cNvPr id="6" name="标题 5"/>
           <p:cNvSpPr>
             <a:spLocks noGrp="1"/>
           </p:cNvSpPr>
@@ -3613,181 +4128,65 @@
           <a:bodyPr/>
           <a:p>
             <a:r>
+              <a:rPr lang="zh-CN" altLang="en-US"/>
+              <a:t>度量</a:t>
+            </a:r>
+            <a:r>
               <a:rPr lang="en-US" altLang="zh-CN"/>
-              <a:t>BFC</a:t>
+              <a:t>-</a:t>
             </a:r>
             <a:r>
               <a:rPr lang="zh-CN" altLang="en-US"/>
-              <a:t>和</a:t>
-            </a:r>
-            <a:r>
-              <a:rPr lang="en-US" altLang="zh-CN"/>
-              <a:t>IFC</a:t>
+              <a:t>效能分析</a:t>
+            </a:r>
+            <a:endParaRPr lang="zh-CN" altLang="en-US"/>
+          </a:p>
+        </p:txBody>
+      </p:sp>
+      <p:sp>
+        <p:nvSpPr>
+          <p:cNvPr id="7" name="文本框 6"/>
+          <p:cNvSpPr txBox="1"/>
+          <p:nvPr/>
+        </p:nvSpPr>
+        <p:spPr>
+          <a:xfrm>
+            <a:off x="838200" y="6176010"/>
+            <a:ext cx="2745105" cy="642620"/>
+          </a:xfrm>
+          <a:prstGeom prst="rect">
+            <a:avLst/>
+          </a:prstGeom>
+          <a:noFill/>
+        </p:spPr>
+        <p:txBody>
+          <a:bodyPr wrap="none" rtlCol="0">
+            <a:spAutoFit/>
+          </a:bodyPr>
+          <a:p>
+            <a:pPr algn="l"/>
+            <a:r>
+              <a:rPr lang="en-US" altLang="zh-CN">
+                <a:sym typeface="+mn-ea"/>
+              </a:rPr>
+              <a:t>demo</a:t>
+            </a:r>
+            <a:r>
+              <a:rPr lang="zh-CN" altLang="en-US">
+                <a:sym typeface="+mn-ea"/>
+              </a:rPr>
+              <a:t>：</a:t>
+            </a:r>
+            <a:r>
+              <a:rPr lang="en-US" altLang="zh-CN">
+                <a:sym typeface="+mn-ea"/>
+              </a:rPr>
+              <a:t>flex-grid/flex-grid-1</a:t>
             </a:r>
             <a:endParaRPr lang="en-US" altLang="zh-CN"/>
           </a:p>
-        </p:txBody>
-      </p:sp>
-      <p:sp>
-        <p:nvSpPr>
-          <p:cNvPr id="3" name="内容占位符 2"/>
-          <p:cNvSpPr>
-            <a:spLocks noGrp="1"/>
-          </p:cNvSpPr>
-          <p:nvPr>
-            <p:ph idx="1"/>
-          </p:nvPr>
-        </p:nvSpPr>
-        <p:spPr/>
-        <p:txBody>
-          <a:bodyPr/>
-          <a:p>
-            <a:r>
-              <a:rPr lang="en-US" altLang="zh-CN" sz="1400">
-                <a:sym typeface="+mn-ea"/>
-              </a:rPr>
-              <a:t>BFC - </a:t>
-            </a:r>
-            <a:r>
-              <a:rPr lang="zh-CN" altLang="en-US" sz="1400">
-                <a:sym typeface="+mn-ea"/>
-              </a:rPr>
-              <a:t>块级格式化上下文</a:t>
-            </a:r>
-            <a:endParaRPr lang="en-US" altLang="zh-CN" sz="1400">
-              <a:sym typeface="+mn-ea"/>
-            </a:endParaRPr>
-          </a:p>
-          <a:p>
-            <a:endParaRPr lang="en-US" altLang="zh-CN" sz="1400">
-              <a:sym typeface="+mn-ea"/>
-            </a:endParaRPr>
-          </a:p>
-          <a:p>
-            <a:pPr lvl="1"/>
-            <a:r>
-              <a:rPr lang="zh-CN" altLang="en-US" sz="1200">
-                <a:sym typeface="+mn-ea"/>
-              </a:rPr>
-              <a:t>如何创建</a:t>
-            </a:r>
-            <a:r>
-              <a:rPr lang="en-US" altLang="zh-CN" sz="1200">
-                <a:sym typeface="+mn-ea"/>
-              </a:rPr>
-              <a:t>BFC</a:t>
-            </a:r>
-            <a:r>
-              <a:rPr lang="zh-CN" altLang="en-US" sz="1200">
-                <a:sym typeface="+mn-ea"/>
-              </a:rPr>
-              <a:t>：</a:t>
-            </a:r>
-            <a:r>
-              <a:rPr lang="en-US" altLang="zh-CN" sz="1200">
-                <a:sym typeface="+mn-ea"/>
-              </a:rPr>
-              <a:t>浮动，绝对定位的元素，非块盒的块容器（例如inline-blocks，table-cells和table-captions），以及’overflow’不为’visible’的块盒</a:t>
-            </a:r>
-            <a:endParaRPr lang="en-US" altLang="zh-CN" sz="1200">
-              <a:sym typeface="+mn-ea"/>
-            </a:endParaRPr>
-          </a:p>
-          <a:p>
-            <a:pPr lvl="1"/>
-            <a:endParaRPr lang="en-US" altLang="zh-CN" sz="1200">
-              <a:sym typeface="+mn-ea"/>
-            </a:endParaRPr>
-          </a:p>
-          <a:p>
-            <a:pPr lvl="1"/>
-            <a:r>
-              <a:rPr lang="en-US" altLang="zh-CN" sz="1200">
-                <a:sym typeface="+mn-ea"/>
-              </a:rPr>
-              <a:t>在BFC中，盒在垂直方向一个接一个地放置，从包含块的顶部开始。两个兄弟盒之间的垂直距离由'margin'属性决定。同一个BFC中的相邻块级盒之间的垂直外边距会合并</a:t>
-            </a:r>
-            <a:r>
-              <a:rPr lang="zh-CN" altLang="en-US" sz="1200">
-                <a:sym typeface="+mn-ea"/>
-              </a:rPr>
-              <a:t>。</a:t>
-            </a:r>
-            <a:endParaRPr lang="zh-CN" altLang="en-US" sz="1200">
-              <a:sym typeface="+mn-ea"/>
-            </a:endParaRPr>
-          </a:p>
-          <a:p>
-            <a:pPr lvl="1">
-              <a:buAutoNum type="arabicPeriod"/>
-            </a:pPr>
-            <a:endParaRPr lang="en-US" altLang="zh-CN" sz="1200">
-              <a:sym typeface="+mn-ea"/>
-            </a:endParaRPr>
-          </a:p>
-          <a:p>
-            <a:r>
-              <a:rPr lang="en-US" altLang="zh-CN" sz="1400">
-                <a:sym typeface="+mn-ea"/>
-              </a:rPr>
-              <a:t>IFC - </a:t>
-            </a:r>
-            <a:r>
-              <a:rPr lang="zh-CN" altLang="en-US" sz="1400">
-                <a:sym typeface="+mn-ea"/>
-              </a:rPr>
-              <a:t>行内格式化上下文</a:t>
-            </a:r>
-            <a:endParaRPr lang="en-US" altLang="zh-CN" sz="1400">
-              <a:sym typeface="+mn-ea"/>
-            </a:endParaRPr>
-          </a:p>
-          <a:p>
-            <a:endParaRPr lang="en-US" altLang="zh-CN" sz="1400">
-              <a:sym typeface="+mn-ea"/>
-            </a:endParaRPr>
-          </a:p>
-          <a:p>
-            <a:pPr lvl="1"/>
-            <a:r>
-              <a:rPr lang="zh-CN" altLang="en-US" sz="1200">
-                <a:sym typeface="+mn-ea"/>
-              </a:rPr>
-              <a:t>如何创建</a:t>
-            </a:r>
-            <a:r>
-              <a:rPr lang="en-US" altLang="zh-CN" sz="1200">
-                <a:sym typeface="+mn-ea"/>
-              </a:rPr>
-              <a:t>IFC</a:t>
-            </a:r>
-            <a:r>
-              <a:rPr lang="zh-CN" altLang="en-US" sz="1200">
-                <a:sym typeface="+mn-ea"/>
-              </a:rPr>
-              <a:t>：？</a:t>
-            </a:r>
-            <a:endParaRPr lang="zh-CN" altLang="en-US" sz="1200">
-              <a:sym typeface="+mn-ea"/>
-            </a:endParaRPr>
-          </a:p>
-          <a:p>
-            <a:pPr lvl="1"/>
-            <a:endParaRPr lang="en-US" altLang="zh-CN" sz="1200">
-              <a:sym typeface="+mn-ea"/>
-            </a:endParaRPr>
-          </a:p>
-          <a:p>
-            <a:pPr lvl="1"/>
-            <a:r>
-              <a:rPr lang="en-US" altLang="zh-CN" sz="1025"/>
-              <a:t>在行内格式化上下文中，盒是从包含块的顶部开始一个挨一个水平放置的。这些盒之间的水平外边距，边框和内边距都有效。盒可能会以不同的方式垂直对齐：以它们的底部或者顶部对齐，或者以它们里面的文本的基线对齐。包含来自同一行的盒的矩形区域叫做行框</a:t>
-            </a:r>
-            <a:r>
-              <a:rPr lang="zh-CN" altLang="en-US" sz="1025"/>
-              <a:t>。</a:t>
-            </a:r>
-            <a:endParaRPr lang="zh-CN" altLang="en-US" sz="1025"/>
+          <a:p>
+            <a:endParaRPr lang="zh-CN" altLang="en-US"/>
           </a:p>
         </p:txBody>
       </p:sp>
@@ -3824,155 +4223,140 @@
           <a:bodyPr/>
           <a:p>
             <a:r>
+              <a:rPr lang="en-US" altLang="zh-CN"/>
+              <a:t>Flex</a:t>
+            </a:r>
+            <a:r>
               <a:rPr lang="zh-CN" altLang="en-US"/>
-              <a:t>包含块</a:t>
-            </a:r>
-            <a:endParaRPr lang="zh-CN" altLang="en-US"/>
-          </a:p>
-        </p:txBody>
-      </p:sp>
-      <p:sp>
-        <p:nvSpPr>
-          <p:cNvPr id="3" name="内容占位符 2"/>
-          <p:cNvSpPr>
-            <a:spLocks noGrp="1"/>
-          </p:cNvSpPr>
+              <a:t>与</a:t>
+            </a:r>
+            <a:r>
+              <a:rPr lang="en-US" altLang="zh-CN"/>
+              <a:t>Grid</a:t>
+            </a:r>
+            <a:r>
+              <a:rPr lang="zh-CN" altLang="en-US"/>
+              <a:t>兼容性</a:t>
+            </a:r>
+            <a:endParaRPr lang="zh-CN" altLang="en-US"/>
+          </a:p>
+        </p:txBody>
+      </p:sp>
+      <p:pic>
+        <p:nvPicPr>
+          <p:cNvPr id="4" name="内容占位符 3"/>
+          <p:cNvPicPr/>
           <p:nvPr>
             <p:ph idx="1"/>
           </p:nvPr>
-        </p:nvSpPr>
-        <p:spPr/>
-        <p:txBody>
-          <a:bodyPr>
-            <a:normAutofit/>
+        </p:nvPicPr>
+        <p:blipFill>
+          <a:blip r:embed="rId1"/>
+          <a:stretch>
+            <a:fillRect/>
+          </a:stretch>
+        </p:blipFill>
+        <p:spPr>
+          <a:xfrm>
+            <a:off x="834390" y="1840865"/>
+            <a:ext cx="10515600" cy="1944000"/>
+          </a:xfrm>
+          <a:prstGeom prst="rect">
+            <a:avLst/>
+          </a:prstGeom>
+        </p:spPr>
+      </p:pic>
+      <p:pic>
+        <p:nvPicPr>
+          <p:cNvPr id="5" name="图片 4"/>
+          <p:cNvPicPr/>
+          <p:nvPr/>
+        </p:nvPicPr>
+        <p:blipFill>
+          <a:blip r:embed="rId2"/>
+          <a:stretch>
+            <a:fillRect/>
+          </a:stretch>
+        </p:blipFill>
+        <p:spPr>
+          <a:xfrm>
+            <a:off x="838200" y="4251960"/>
+            <a:ext cx="10512000" cy="1908000"/>
+          </a:xfrm>
+          <a:prstGeom prst="rect">
+            <a:avLst/>
+          </a:prstGeom>
+        </p:spPr>
+      </p:pic>
+      <p:sp>
+        <p:nvSpPr>
+          <p:cNvPr id="7" name="文本框 6"/>
+          <p:cNvSpPr txBox="1"/>
+          <p:nvPr/>
+        </p:nvSpPr>
+        <p:spPr>
+          <a:xfrm>
+            <a:off x="730885" y="3883660"/>
+            <a:ext cx="2991485" cy="368300"/>
+          </a:xfrm>
+          <a:prstGeom prst="rect">
+            <a:avLst/>
+          </a:prstGeom>
+          <a:noFill/>
+        </p:spPr>
+        <p:txBody>
+          <a:bodyPr wrap="none" rtlCol="0">
+            <a:spAutoFit/>
           </a:bodyPr>
           <a:p>
-            <a:pPr marL="0" indent="0">
-              <a:buNone/>
-            </a:pPr>
-            <a:r>
-              <a:rPr lang="zh-CN" altLang="en-US" sz="1400"/>
-              <a:t>元素（生成的）盒的位置和大小有时是根据一个特定矩形计算的，叫做该元素的包含块（containing block）。</a:t>
-            </a:r>
-            <a:endParaRPr lang="zh-CN" altLang="en-US" sz="1400"/>
-          </a:p>
-          <a:p>
-            <a:pPr lvl="1"/>
-            <a:r>
-              <a:rPr lang="zh-CN" altLang="en-US" sz="1200"/>
-              <a:t>盒定位</a:t>
-            </a:r>
-            <a:endParaRPr lang="zh-CN" altLang="en-US" sz="1200"/>
-          </a:p>
-          <a:p>
-            <a:pPr lvl="1"/>
-            <a:r>
-              <a:rPr lang="zh-CN" altLang="en-US" sz="1200"/>
-              <a:t>盒尺寸</a:t>
-            </a:r>
-            <a:endParaRPr lang="zh-CN" altLang="en-US" sz="1200"/>
-          </a:p>
-          <a:p>
-            <a:pPr lvl="1"/>
-            <a:endParaRPr lang="zh-CN" altLang="en-US" sz="1200"/>
-          </a:p>
-          <a:p>
-            <a:pPr marL="0" indent="0">
-              <a:buNone/>
-            </a:pPr>
-            <a:r>
-              <a:rPr lang="zh-CN" altLang="en-US" sz="1400"/>
-              <a:t>元素包含块的定义如下：</a:t>
-            </a:r>
-            <a:endParaRPr lang="zh-CN" altLang="en-US" sz="1400"/>
-          </a:p>
-          <a:p>
-            <a:pPr marL="342900" indent="-342900">
-              <a:buAutoNum type="arabicPeriod"/>
-            </a:pPr>
-            <a:r>
-              <a:rPr lang="zh-CN" altLang="en-US" sz="1400"/>
-              <a:t>根元素所在的包含块是一个被称为初始包含块的矩形。</a:t>
-            </a:r>
-            <a:endParaRPr lang="zh-CN" altLang="en-US" sz="1400"/>
-          </a:p>
-          <a:p>
-            <a:pPr marL="342900" indent="-342900">
-              <a:buAutoNum type="arabicPeriod"/>
-            </a:pPr>
-            <a:r>
-              <a:rPr lang="zh-CN" altLang="en-US" sz="1400">
-                <a:sym typeface="+mn-ea"/>
-              </a:rPr>
-              <a:t>position是'relative'或者'static'</a:t>
-            </a:r>
-            <a:r>
-              <a:rPr lang="zh-CN" altLang="en-US" sz="1400"/>
-              <a:t>，包含块由其最近的块容器祖先盒的内容边界形成。（类似于父元素边界）</a:t>
-            </a:r>
-            <a:endParaRPr lang="zh-CN" altLang="en-US" sz="1400"/>
-          </a:p>
-          <a:p>
-            <a:pPr marL="342900" indent="-342900">
-              <a:buAutoNum type="arabicPeriod"/>
-            </a:pPr>
-            <a:r>
-              <a:rPr lang="zh-CN" altLang="en-US" sz="1400">
-                <a:sym typeface="+mn-ea"/>
-              </a:rPr>
-              <a:t>'position: fixed'</a:t>
-            </a:r>
-            <a:r>
-              <a:rPr lang="zh-CN" altLang="en-US" sz="1400"/>
-              <a:t>，包含块是初始包含块。（不是相对根元素定位，而是相对于初始包含块）</a:t>
-            </a:r>
-            <a:endParaRPr lang="zh-CN" altLang="en-US" sz="1400"/>
-          </a:p>
-          <a:p>
-            <a:pPr marL="342900" indent="-342900">
-              <a:buAutoNum type="arabicPeriod"/>
-            </a:pPr>
-            <a:r>
-              <a:rPr lang="zh-CN" altLang="en-US" sz="1400">
-                <a:sym typeface="+mn-ea"/>
-              </a:rPr>
-              <a:t>'position: absolute'</a:t>
-            </a:r>
-            <a:r>
-              <a:rPr lang="zh-CN" altLang="en-US" sz="1400"/>
-              <a:t>，包含块由最近的'position'为'absolute'，'relative'或者'fixed'的祖先建立，按照如下方式：</a:t>
-            </a:r>
-            <a:endParaRPr lang="zh-CN" altLang="en-US" sz="1400"/>
-          </a:p>
-          <a:p>
-            <a:pPr marL="800100" lvl="1" indent="-342900">
-              <a:buAutoNum type="arabicPeriod"/>
-            </a:pPr>
-            <a:r>
-              <a:rPr lang="zh-CN" altLang="en-US" sz="1200"/>
-              <a:t>如果该祖先是一个行内元素，包含块就是环绕着为该元素生成的第一个和最后一个行内盒的内边距框的边界框（bounding box）。在CSS 2.1中，如果该行内元素被跨行分割了，那么包含块是未定义的</a:t>
-            </a:r>
-            <a:endParaRPr lang="zh-CN" altLang="en-US" sz="1200"/>
-          </a:p>
-          <a:p>
-            <a:pPr marL="800100" lvl="1" indent="-342900">
-              <a:buAutoNum type="arabicPeriod"/>
-            </a:pPr>
-            <a:r>
-              <a:rPr lang="zh-CN" altLang="en-US" sz="1200"/>
-              <a:t>否则，包含块由该祖先的内边距边界形成</a:t>
-            </a:r>
-            <a:endParaRPr lang="zh-CN" altLang="en-US" sz="1200"/>
-          </a:p>
-          <a:p>
-            <a:pPr marL="342900" lvl="0" indent="-342900">
-              <a:buAutoNum type="arabicPeriod"/>
-            </a:pPr>
-            <a:r>
-              <a:rPr lang="zh-CN" altLang="en-US" sz="1400"/>
-              <a:t>如果没有这样的祖先，包含块就是初始包含块。</a:t>
-            </a:r>
-            <a:endParaRPr lang="en-US" altLang="zh-CN" sz="1400"/>
+            <a:pPr algn="l"/>
+            <a:r>
+              <a:rPr lang="zh-CN" altLang="en-US">
+                <a:sym typeface="+mn-ea"/>
+              </a:rPr>
+              <a:t>Grid </a:t>
+            </a:r>
+            <a:r>
+              <a:rPr lang="en-US" altLang="zh-CN">
+                <a:sym typeface="+mn-ea"/>
+              </a:rPr>
+              <a:t>- </a:t>
+            </a:r>
+            <a:r>
+              <a:rPr lang="zh-CN" altLang="en-US"/>
+              <a:t>CSS Grid Layout (level 1)</a:t>
+            </a:r>
+            <a:endParaRPr lang="zh-CN" altLang="en-US"/>
+          </a:p>
+        </p:txBody>
+      </p:sp>
+      <p:sp>
+        <p:nvSpPr>
+          <p:cNvPr id="8" name="文本框 7"/>
+          <p:cNvSpPr txBox="1"/>
+          <p:nvPr/>
+        </p:nvSpPr>
+        <p:spPr>
+          <a:xfrm>
+            <a:off x="834390" y="1452245"/>
+            <a:ext cx="3644900" cy="368300"/>
+          </a:xfrm>
+          <a:prstGeom prst="rect">
+            <a:avLst/>
+          </a:prstGeom>
+          <a:noFill/>
+        </p:spPr>
+        <p:txBody>
+          <a:bodyPr wrap="none" rtlCol="0">
+            <a:spAutoFit/>
+          </a:bodyPr>
+          <a:p>
+            <a:pPr algn="l"/>
+            <a:r>
+              <a:rPr lang="en-US" altLang="zh-CN"/>
+              <a:t>Flex - CSS Flexible Box Layout Module</a:t>
+            </a:r>
+            <a:endParaRPr lang="en-US" altLang="zh-CN"/>
           </a:p>
         </p:txBody>
       </p:sp>
@@ -4009,22 +4393,10 @@
           <a:bodyPr/>
           <a:p>
             <a:r>
-              <a:rPr lang="en-US">
-                <a:sym typeface="+mn-ea"/>
-              </a:rPr>
-              <a:t>div </a:t>
-            </a:r>
-            <a:r>
-              <a:rPr lang="zh-CN" altLang="en-US">
-                <a:sym typeface="+mn-ea"/>
-              </a:rPr>
-              <a:t>的 </a:t>
-            </a:r>
-            <a:r>
-              <a:rPr lang="en-US" altLang="zh-CN">
-                <a:sym typeface="+mn-ea"/>
-              </a:rPr>
-              <a:t>width: 100%</a:t>
+              <a:rPr lang="zh-CN">
+                <a:sym typeface="+mn-ea"/>
+              </a:rPr>
+              <a:t>文档流</a:t>
             </a:r>
             <a:endParaRPr lang="zh-CN" altLang="en-US"/>
           </a:p>
@@ -4042,180 +4414,205 @@
         </p:nvSpPr>
         <p:spPr/>
         <p:txBody>
-          <a:bodyPr>
-            <a:normAutofit lnSpcReduction="10000"/>
-          </a:bodyPr>
-          <a:p>
-            <a:r>
-              <a:rPr lang="en-US" altLang="zh-CN" sz="1800"/>
-              <a:t>demo-1</a:t>
-            </a:r>
-            <a:endParaRPr lang="en-US" altLang="zh-CN" sz="1800"/>
-          </a:p>
-          <a:p>
-            <a:r>
-              <a:rPr lang="zh-CN" altLang="en-US" sz="1800"/>
-              <a:t>流体布局</a:t>
-            </a:r>
-            <a:endParaRPr lang="en-US" altLang="zh-CN" sz="1800"/>
-          </a:p>
-          <a:p>
-            <a:r>
-              <a:rPr lang="zh-CN" altLang="en-US" sz="1800"/>
-              <a:t>CSS 流体布局下的宽度分离原则  </a:t>
-            </a:r>
-            <a:r>
-              <a:rPr lang="en-US" altLang="zh-CN" sz="1800"/>
-              <a:t>-</a:t>
-            </a:r>
-            <a:r>
-              <a:rPr lang="zh-CN" altLang="en-US" sz="1800"/>
-              <a:t>《</a:t>
-            </a:r>
-            <a:r>
-              <a:rPr lang="en-US" altLang="zh-CN" sz="1800"/>
-              <a:t>CSS</a:t>
-            </a:r>
-            <a:r>
-              <a:rPr lang="zh-CN" altLang="en-US" sz="1800"/>
-              <a:t>世界》</a:t>
-            </a:r>
-            <a:endParaRPr lang="zh-CN" altLang="en-US" sz="1800"/>
-          </a:p>
-          <a:p>
-            <a:endParaRPr lang="zh-CN" altLang="en-US" sz="1400"/>
+          <a:bodyPr/>
+          <a:p>
+            <a:pPr marL="0" indent="0">
+              <a:buNone/>
+            </a:pPr>
+            <a:r>
+              <a:rPr lang="zh-CN" sz="1400">
+                <a:latin typeface="+mn-ea"/>
+                <a:sym typeface="+mn-ea"/>
+              </a:rPr>
+              <a:t>文档流 </a:t>
+            </a:r>
+            <a:r>
+              <a:rPr lang="en-US" altLang="zh-CN" sz="1400">
+                <a:latin typeface="+mn-ea"/>
+                <a:sym typeface="+mn-ea"/>
+              </a:rPr>
+              <a:t>- 常规流（Normal flow）</a:t>
+            </a:r>
+            <a:endParaRPr lang="en-US" altLang="zh-CN" sz="1400">
+              <a:latin typeface="+mn-ea"/>
+              <a:sym typeface="+mn-ea"/>
+            </a:endParaRPr>
+          </a:p>
+          <a:p>
+            <a:pPr marL="0" indent="0">
+              <a:buNone/>
+            </a:pPr>
+            <a:endParaRPr lang="en-US" altLang="zh-CN" sz="1400">
+              <a:latin typeface="+mn-ea"/>
+              <a:sym typeface="+mn-ea"/>
+            </a:endParaRPr>
+          </a:p>
+          <a:p>
+            <a:pPr lvl="1"/>
+            <a:r>
+              <a:rPr lang="en-US" altLang="zh-CN" sz="1200">
+                <a:latin typeface="+mn-ea"/>
+                <a:sym typeface="+mn-ea"/>
+              </a:rPr>
+              <a:t>常规流中的盒属于一个格式化上下文，可能是块或是行内（格式化上下文），但不能两者都是。</a:t>
+            </a:r>
+            <a:endParaRPr lang="en-US" altLang="zh-CN" sz="1200">
+              <a:latin typeface="+mn-ea"/>
+              <a:sym typeface="+mn-ea"/>
+            </a:endParaRPr>
+          </a:p>
+          <a:p>
+            <a:pPr>
+              <a:buNone/>
+            </a:pPr>
+            <a:endParaRPr lang="en-US" altLang="zh-CN" sz="1400">
+              <a:latin typeface="+mn-ea"/>
+              <a:sym typeface="+mn-ea"/>
+            </a:endParaRPr>
+          </a:p>
+          <a:p>
+            <a:pPr lvl="1"/>
+            <a:r>
+              <a:rPr lang="en-US" altLang="zh-CN" sz="1200">
+                <a:latin typeface="+mn-ea"/>
+                <a:sym typeface="+mn-ea"/>
+              </a:rPr>
+              <a:t>CSS 2.1中，一个盒可能会根据三种定位方案来布局：</a:t>
+            </a:r>
+            <a:endParaRPr lang="en-US" altLang="zh-CN" sz="1200">
+              <a:latin typeface="+mn-ea"/>
+              <a:sym typeface="+mn-ea"/>
+            </a:endParaRPr>
           </a:p>
           <a:p>
             <a:pPr marL="457200" lvl="1" indent="0">
               <a:buNone/>
             </a:pPr>
-            <a:r>
-              <a:rPr lang="zh-CN" altLang="en-US" sz="1200"/>
-              <a:t>所谓“宽度分离原则”，就是 CSS 中的 width 属性不与影响宽度的 padding/border（有时候包括 margin）属性共存，</a:t>
-            </a:r>
-            <a:endParaRPr lang="zh-CN" altLang="en-US" sz="1200"/>
+            <a:endParaRPr lang="en-US" altLang="zh-CN" sz="1200">
+              <a:latin typeface="+mn-ea"/>
+              <a:sym typeface="+mn-ea"/>
+            </a:endParaRPr>
+          </a:p>
+          <a:p>
+            <a:pPr lvl="2">
+              <a:buAutoNum type="arabicPeriod"/>
+            </a:pPr>
+            <a:r>
+              <a:rPr lang="en-US" altLang="zh-CN" sz="1000">
+                <a:latin typeface="+mn-ea"/>
+                <a:sym typeface="+mn-ea"/>
+              </a:rPr>
+              <a:t>常规流 CSS 2.1中，常规流包括块级盒的块格式化（block formatting），行内级盒的行内格式化和块级与行内级盒的相对定位</a:t>
+            </a:r>
+            <a:r>
+              <a:rPr lang="zh-CN" altLang="en-US" sz="1000">
+                <a:latin typeface="+mn-ea"/>
+                <a:sym typeface="+mn-ea"/>
+              </a:rPr>
+              <a:t>。</a:t>
+            </a:r>
+            <a:endParaRPr lang="zh-CN" altLang="en-US" sz="1000">
+              <a:latin typeface="+mn-ea"/>
+              <a:sym typeface="+mn-ea"/>
+            </a:endParaRPr>
+          </a:p>
+          <a:p>
+            <a:pPr lvl="2">
+              <a:buAutoNum type="arabicPeriod"/>
+            </a:pPr>
+            <a:endParaRPr lang="zh-CN" altLang="en-US" sz="1000">
+              <a:latin typeface="+mn-ea"/>
+              <a:sym typeface="+mn-ea"/>
+            </a:endParaRPr>
+          </a:p>
+          <a:p>
+            <a:pPr lvl="2">
+              <a:buAutoNum type="arabicPeriod"/>
+            </a:pPr>
+            <a:r>
+              <a:rPr lang="en-US" altLang="zh-CN" sz="1000">
+                <a:latin typeface="+mn-ea"/>
+                <a:sym typeface="+mn-ea"/>
+              </a:rPr>
+              <a:t>浮动 在浮动模型中，盒先根据常规流来放置，然后从常规流中取出来并尽可能远地向左或向右移动。其它内容可能沿着浮动（盒）的一侧排列（Content may flow along the side of a float）</a:t>
+            </a:r>
+            <a:r>
+              <a:rPr lang="zh-CN" altLang="en-US" sz="1000">
+                <a:latin typeface="+mn-ea"/>
+                <a:sym typeface="+mn-ea"/>
+              </a:rPr>
+              <a:t>。</a:t>
+            </a:r>
+            <a:endParaRPr lang="zh-CN" altLang="en-US" sz="1000">
+              <a:latin typeface="+mn-ea"/>
+              <a:sym typeface="+mn-ea"/>
+            </a:endParaRPr>
+          </a:p>
+          <a:p>
+            <a:pPr lvl="2">
+              <a:buAutoNum type="arabicPeriod"/>
+            </a:pPr>
+            <a:endParaRPr lang="zh-CN" altLang="en-US" sz="1000">
+              <a:latin typeface="+mn-ea"/>
+              <a:sym typeface="+mn-ea"/>
+            </a:endParaRPr>
+          </a:p>
+          <a:p>
+            <a:pPr lvl="2">
+              <a:buAutoNum type="arabicPeriod"/>
+            </a:pPr>
+            <a:r>
+              <a:rPr lang="en-US" altLang="zh-CN" sz="1000">
+                <a:latin typeface="+mn-ea"/>
+                <a:sym typeface="+mn-ea"/>
+              </a:rPr>
+              <a:t>绝对定位 在绝对定位模型中，一个盒会从常规流中全部移除（它不会影响后面的兄弟元素）并根据包含块确定位置</a:t>
+            </a:r>
+            <a:r>
+              <a:rPr lang="zh-CN" altLang="en-US" sz="1000">
+                <a:latin typeface="+mn-ea"/>
+                <a:sym typeface="+mn-ea"/>
+              </a:rPr>
+              <a:t>。</a:t>
+            </a:r>
+            <a:endParaRPr lang="zh-CN" altLang="en-US" sz="1000">
+              <a:latin typeface="+mn-ea"/>
+              <a:sym typeface="+mn-ea"/>
+            </a:endParaRPr>
+          </a:p>
+          <a:p>
+            <a:pPr marL="914400" lvl="2" indent="0">
+              <a:buNone/>
+            </a:pPr>
+            <a:endParaRPr lang="zh-CN" altLang="en-US" sz="1000">
+              <a:latin typeface="+mn-ea"/>
+              <a:sym typeface="+mn-ea"/>
+            </a:endParaRPr>
+          </a:p>
+          <a:p>
+            <a:pPr marL="914400" lvl="2" indent="0">
+              <a:buNone/>
+            </a:pPr>
+            <a:endParaRPr lang="zh-CN" altLang="en-US" sz="1000">
+              <a:latin typeface="+mn-ea"/>
+              <a:sym typeface="+mn-ea"/>
+            </a:endParaRPr>
           </a:p>
           <a:p>
             <a:pPr marL="457200" lvl="1" indent="0">
               <a:buNone/>
             </a:pPr>
             <a:r>
-              <a:rPr lang="zh-CN" altLang="en-US" sz="1200"/>
-              <a:t>也就是不能出现以下的组合：</a:t>
-            </a:r>
-            <a:endParaRPr lang="zh-CN" altLang="en-US" sz="1200"/>
-          </a:p>
-          <a:p>
-            <a:pPr marL="457200" lvl="1" indent="0">
-              <a:buNone/>
-            </a:pPr>
-            <a:endParaRPr lang="zh-CN" altLang="en-US" sz="1200"/>
-          </a:p>
-          <a:p>
-            <a:pPr marL="457200" lvl="1" indent="0">
-              <a:buNone/>
-            </a:pPr>
-            <a:r>
-              <a:rPr lang="zh-CN" altLang="en-US" sz="1200"/>
-              <a:t>.box { width: 100px; border: 1px solid; } 或者 .box { width: 100px; padding: 20px; }</a:t>
-            </a:r>
-            <a:endParaRPr lang="zh-CN" altLang="en-US" sz="1200"/>
-          </a:p>
-          <a:p>
-            <a:pPr marL="457200" lvl="1" indent="0">
-              <a:buNone/>
-            </a:pPr>
-            <a:endParaRPr lang="zh-CN" altLang="en-US" sz="1200"/>
-          </a:p>
-          <a:p>
-            <a:pPr marL="457200" lvl="1" indent="0">
-              <a:buNone/>
-            </a:pPr>
-            <a:r>
-              <a:rPr lang="zh-CN" altLang="en-US" sz="1200"/>
-              <a:t>推荐写法：</a:t>
-            </a:r>
-            <a:endParaRPr lang="zh-CN" altLang="en-US" sz="1200"/>
-          </a:p>
-          <a:p>
-            <a:pPr marL="457200" lvl="1" indent="0">
-              <a:buNone/>
-            </a:pPr>
-            <a:r>
-              <a:rPr lang="zh-CN" altLang="en-US" sz="1200"/>
-              <a:t>.father {</a:t>
-            </a:r>
-            <a:endParaRPr lang="zh-CN" altLang="en-US" sz="1200"/>
-          </a:p>
-          <a:p>
-            <a:pPr marL="457200" lvl="1" indent="0">
-              <a:buNone/>
-            </a:pPr>
-            <a:r>
-              <a:rPr lang="zh-CN" altLang="en-US" sz="1200"/>
-              <a:t>    width: 180px;</a:t>
-            </a:r>
-            <a:endParaRPr lang="zh-CN" altLang="en-US" sz="1200"/>
-          </a:p>
-          <a:p>
-            <a:pPr marL="457200" lvl="1" indent="0">
-              <a:buNone/>
-            </a:pPr>
-            <a:r>
-              <a:rPr lang="zh-CN" altLang="en-US" sz="1200"/>
-              <a:t>}</a:t>
-            </a:r>
-            <a:endParaRPr lang="zh-CN" altLang="en-US" sz="1200"/>
-          </a:p>
-          <a:p>
-            <a:pPr marL="457200" lvl="1" indent="0">
-              <a:buNone/>
-            </a:pPr>
-            <a:r>
-              <a:rPr lang="zh-CN" altLang="en-US" sz="1200"/>
-              <a:t>.son {</a:t>
-            </a:r>
-            <a:endParaRPr lang="zh-CN" altLang="en-US" sz="1200"/>
-          </a:p>
-          <a:p>
-            <a:pPr marL="457200" lvl="1" indent="0">
-              <a:buNone/>
-            </a:pPr>
-            <a:r>
-              <a:rPr lang="zh-CN" altLang="en-US" sz="1200"/>
-              <a:t>    margin: 0 20px;</a:t>
-            </a:r>
-            <a:endParaRPr lang="zh-CN" altLang="en-US" sz="1200"/>
-          </a:p>
-          <a:p>
-            <a:pPr marL="457200" lvl="1" indent="0">
-              <a:buNone/>
-            </a:pPr>
-            <a:r>
-              <a:rPr lang="zh-CN" altLang="en-US" sz="1200"/>
-              <a:t>    padding: 20px;</a:t>
-            </a:r>
-            <a:endParaRPr lang="zh-CN" altLang="en-US" sz="1200"/>
-          </a:p>
-          <a:p>
-            <a:pPr marL="457200" lvl="1" indent="0">
-              <a:buNone/>
-            </a:pPr>
-            <a:r>
-              <a:rPr lang="zh-CN" altLang="en-US" sz="1200"/>
-              <a:t>    border: 1px solid;</a:t>
-            </a:r>
-            <a:endParaRPr lang="zh-CN" altLang="en-US" sz="1200"/>
-          </a:p>
-          <a:p>
-            <a:pPr marL="457200" lvl="1" indent="0">
-              <a:buNone/>
-            </a:pPr>
-            <a:r>
-              <a:rPr lang="zh-CN" altLang="en-US" sz="1200"/>
-              <a:t>}</a:t>
-            </a:r>
-            <a:endParaRPr lang="zh-CN" altLang="en-US" sz="1200"/>
+              <a:rPr lang="zh-CN" altLang="en-US" sz="1200">
+                <a:latin typeface="+mn-ea"/>
+                <a:sym typeface="+mn-ea"/>
+              </a:rPr>
+              <a:t>如果一个元素是浮动的，绝对定位的或者是根元素，它就叫流外（out of flow）（元素）。如果一个元素不是流外的，就叫流内（in-flow）（元素）。</a:t>
+            </a:r>
+            <a:endParaRPr lang="zh-CN" altLang="en-US" sz="1200">
+              <a:latin typeface="+mn-ea"/>
+              <a:sym typeface="+mn-ea"/>
+            </a:endParaRPr>
           </a:p>
         </p:txBody>
       </p:sp>
@@ -4249,33 +4646,33 @@
         </p:nvSpPr>
         <p:spPr/>
         <p:txBody>
-          <a:bodyPr>
-            <a:normAutofit fontScale="90000"/>
-          </a:bodyPr>
-          <a:p>
-            <a:br>
-              <a:rPr lang="zh-CN" altLang="en-US">
-                <a:sym typeface="+mn-ea"/>
-              </a:rPr>
-            </a:br>
+          <a:bodyPr/>
+          <a:p>
+            <a:r>
+              <a:rPr lang="zh-CN">
+                <a:sym typeface="+mn-ea"/>
+              </a:rPr>
+              <a:t>文档流作用原理 </a:t>
+            </a:r>
             <a:r>
               <a:rPr lang="en-US" altLang="zh-CN">
                 <a:sym typeface="+mn-ea"/>
               </a:rPr>
-              <a:t>position: absolute </a:t>
-            </a:r>
-            <a:r>
-              <a:rPr lang="zh-CN" altLang="en-US">
-                <a:sym typeface="+mn-ea"/>
-              </a:rPr>
-              <a:t>的相对特性</a:t>
-            </a:r>
-            <a:br>
-              <a:rPr lang="zh-CN" altLang="en-US">
-                <a:sym typeface="+mn-ea"/>
-              </a:rPr>
-            </a:br>
-            <a:endParaRPr lang="zh-CN" altLang="en-US"/>
+              <a:t>- </a:t>
+            </a:r>
+            <a:r>
+              <a:rPr lang="en-US" altLang="zh-CN"/>
+              <a:t>BFC</a:t>
+            </a:r>
+            <a:r>
+              <a:rPr lang="zh-CN" altLang="en-US"/>
+              <a:t>和</a:t>
+            </a:r>
+            <a:r>
+              <a:rPr lang="en-US" altLang="zh-CN"/>
+              <a:t>IFC</a:t>
+            </a:r>
+            <a:endParaRPr lang="en-US" altLang="zh-CN"/>
           </a:p>
         </p:txBody>
       </p:sp>
@@ -4294,240 +4691,180 @@
           <a:bodyPr/>
           <a:p>
             <a:r>
-              <a:rPr lang="zh-CN" altLang="en-US" sz="1400"/>
-              <a:t>问题：</a:t>
-            </a:r>
-            <a:endParaRPr lang="zh-CN" altLang="en-US" sz="1400"/>
+              <a:rPr lang="en-US" altLang="zh-CN" sz="1400">
+                <a:latin typeface="+mn-ea"/>
+                <a:sym typeface="+mn-ea"/>
+              </a:rPr>
+              <a:t>BFC - </a:t>
+            </a:r>
+            <a:r>
+              <a:rPr lang="zh-CN" altLang="en-US" sz="1400">
+                <a:latin typeface="+mn-ea"/>
+                <a:sym typeface="+mn-ea"/>
+              </a:rPr>
+              <a:t>块级格式化上下文</a:t>
+            </a:r>
+            <a:endParaRPr lang="en-US" altLang="zh-CN" sz="1400">
+              <a:latin typeface="+mn-ea"/>
+              <a:sym typeface="+mn-ea"/>
+            </a:endParaRPr>
+          </a:p>
+          <a:p>
+            <a:endParaRPr lang="en-US" altLang="zh-CN" sz="1400">
+              <a:latin typeface="+mn-ea"/>
+              <a:sym typeface="+mn-ea"/>
+            </a:endParaRPr>
+          </a:p>
+          <a:p>
+            <a:pPr lvl="1"/>
+            <a:r>
+              <a:rPr lang="zh-CN" altLang="en-US" sz="1200">
+                <a:latin typeface="+mn-ea"/>
+                <a:sym typeface="+mn-ea"/>
+              </a:rPr>
+              <a:t>如何创建</a:t>
+            </a:r>
+            <a:r>
+              <a:rPr lang="en-US" altLang="zh-CN" sz="1200">
+                <a:latin typeface="+mn-ea"/>
+                <a:sym typeface="+mn-ea"/>
+              </a:rPr>
+              <a:t>BFC</a:t>
+            </a:r>
+            <a:r>
+              <a:rPr lang="zh-CN" altLang="en-US" sz="1200">
+                <a:latin typeface="+mn-ea"/>
+                <a:sym typeface="+mn-ea"/>
+              </a:rPr>
+              <a:t>：</a:t>
+            </a:r>
+            <a:r>
+              <a:rPr lang="en-US" altLang="zh-CN" sz="1200">
+                <a:latin typeface="+mn-ea"/>
+                <a:sym typeface="+mn-ea"/>
+              </a:rPr>
+              <a:t>浮动，绝对定位的元素，非块盒的块容器（例如inline-blocks，table-cells和table-captions），以及’overflow’不为’visible’的块盒</a:t>
+            </a:r>
+            <a:endParaRPr lang="en-US" altLang="zh-CN" sz="1200">
+              <a:latin typeface="+mn-ea"/>
+              <a:sym typeface="+mn-ea"/>
+            </a:endParaRPr>
+          </a:p>
+          <a:p>
+            <a:pPr lvl="1"/>
+            <a:endParaRPr lang="en-US" altLang="zh-CN" sz="1200">
+              <a:latin typeface="+mn-ea"/>
+              <a:sym typeface="+mn-ea"/>
+            </a:endParaRPr>
+          </a:p>
+          <a:p>
+            <a:pPr lvl="1"/>
+            <a:r>
+              <a:rPr lang="en-US" altLang="zh-CN" sz="1200">
+                <a:latin typeface="+mn-ea"/>
+                <a:sym typeface="+mn-ea"/>
+              </a:rPr>
+              <a:t>在BFC中，盒在垂直方向一个接一个地放置，从包含块的顶部开始。两个兄弟盒之间的垂直距离由'margin'属性决定。同一个BFC中的相邻块级盒之间的垂直外边距会合并</a:t>
+            </a:r>
+            <a:r>
+              <a:rPr lang="zh-CN" altLang="en-US" sz="1200">
+                <a:latin typeface="+mn-ea"/>
+                <a:sym typeface="+mn-ea"/>
+              </a:rPr>
+              <a:t>。</a:t>
+            </a:r>
+            <a:endParaRPr lang="zh-CN" altLang="en-US" sz="1200">
+              <a:latin typeface="+mn-ea"/>
+              <a:sym typeface="+mn-ea"/>
+            </a:endParaRPr>
           </a:p>
           <a:p>
             <a:pPr lvl="1">
               <a:buAutoNum type="arabicPeriod"/>
             </a:pPr>
-            <a:r>
-              <a:rPr lang="zh-CN" altLang="en-US" sz="1200"/>
-              <a:t>一个绝对定位元素，没有任何 left/top/right/bottom 属性设置，并且其祖先元素全部都是非定位元素，其位置在哪里？（</a:t>
+            <a:endParaRPr lang="en-US" altLang="zh-CN" sz="1200">
+              <a:latin typeface="+mn-ea"/>
+              <a:sym typeface="+mn-ea"/>
+            </a:endParaRPr>
+          </a:p>
+          <a:p>
+            <a:r>
+              <a:rPr lang="en-US" altLang="zh-CN" sz="1400">
+                <a:latin typeface="+mn-ea"/>
+                <a:sym typeface="+mn-ea"/>
+              </a:rPr>
+              <a:t>IFC - </a:t>
+            </a:r>
+            <a:r>
+              <a:rPr lang="zh-CN" altLang="en-US" sz="1400">
+                <a:latin typeface="+mn-ea"/>
+                <a:sym typeface="+mn-ea"/>
+              </a:rPr>
+              <a:t>行内格式化上下文</a:t>
+            </a:r>
+            <a:endParaRPr lang="en-US" altLang="zh-CN" sz="1400">
+              <a:latin typeface="+mn-ea"/>
+              <a:sym typeface="+mn-ea"/>
+            </a:endParaRPr>
+          </a:p>
+          <a:p>
+            <a:endParaRPr lang="en-US" altLang="zh-CN" sz="1400">
+              <a:latin typeface="+mn-ea"/>
+              <a:sym typeface="+mn-ea"/>
+            </a:endParaRPr>
+          </a:p>
+          <a:p>
+            <a:pPr lvl="1"/>
+            <a:r>
+              <a:rPr lang="zh-CN" altLang="en-US" sz="1200">
+                <a:latin typeface="+mn-ea"/>
+                <a:sym typeface="+mn-ea"/>
+              </a:rPr>
+              <a:t>如何创建</a:t>
             </a:r>
             <a:r>
               <a:rPr lang="en-US" altLang="zh-CN" sz="1200">
-                <a:sym typeface="+mn-ea"/>
-              </a:rPr>
-              <a:t>demo-2</a:t>
+                <a:latin typeface="+mn-ea"/>
+                <a:sym typeface="+mn-ea"/>
+              </a:rPr>
+              <a:t>IFC</a:t>
             </a:r>
             <a:r>
               <a:rPr lang="zh-CN" altLang="en-US" sz="1200">
-                <a:sym typeface="+mn-ea"/>
-              </a:rPr>
-              <a:t>，</a:t>
-            </a:r>
-            <a:r>
-              <a:rPr lang="en-US" altLang="zh-CN" sz="1200">
-                <a:sym typeface="+mn-ea"/>
-              </a:rPr>
-              <a:t>demo-3</a:t>
-            </a:r>
-            <a:r>
-              <a:rPr lang="zh-CN" altLang="en-US" sz="1200"/>
-              <a:t>）</a:t>
-            </a:r>
-            <a:endParaRPr lang="zh-CN" altLang="en-US" sz="1200"/>
-          </a:p>
-          <a:p>
-            <a:pPr lvl="1">
-              <a:buAutoNum type="arabicPeriod"/>
-            </a:pPr>
-            <a:r>
-              <a:rPr lang="zh-CN" altLang="en-US" sz="1200">
-                <a:sym typeface="+mn-ea"/>
-              </a:rPr>
-              <a:t>绝对定位元素，其祖先元素全部都是非定位元素，其位置在哪里？（</a:t>
-            </a:r>
-            <a:r>
-              <a:rPr lang="en-US" altLang="zh-CN" sz="1200">
-                <a:sym typeface="+mn-ea"/>
-              </a:rPr>
-              <a:t>demo-4</a:t>
-            </a:r>
-            <a:r>
-              <a:rPr lang="zh-CN" altLang="en-US" sz="1200">
-                <a:sym typeface="+mn-ea"/>
-              </a:rPr>
-              <a:t>）</a:t>
+                <a:latin typeface="+mn-ea"/>
+                <a:sym typeface="+mn-ea"/>
+              </a:rPr>
+              <a:t>：？</a:t>
             </a:r>
             <a:endParaRPr lang="zh-CN" altLang="en-US" sz="1200">
+              <a:latin typeface="+mn-ea"/>
               <a:sym typeface="+mn-ea"/>
             </a:endParaRPr>
           </a:p>
           <a:p>
-            <a:pPr lvl="0"/>
-            <a:r>
-              <a:rPr lang="zh-CN" altLang="en-US" sz="1400">
-                <a:sym typeface="+mn-ea"/>
-              </a:rPr>
-              <a:t>static</a:t>
-            </a:r>
-            <a:endParaRPr lang="zh-CN" altLang="en-US" sz="1400">
+            <a:pPr lvl="1"/>
+            <a:endParaRPr lang="en-US" altLang="zh-CN" sz="1200">
+              <a:latin typeface="+mn-ea"/>
               <a:sym typeface="+mn-ea"/>
             </a:endParaRPr>
           </a:p>
           <a:p>
-            <a:pPr marL="0" lvl="0" indent="0">
-              <a:buNone/>
-            </a:pPr>
-            <a:r>
-              <a:rPr lang="zh-CN" altLang="en-US" sz="1200">
-                <a:sym typeface="+mn-ea"/>
-              </a:rPr>
-              <a:t>         盒是个常规盒，根据常规流布局。'top'，'right'，'bottom'和'left'属性失效</a:t>
-            </a:r>
-            <a:endParaRPr lang="zh-CN" altLang="en-US" sz="1200">
-              <a:sym typeface="+mn-ea"/>
-            </a:endParaRPr>
-          </a:p>
-          <a:p>
-            <a:pPr lvl="0"/>
-            <a:r>
-              <a:rPr lang="zh-CN" altLang="en-US" sz="1400">
-                <a:sym typeface="+mn-ea"/>
-              </a:rPr>
-              <a:t>relative</a:t>
-            </a:r>
-            <a:endParaRPr lang="zh-CN" altLang="en-US" sz="1400">
-              <a:sym typeface="+mn-ea"/>
-            </a:endParaRPr>
-          </a:p>
-          <a:p>
-            <a:pPr marL="0" lvl="0" indent="0">
-              <a:buNone/>
-            </a:pPr>
-            <a:r>
-              <a:rPr lang="zh-CN" altLang="en-US" sz="1200">
-                <a:sym typeface="+mn-ea"/>
-              </a:rPr>
-              <a:t>         盒的位置是根据常规流计算的（被称为常规流中的位置），然后盒相对于其常规位置偏移。当盒B为相对定位时，后面的盒的位置仍按照B没有偏移量来计算</a:t>
-            </a:r>
-            <a:endParaRPr lang="zh-CN" altLang="en-US" sz="1200">
-              <a:sym typeface="+mn-ea"/>
-            </a:endParaRPr>
-          </a:p>
-          <a:p>
-            <a:pPr lvl="0"/>
-            <a:r>
-              <a:rPr lang="zh-CN" altLang="en-US" sz="1400">
-                <a:sym typeface="+mn-ea"/>
-              </a:rPr>
-              <a:t>absolute</a:t>
-            </a:r>
-            <a:endParaRPr lang="zh-CN" altLang="en-US" sz="1400">
-              <a:sym typeface="+mn-ea"/>
-            </a:endParaRPr>
-          </a:p>
-          <a:p>
-            <a:pPr marL="0" lvl="0" indent="0">
-              <a:buNone/>
-            </a:pPr>
-            <a:r>
-              <a:rPr lang="zh-CN" altLang="en-US" sz="1400">
-                <a:sym typeface="+mn-ea"/>
-              </a:rPr>
-              <a:t>        </a:t>
-            </a:r>
-            <a:r>
-              <a:rPr lang="zh-CN" altLang="en-US" sz="1200">
-                <a:sym typeface="+mn-ea"/>
-              </a:rPr>
-              <a:t>盒的位置（及可能的大小）由'top'，'right'，'bottom'和'left'属性指定，这些属性指定了相对于盒的包含块的偏移量。绝对定位的盒脱离了常规流，意味着它们不会影响后面兄弟元素的布局，而且，虽然绝对定位的盒有外边距，但它们不会与任何其它外边距合并</a:t>
-            </a:r>
-            <a:endParaRPr lang="zh-CN" altLang="en-US" sz="1200">
-              <a:sym typeface="+mn-ea"/>
-            </a:endParaRPr>
-          </a:p>
-          <a:p>
-            <a:pPr lvl="0"/>
-            <a:r>
-              <a:rPr lang="zh-CN" altLang="en-US" sz="1400">
-                <a:sym typeface="+mn-ea"/>
-              </a:rPr>
-              <a:t>具有相对特性的无依赖absolute绝对定位   </a:t>
-            </a:r>
-            <a:r>
-              <a:rPr lang="en-US" altLang="zh-CN" sz="1400">
-                <a:sym typeface="+mn-ea"/>
-              </a:rPr>
-              <a:t>- </a:t>
-            </a:r>
-            <a:r>
-              <a:rPr lang="zh-CN" altLang="en-US" sz="1400">
-                <a:sym typeface="+mn-ea"/>
-              </a:rPr>
-              <a:t>《</a:t>
-            </a:r>
-            <a:r>
-              <a:rPr lang="en-US" altLang="zh-CN" sz="1400">
-                <a:sym typeface="+mn-ea"/>
-              </a:rPr>
-              <a:t>CSS</a:t>
-            </a:r>
-            <a:r>
-              <a:rPr lang="zh-CN" altLang="en-US" sz="1400">
-                <a:sym typeface="+mn-ea"/>
-              </a:rPr>
-              <a:t>世界</a:t>
-            </a:r>
-            <a:r>
-              <a:rPr lang="zh-CN" altLang="en-US" sz="1400">
-                <a:sym typeface="+mn-ea"/>
-              </a:rPr>
-              <a:t>》</a:t>
-            </a:r>
-            <a:endParaRPr lang="zh-CN" altLang="en-US" sz="1400">
-              <a:sym typeface="+mn-ea"/>
-            </a:endParaRPr>
-          </a:p>
-          <a:p>
-            <a:pPr marL="0" lvl="0" indent="0">
-              <a:buNone/>
-            </a:pPr>
-            <a:r>
-              <a:rPr lang="en-US" altLang="zh-CN" sz="1400">
-                <a:sym typeface="+mn-ea"/>
-              </a:rPr>
-              <a:t>        </a:t>
-            </a:r>
-            <a:r>
-              <a:rPr lang="en-US" altLang="zh-CN" sz="1200">
-                <a:sym typeface="+mn-ea"/>
-              </a:rPr>
-              <a:t>我把这种没有设置 left/top/right/bottom 属性值的绝对定位称为“无依赖绝对定位”。无依赖绝对定位”本质上就是“相对定位”，仅仅是不占据 CSS 流的尺寸空间而已。</a:t>
-            </a:r>
-            <a:endParaRPr lang="en-US" altLang="zh-CN" sz="1200">
-              <a:sym typeface="+mn-ea"/>
-            </a:endParaRPr>
-          </a:p>
-          <a:p>
-            <a:pPr marL="0" lvl="0" indent="0">
-              <a:buNone/>
-            </a:pPr>
-            <a:r>
-              <a:rPr lang="en-US" altLang="zh-CN" sz="1200">
-                <a:sym typeface="+mn-ea"/>
-              </a:rPr>
-              <a:t>         demo - </a:t>
-            </a:r>
-            <a:r>
-              <a:rPr lang="zh-CN" altLang="en-US" sz="1200">
-                <a:sym typeface="+mn-ea"/>
-              </a:rPr>
-              <a:t>http://demo.cssworld.cn/6/5-4.php</a:t>
-            </a:r>
-            <a:endParaRPr lang="zh-CN" altLang="en-US" sz="1200">
-              <a:sym typeface="+mn-ea"/>
-            </a:endParaRPr>
-          </a:p>
-          <a:p>
-            <a:pPr marL="0" lvl="0" indent="0">
-              <a:buNone/>
-            </a:pPr>
-            <a:endParaRPr lang="zh-CN" altLang="en-US" sz="1195"/>
+            <a:pPr lvl="1"/>
+            <a:r>
+              <a:rPr lang="en-US" altLang="zh-CN" sz="1025">
+                <a:latin typeface="+mn-ea"/>
+              </a:rPr>
+              <a:t>在行内格式化上下文中，盒是从包含块的顶部开始一个挨一个水平放置的。这些盒之间的水平外边距，边框和内边距都有效。盒可能会以不同的方式垂直对齐：以它们的底部或者顶部对齐，或者以它们里面的文本的基线对齐。包含来自同一行的盒的矩形区域叫做行框</a:t>
+            </a:r>
+            <a:r>
+              <a:rPr lang="zh-CN" altLang="en-US" sz="1025">
+                <a:latin typeface="+mn-ea"/>
+              </a:rPr>
+              <a:t>。</a:t>
+            </a:r>
+            <a:endParaRPr lang="zh-CN" altLang="en-US" sz="1025">
+              <a:latin typeface="+mn-ea"/>
+            </a:endParaRPr>
           </a:p>
         </p:txBody>
       </p:sp>
@@ -4561,32 +4898,289 @@
         </p:nvSpPr>
         <p:spPr/>
         <p:txBody>
+          <a:bodyPr/>
+          <a:p>
+            <a:r>
+              <a:rPr lang="en-US" altLang="zh-CN">
+                <a:latin typeface="+mn-ea"/>
+                <a:sym typeface="+mn-ea"/>
+              </a:rPr>
+              <a:t>“</a:t>
+            </a:r>
+            <a:r>
+              <a:rPr lang="zh-CN" altLang="en-US">
+                <a:latin typeface="+mn-ea"/>
+                <a:sym typeface="+mn-ea"/>
+              </a:rPr>
+              <a:t>父元素</a:t>
+            </a:r>
+            <a:r>
+              <a:rPr lang="en-US" altLang="zh-CN">
+                <a:latin typeface="+mn-ea"/>
+                <a:sym typeface="+mn-ea"/>
+              </a:rPr>
+              <a:t>” - </a:t>
+            </a:r>
+            <a:r>
+              <a:rPr lang="zh-CN" altLang="en-US"/>
+              <a:t>包含块</a:t>
+            </a:r>
+            <a:endParaRPr lang="zh-CN" altLang="en-US"/>
+          </a:p>
+        </p:txBody>
+      </p:sp>
+      <p:sp>
+        <p:nvSpPr>
+          <p:cNvPr id="3" name="内容占位符 2"/>
+          <p:cNvSpPr>
+            <a:spLocks noGrp="1"/>
+          </p:cNvSpPr>
+          <p:nvPr>
+            <p:ph idx="1"/>
+          </p:nvPr>
+        </p:nvSpPr>
+        <p:spPr/>
+        <p:txBody>
           <a:bodyPr>
-            <a:normAutofit fontScale="90000"/>
+            <a:normAutofit/>
           </a:bodyPr>
           <a:p>
-            <a:br>
+            <a:pPr marL="0" indent="0">
+              <a:buNone/>
+            </a:pPr>
+            <a:r>
+              <a:rPr lang="zh-CN" altLang="en-US" sz="1400">
+                <a:latin typeface="+mn-ea"/>
+              </a:rPr>
+              <a:t>元素（生成的）盒的位置和大小有时是根据一个特定矩形计算的，叫做该元素的包含块（containing block）。</a:t>
+            </a:r>
+            <a:endParaRPr lang="zh-CN" altLang="en-US" sz="1400">
+              <a:latin typeface="+mn-ea"/>
+            </a:endParaRPr>
+          </a:p>
+          <a:p>
+            <a:pPr lvl="1">
+              <a:lnSpc>
+                <a:spcPct val="130000"/>
+              </a:lnSpc>
+            </a:pPr>
+            <a:r>
+              <a:rPr lang="zh-CN" altLang="en-US" sz="1200">
+                <a:latin typeface="+mn-ea"/>
+              </a:rPr>
+              <a:t>盒定位</a:t>
+            </a:r>
+            <a:endParaRPr lang="zh-CN" altLang="en-US" sz="1200">
+              <a:latin typeface="+mn-ea"/>
+            </a:endParaRPr>
+          </a:p>
+          <a:p>
+            <a:pPr lvl="1">
+              <a:lnSpc>
+                <a:spcPct val="130000"/>
+              </a:lnSpc>
+            </a:pPr>
+            <a:r>
+              <a:rPr lang="zh-CN" altLang="en-US" sz="1200">
+                <a:latin typeface="+mn-ea"/>
+              </a:rPr>
+              <a:t>盒尺寸</a:t>
+            </a:r>
+            <a:endParaRPr lang="zh-CN" altLang="en-US" sz="1200">
+              <a:latin typeface="+mn-ea"/>
+            </a:endParaRPr>
+          </a:p>
+          <a:p>
+            <a:pPr marL="0" indent="0">
+              <a:buNone/>
+            </a:pPr>
+            <a:r>
+              <a:rPr lang="zh-CN" altLang="en-US" sz="1400">
+                <a:latin typeface="+mn-ea"/>
+              </a:rPr>
+              <a:t>元素包含块的定义如下：</a:t>
+            </a:r>
+            <a:endParaRPr lang="zh-CN" altLang="en-US" sz="1400">
+              <a:latin typeface="+mn-ea"/>
+            </a:endParaRPr>
+          </a:p>
+          <a:p>
+            <a:pPr marL="342900" indent="-342900">
+              <a:buAutoNum type="arabicPeriod"/>
+            </a:pPr>
+            <a:r>
+              <a:rPr lang="zh-CN" altLang="en-US" sz="1400">
+                <a:latin typeface="+mn-ea"/>
+              </a:rPr>
+              <a:t>根元素所在的包含块是一个被称为初始包含块的矩形。</a:t>
+            </a:r>
+            <a:endParaRPr lang="zh-CN" altLang="en-US" sz="1400">
+              <a:latin typeface="+mn-ea"/>
+            </a:endParaRPr>
+          </a:p>
+          <a:p>
+            <a:pPr marL="342900" indent="-342900">
+              <a:buAutoNum type="arabicPeriod"/>
+            </a:pPr>
+            <a:r>
+              <a:rPr lang="zh-CN" altLang="en-US" sz="1400">
+                <a:latin typeface="+mn-ea"/>
+                <a:sym typeface="+mn-ea"/>
+              </a:rPr>
+              <a:t>position是'relative'或者'static'</a:t>
+            </a:r>
+            <a:r>
+              <a:rPr lang="zh-CN" altLang="en-US" sz="1400">
+                <a:latin typeface="+mn-ea"/>
+              </a:rPr>
+              <a:t>，包含块由其最近的块容器祖先盒的内容边界形成。（类似于父元素边界）</a:t>
+            </a:r>
+            <a:endParaRPr lang="zh-CN" altLang="en-US" sz="1400">
+              <a:latin typeface="+mn-ea"/>
+            </a:endParaRPr>
+          </a:p>
+          <a:p>
+            <a:pPr marL="342900" indent="-342900">
+              <a:buAutoNum type="arabicPeriod"/>
+            </a:pPr>
+            <a:r>
+              <a:rPr lang="zh-CN" altLang="en-US" sz="1400">
+                <a:latin typeface="+mn-ea"/>
+                <a:sym typeface="+mn-ea"/>
+              </a:rPr>
+              <a:t>'position: fixed'</a:t>
+            </a:r>
+            <a:r>
+              <a:rPr lang="zh-CN" altLang="en-US" sz="1400">
+                <a:latin typeface="+mn-ea"/>
+              </a:rPr>
+              <a:t>，包含块是初始包含块。（不是相对根元素定位，而是相对于初始包含块）</a:t>
+            </a:r>
+            <a:endParaRPr lang="zh-CN" altLang="en-US" sz="1400">
+              <a:latin typeface="+mn-ea"/>
+            </a:endParaRPr>
+          </a:p>
+          <a:p>
+            <a:pPr marL="342900" indent="-342900">
+              <a:buAutoNum type="arabicPeriod"/>
+            </a:pPr>
+            <a:r>
+              <a:rPr lang="zh-CN" altLang="en-US" sz="1400">
+                <a:latin typeface="+mn-ea"/>
+                <a:sym typeface="+mn-ea"/>
+              </a:rPr>
+              <a:t>'position: absolute'</a:t>
+            </a:r>
+            <a:r>
+              <a:rPr lang="zh-CN" altLang="en-US" sz="1400">
+                <a:latin typeface="+mn-ea"/>
+              </a:rPr>
+              <a:t>，包含块由最近的'position'为'absolute'，'relative'或者'fixed'的祖先建立，按照如下方式：</a:t>
+            </a:r>
+            <a:endParaRPr lang="zh-CN" altLang="en-US" sz="1400">
+              <a:latin typeface="+mn-ea"/>
+            </a:endParaRPr>
+          </a:p>
+          <a:p>
+            <a:pPr marL="800100" lvl="1" indent="-342900">
+              <a:lnSpc>
+                <a:spcPct val="100000"/>
+              </a:lnSpc>
+              <a:buAutoNum type="arabicPeriod"/>
+            </a:pPr>
+            <a:r>
+              <a:rPr lang="zh-CN" altLang="en-US" sz="1200">
+                <a:latin typeface="+mn-ea"/>
+              </a:rPr>
+              <a:t>如果该祖先是一个行内元素，包含块就是环绕着为该元素生成的第一个和最后一个行内盒的内边距框的边界框（bounding box）。在CSS 2.1中，如果该行内元素被跨行分割了，那么包含块是未定义的</a:t>
+            </a:r>
+            <a:endParaRPr lang="zh-CN" altLang="en-US" sz="1200">
+              <a:latin typeface="+mn-ea"/>
+            </a:endParaRPr>
+          </a:p>
+          <a:p>
+            <a:pPr marL="800100" lvl="1" indent="-342900">
+              <a:lnSpc>
+                <a:spcPct val="100000"/>
+              </a:lnSpc>
+              <a:buAutoNum type="arabicPeriod"/>
+            </a:pPr>
+            <a:r>
+              <a:rPr lang="zh-CN" altLang="en-US" sz="1200">
+                <a:latin typeface="+mn-ea"/>
+              </a:rPr>
+              <a:t>否则，包含块由该祖先的内边距边界形成</a:t>
+            </a:r>
+            <a:endParaRPr lang="zh-CN" altLang="en-US" sz="1200">
+              <a:latin typeface="+mn-ea"/>
+            </a:endParaRPr>
+          </a:p>
+          <a:p>
+            <a:pPr marL="342900" lvl="0" indent="-342900">
+              <a:buAutoNum type="arabicPeriod"/>
+            </a:pPr>
+            <a:r>
+              <a:rPr lang="zh-CN" altLang="en-US" sz="1400">
+                <a:latin typeface="+mn-ea"/>
+              </a:rPr>
+              <a:t>如果没有这样的祖先，包含块就是初始包含块。</a:t>
+            </a:r>
+            <a:endParaRPr lang="en-US" altLang="zh-CN" sz="1400">
+              <a:latin typeface="+mn-ea"/>
+            </a:endParaRPr>
+          </a:p>
+        </p:txBody>
+      </p:sp>
+    </p:spTree>
+  </p:cSld>
+  <p:clrMapOvr>
+    <a:masterClrMapping/>
+  </p:clrMapOvr>
+</p:sld>
+</file>
+
+<file path=ppt/slides/slide9.xml><?xml version="1.0" encoding="utf-8"?>
+<p:sld xmlns:a="http://schemas.openxmlformats.org/drawingml/2006/main" xmlns:r="http://schemas.openxmlformats.org/officeDocument/2006/relationships" xmlns:p="http://schemas.openxmlformats.org/presentationml/2006/main">
+  <p:cSld>
+    <p:spTree>
+      <p:nvGrpSpPr>
+        <p:cNvPr id="1" name=""/>
+        <p:cNvGrpSpPr/>
+        <p:nvPr/>
+      </p:nvGrpSpPr>
+      <p:grpSpPr/>
+      <p:sp>
+        <p:nvSpPr>
+          <p:cNvPr id="2" name="标题 1"/>
+          <p:cNvSpPr>
+            <a:spLocks noGrp="1"/>
+          </p:cNvSpPr>
+          <p:nvPr>
+            <p:ph type="title"/>
+          </p:nvPr>
+        </p:nvSpPr>
+        <p:spPr/>
+        <p:txBody>
+          <a:bodyPr/>
+          <a:p>
+            <a:r>
+              <a:rPr lang="en-US">
+                <a:sym typeface="+mn-ea"/>
+              </a:rPr>
+              <a:t>div </a:t>
+            </a:r>
+            <a:r>
+              <a:rPr lang="zh-CN" altLang="en-US">
+                <a:sym typeface="+mn-ea"/>
+              </a:rPr>
+              <a:t>的 </a:t>
+            </a:r>
+            <a:r>
               <a:rPr lang="en-US" altLang="zh-CN">
                 <a:sym typeface="+mn-ea"/>
               </a:rPr>
-            </a:br>
-            <a:r>
-              <a:rPr lang="en-US" altLang="zh-CN">
-                <a:sym typeface="+mn-ea"/>
-              </a:rPr>
-              <a:t>white-space </a:t>
-            </a:r>
-            <a:r>
-              <a:rPr lang="zh-CN" altLang="en-US">
-                <a:sym typeface="+mn-ea"/>
-              </a:rPr>
-              <a:t>作用原理</a:t>
-            </a:r>
-            <a:br>
-              <a:rPr lang="zh-CN" altLang="en-US">
-                <a:sym typeface="+mn-ea"/>
-              </a:rPr>
-            </a:br>
+              <a:t>width: 100%</a:t>
+            </a:r>
             <a:endParaRPr lang="zh-CN" altLang="en-US"/>
           </a:p>
         </p:txBody>
@@ -4601,91 +5195,256 @@
             <p:ph idx="1"/>
           </p:nvPr>
         </p:nvSpPr>
-        <p:spPr>
-          <a:xfrm>
-            <a:off x="838200" y="1825625"/>
-            <a:ext cx="10515600" cy="4351338"/>
-          </a:xfrm>
-        </p:spPr>
-        <p:txBody>
-          <a:bodyPr/>
-          <a:p>
+        <p:spPr/>
+        <p:txBody>
+          <a:bodyPr>
+            <a:normAutofit lnSpcReduction="10000"/>
+          </a:bodyPr>
+          <a:p>
+            <a:r>
+              <a:rPr lang="en-US" altLang="zh-CN" sz="1800">
+                <a:latin typeface="+mn-ea"/>
+              </a:rPr>
+              <a:t>demo-1</a:t>
+            </a:r>
+            <a:endParaRPr lang="en-US" altLang="zh-CN" sz="1800">
+              <a:latin typeface="+mn-ea"/>
+            </a:endParaRPr>
+          </a:p>
+          <a:p>
+            <a:r>
+              <a:rPr lang="zh-CN" altLang="en-US" sz="1800">
+                <a:latin typeface="+mn-ea"/>
+              </a:rPr>
+              <a:t>流体布局</a:t>
+            </a:r>
+            <a:endParaRPr lang="en-US" altLang="zh-CN" sz="1800">
+              <a:latin typeface="+mn-ea"/>
+            </a:endParaRPr>
+          </a:p>
+          <a:p>
+            <a:r>
+              <a:rPr lang="zh-CN" altLang="en-US" sz="1800">
+                <a:latin typeface="+mn-ea"/>
+              </a:rPr>
+              <a:t>CSS 流体布局下的宽度分离原则  </a:t>
+            </a:r>
+            <a:r>
+              <a:rPr lang="en-US" altLang="zh-CN" sz="1800">
+                <a:latin typeface="+mn-ea"/>
+              </a:rPr>
+              <a:t>-</a:t>
+            </a:r>
+            <a:r>
+              <a:rPr lang="zh-CN" altLang="en-US" sz="1800">
+                <a:latin typeface="+mn-ea"/>
+              </a:rPr>
+              <a:t>《</a:t>
+            </a:r>
+            <a:r>
+              <a:rPr lang="en-US" altLang="zh-CN" sz="1800">
+                <a:latin typeface="+mn-ea"/>
+              </a:rPr>
+              <a:t>CSS</a:t>
+            </a:r>
+            <a:r>
+              <a:rPr lang="zh-CN" altLang="en-US" sz="1800">
+                <a:latin typeface="+mn-ea"/>
+              </a:rPr>
+              <a:t>世界》</a:t>
+            </a:r>
+            <a:endParaRPr lang="zh-CN" altLang="en-US" sz="1800">
+              <a:latin typeface="+mn-ea"/>
+            </a:endParaRPr>
+          </a:p>
+          <a:p>
+            <a:endParaRPr lang="zh-CN" altLang="en-US" sz="1400">
+              <a:latin typeface="+mn-ea"/>
+            </a:endParaRPr>
+          </a:p>
+          <a:p>
+            <a:pPr marL="457200" lvl="1" indent="0">
+              <a:buNone/>
+            </a:pPr>
             <a:r>
               <a:rPr lang="zh-CN" altLang="en-US" sz="1200">
-                <a:sym typeface="+mn-ea"/>
-              </a:rPr>
-              <a:t>文本内容超出省略</a:t>
+                <a:latin typeface="+mn-ea"/>
+              </a:rPr>
+              <a:t>所谓“宽度分离原则”，就是 CSS 中的 width 属性不与影响宽度的 padding/border（有时候包括 margin）属性共存，</a:t>
             </a:r>
             <a:endParaRPr lang="zh-CN" altLang="en-US" sz="1200">
-              <a:sym typeface="+mn-ea"/>
-            </a:endParaRPr>
-          </a:p>
-          <a:p>
+              <a:latin typeface="+mn-ea"/>
+            </a:endParaRPr>
+          </a:p>
+          <a:p>
+            <a:pPr marL="457200" lvl="1" indent="0">
+              <a:buNone/>
+            </a:pPr>
             <a:r>
               <a:rPr lang="zh-CN" altLang="en-US" sz="1200">
-                <a:sym typeface="+mn-ea"/>
-              </a:rPr>
-              <a:t>word-spacing、</a:t>
-            </a:r>
+                <a:latin typeface="+mn-ea"/>
+              </a:rPr>
+              <a:t>也就是不能出现以下的组合：</a:t>
+            </a:r>
+            <a:endParaRPr lang="zh-CN" altLang="en-US" sz="1200">
+              <a:latin typeface="+mn-ea"/>
+            </a:endParaRPr>
+          </a:p>
+          <a:p>
+            <a:pPr marL="457200" lvl="1" indent="0">
+              <a:buNone/>
+            </a:pPr>
+            <a:endParaRPr lang="zh-CN" altLang="en-US" sz="1200">
+              <a:latin typeface="+mn-ea"/>
+            </a:endParaRPr>
+          </a:p>
+          <a:p>
+            <a:pPr marL="457200" lvl="1" indent="0">
+              <a:buNone/>
+            </a:pPr>
             <a:r>
               <a:rPr lang="zh-CN" altLang="en-US" sz="1200">
-                <a:sym typeface="+mn-ea"/>
-              </a:rPr>
-              <a:t>letter-spacing、word-break、word-wrap</a:t>
+                <a:latin typeface="+mn-ea"/>
+              </a:rPr>
+              <a:t>.box { width: 100px; border: 1px solid; } 或者 .box { width: 100px; padding: 20px; }</a:t>
             </a:r>
             <a:endParaRPr lang="zh-CN" altLang="en-US" sz="1200">
-              <a:sym typeface="+mn-ea"/>
-            </a:endParaRPr>
-          </a:p>
-          <a:p>
+              <a:latin typeface="+mn-ea"/>
+            </a:endParaRPr>
+          </a:p>
+          <a:p>
+            <a:pPr marL="457200" lvl="1" indent="0">
+              <a:buNone/>
+            </a:pPr>
+            <a:endParaRPr lang="zh-CN" altLang="en-US" sz="1200">
+              <a:latin typeface="+mn-ea"/>
+            </a:endParaRPr>
+          </a:p>
+          <a:p>
+            <a:pPr marL="457200" lvl="1" indent="0">
+              <a:buNone/>
+            </a:pPr>
             <a:r>
               <a:rPr lang="zh-CN" altLang="en-US" sz="1200">
-                <a:sym typeface="+mn-ea"/>
-              </a:rPr>
-              <a:t>空白字符：'white-space'属性</a:t>
+                <a:latin typeface="+mn-ea"/>
+              </a:rPr>
+              <a:t>推荐写法：</a:t>
             </a:r>
             <a:endParaRPr lang="zh-CN" altLang="en-US" sz="1200">
-              <a:sym typeface="+mn-ea"/>
-            </a:endParaRPr>
-          </a:p>
-          <a:p>
+              <a:latin typeface="+mn-ea"/>
+            </a:endParaRPr>
+          </a:p>
+          <a:p>
+            <a:pPr marL="457200" lvl="1" indent="0">
+              <a:buNone/>
+            </a:pPr>
             <a:r>
               <a:rPr lang="zh-CN" altLang="en-US" sz="1200">
-                <a:sym typeface="+mn-ea"/>
-              </a:rPr>
-              <a:t>问题：</a:t>
+                <a:latin typeface="+mn-ea"/>
+              </a:rPr>
+              <a:t>.father {</a:t>
             </a:r>
             <a:endParaRPr lang="zh-CN" altLang="en-US" sz="1200">
-              <a:sym typeface="+mn-ea"/>
-            </a:endParaRPr>
-          </a:p>
-          <a:p>
-            <a:r>
-              <a:rPr lang="en-US" altLang="zh-CN" sz="1200">
-                <a:sym typeface="+mn-ea"/>
-              </a:rPr>
-              <a:t>1. html </a:t>
-            </a:r>
+              <a:latin typeface="+mn-ea"/>
+            </a:endParaRPr>
+          </a:p>
+          <a:p>
+            <a:pPr marL="457200" lvl="1" indent="0">
+              <a:buNone/>
+            </a:pPr>
             <a:r>
               <a:rPr lang="zh-CN" altLang="en-US" sz="1200">
-                <a:sym typeface="+mn-ea"/>
-              </a:rPr>
-              <a:t>文本多个空格会如何显示？</a:t>
+                <a:latin typeface="+mn-ea"/>
+              </a:rPr>
+              <a:t>    width: 180px;</a:t>
             </a:r>
             <a:endParaRPr lang="zh-CN" altLang="en-US" sz="1200">
-              <a:sym typeface="+mn-ea"/>
-            </a:endParaRPr>
-          </a:p>
-          <a:p>
+              <a:latin typeface="+mn-ea"/>
+            </a:endParaRPr>
+          </a:p>
+          <a:p>
+            <a:pPr marL="457200" lvl="1" indent="0">
+              <a:buNone/>
+            </a:pPr>
+            <a:r>
+              <a:rPr lang="zh-CN" altLang="en-US" sz="1200">
+                <a:latin typeface="+mn-ea"/>
+              </a:rPr>
+              <a:t>}</a:t>
+            </a:r>
             <a:endParaRPr lang="zh-CN" altLang="en-US" sz="1200">
-              <a:sym typeface="+mn-ea"/>
-            </a:endParaRPr>
-          </a:p>
-          <a:p>
-            <a:pPr marL="0" indent="0">
-              <a:buNone/>
-            </a:pPr>
-            <a:endParaRPr lang="zh-CN" altLang="en-US"/>
+              <a:latin typeface="+mn-ea"/>
+            </a:endParaRPr>
+          </a:p>
+          <a:p>
+            <a:pPr marL="457200" lvl="1" indent="0">
+              <a:buNone/>
+            </a:pPr>
+            <a:r>
+              <a:rPr lang="zh-CN" altLang="en-US" sz="1200">
+                <a:latin typeface="+mn-ea"/>
+              </a:rPr>
+              <a:t>.son {</a:t>
+            </a:r>
+            <a:endParaRPr lang="zh-CN" altLang="en-US" sz="1200">
+              <a:latin typeface="+mn-ea"/>
+            </a:endParaRPr>
+          </a:p>
+          <a:p>
+            <a:pPr marL="457200" lvl="1" indent="0">
+              <a:buNone/>
+            </a:pPr>
+            <a:r>
+              <a:rPr lang="zh-CN" altLang="en-US" sz="1200">
+                <a:latin typeface="+mn-ea"/>
+              </a:rPr>
+              <a:t>    margin: 0 20px;</a:t>
+            </a:r>
+            <a:endParaRPr lang="zh-CN" altLang="en-US" sz="1200">
+              <a:latin typeface="+mn-ea"/>
+            </a:endParaRPr>
+          </a:p>
+          <a:p>
+            <a:pPr marL="457200" lvl="1" indent="0">
+              <a:buNone/>
+            </a:pPr>
+            <a:r>
+              <a:rPr lang="zh-CN" altLang="en-US" sz="1200">
+                <a:latin typeface="+mn-ea"/>
+              </a:rPr>
+              <a:t>    padding: 20px;</a:t>
+            </a:r>
+            <a:endParaRPr lang="zh-CN" altLang="en-US" sz="1200">
+              <a:latin typeface="+mn-ea"/>
+            </a:endParaRPr>
+          </a:p>
+          <a:p>
+            <a:pPr marL="457200" lvl="1" indent="0">
+              <a:buNone/>
+            </a:pPr>
+            <a:r>
+              <a:rPr lang="zh-CN" altLang="en-US" sz="1200">
+                <a:latin typeface="+mn-ea"/>
+              </a:rPr>
+              <a:t>    border: 1px solid;</a:t>
+            </a:r>
+            <a:endParaRPr lang="zh-CN" altLang="en-US" sz="1200">
+              <a:latin typeface="+mn-ea"/>
+            </a:endParaRPr>
+          </a:p>
+          <a:p>
+            <a:pPr marL="457200" lvl="1" indent="0">
+              <a:buNone/>
+            </a:pPr>
+            <a:r>
+              <a:rPr lang="zh-CN" altLang="en-US" sz="1200">
+                <a:latin typeface="+mn-ea"/>
+              </a:rPr>
+              <a:t>}</a:t>
+            </a:r>
+            <a:endParaRPr lang="zh-CN" altLang="en-US" sz="1200">
+              <a:latin typeface="+mn-ea"/>
+            </a:endParaRPr>
           </a:p>
         </p:txBody>
       </p:sp>

--- a/CSS/css分享/css分享 - 布局.pptx
+++ b/CSS/css分享/css分享 - 布局.pptx
@@ -10,12 +10,13 @@
     <p:sldId id="265" r:id="rId5"/>
     <p:sldId id="266" r:id="rId6"/>
     <p:sldId id="273" r:id="rId7"/>
-    <p:sldId id="259" r:id="rId8"/>
-    <p:sldId id="260" r:id="rId9"/>
-    <p:sldId id="261" r:id="rId10"/>
-    <p:sldId id="262" r:id="rId11"/>
-    <p:sldId id="263" r:id="rId12"/>
-    <p:sldId id="279" r:id="rId13"/>
+    <p:sldId id="280" r:id="rId8"/>
+    <p:sldId id="259" r:id="rId9"/>
+    <p:sldId id="260" r:id="rId10"/>
+    <p:sldId id="261" r:id="rId11"/>
+    <p:sldId id="262" r:id="rId12"/>
+    <p:sldId id="263" r:id="rId13"/>
+    <p:sldId id="279" r:id="rId14"/>
   </p:sldIdLst>
   <p:sldSz cx="12192000" cy="6858000"/>
   <p:notesSz cx="6858000" cy="9144000"/>
@@ -3010,321 +3011,290 @@
         </p:nvSpPr>
         <p:spPr/>
         <p:txBody>
+          <a:bodyPr/>
+          <a:p>
+            <a:r>
+              <a:rPr lang="en-US">
+                <a:sym typeface="+mn-ea"/>
+              </a:rPr>
+              <a:t>div </a:t>
+            </a:r>
+            <a:r>
+              <a:rPr lang="zh-CN" altLang="en-US">
+                <a:sym typeface="+mn-ea"/>
+              </a:rPr>
+              <a:t>的 </a:t>
+            </a:r>
+            <a:r>
+              <a:rPr lang="en-US" altLang="zh-CN">
+                <a:sym typeface="+mn-ea"/>
+              </a:rPr>
+              <a:t>width: 100%</a:t>
+            </a:r>
+            <a:endParaRPr lang="zh-CN" altLang="en-US"/>
+          </a:p>
+        </p:txBody>
+      </p:sp>
+      <p:sp>
+        <p:nvSpPr>
+          <p:cNvPr id="3" name="内容占位符 2"/>
+          <p:cNvSpPr>
+            <a:spLocks noGrp="1"/>
+          </p:cNvSpPr>
+          <p:nvPr>
+            <p:ph idx="1"/>
+          </p:nvPr>
+        </p:nvSpPr>
+        <p:spPr/>
+        <p:txBody>
           <a:bodyPr>
-            <a:normAutofit fontScale="90000"/>
+            <a:normAutofit lnSpcReduction="10000"/>
           </a:bodyPr>
           <a:p>
-            <a:br>
-              <a:rPr lang="zh-CN" altLang="en-US">
-                <a:sym typeface="+mn-ea"/>
-              </a:rPr>
-            </a:br>
-            <a:r>
-              <a:rPr lang="en-US" altLang="zh-CN">
-                <a:sym typeface="+mn-ea"/>
-              </a:rPr>
-              <a:t>position: absolute </a:t>
-            </a:r>
-            <a:r>
-              <a:rPr lang="zh-CN" altLang="en-US">
-                <a:sym typeface="+mn-ea"/>
-              </a:rPr>
-              <a:t>的相对特性</a:t>
-            </a:r>
-            <a:br>
-              <a:rPr lang="zh-CN" altLang="en-US">
-                <a:sym typeface="+mn-ea"/>
-              </a:rPr>
-            </a:br>
-            <a:endParaRPr lang="zh-CN" altLang="en-US"/>
-          </a:p>
-        </p:txBody>
-      </p:sp>
-      <p:sp>
-        <p:nvSpPr>
-          <p:cNvPr id="3" name="内容占位符 2"/>
-          <p:cNvSpPr>
-            <a:spLocks noGrp="1"/>
-          </p:cNvSpPr>
-          <p:nvPr>
-            <p:ph idx="1"/>
-          </p:nvPr>
-        </p:nvSpPr>
-        <p:spPr/>
-        <p:txBody>
-          <a:bodyPr/>
-          <a:p>
-            <a:r>
-              <a:rPr lang="zh-CN" altLang="en-US" sz="1400">
-                <a:latin typeface="+mn-ea"/>
-              </a:rPr>
-              <a:t>问题：</a:t>
-            </a:r>
+            <a:r>
+              <a:rPr lang="en-US" altLang="zh-CN" sz="1800">
+                <a:latin typeface="+mn-ea"/>
+              </a:rPr>
+              <a:t>demo-1</a:t>
+            </a:r>
+            <a:endParaRPr lang="en-US" altLang="zh-CN" sz="1800">
+              <a:latin typeface="+mn-ea"/>
+            </a:endParaRPr>
+          </a:p>
+          <a:p>
+            <a:r>
+              <a:rPr lang="zh-CN" altLang="en-US" sz="1800">
+                <a:latin typeface="+mn-ea"/>
+              </a:rPr>
+              <a:t>流体布局</a:t>
+            </a:r>
+            <a:endParaRPr lang="en-US" altLang="zh-CN" sz="1800">
+              <a:latin typeface="+mn-ea"/>
+            </a:endParaRPr>
+          </a:p>
+          <a:p>
+            <a:r>
+              <a:rPr lang="zh-CN" altLang="en-US" sz="1800">
+                <a:latin typeface="+mn-ea"/>
+              </a:rPr>
+              <a:t>CSS 流体布局下的宽度分离原则  </a:t>
+            </a:r>
+            <a:r>
+              <a:rPr lang="en-US" altLang="zh-CN" sz="1800">
+                <a:latin typeface="+mn-ea"/>
+              </a:rPr>
+              <a:t>-</a:t>
+            </a:r>
+            <a:r>
+              <a:rPr lang="zh-CN" altLang="en-US" sz="1800">
+                <a:latin typeface="+mn-ea"/>
+              </a:rPr>
+              <a:t>《</a:t>
+            </a:r>
+            <a:r>
+              <a:rPr lang="en-US" altLang="zh-CN" sz="1800">
+                <a:latin typeface="+mn-ea"/>
+              </a:rPr>
+              <a:t>CSS</a:t>
+            </a:r>
+            <a:r>
+              <a:rPr lang="zh-CN" altLang="en-US" sz="1800">
+                <a:latin typeface="+mn-ea"/>
+              </a:rPr>
+              <a:t>世界》</a:t>
+            </a:r>
+            <a:endParaRPr lang="zh-CN" altLang="en-US" sz="1800">
+              <a:latin typeface="+mn-ea"/>
+            </a:endParaRPr>
+          </a:p>
+          <a:p>
             <a:endParaRPr lang="zh-CN" altLang="en-US" sz="1400">
               <a:latin typeface="+mn-ea"/>
             </a:endParaRPr>
           </a:p>
           <a:p>
-            <a:pPr lvl="1">
-              <a:buAutoNum type="arabicPeriod"/>
+            <a:pPr marL="457200" lvl="1" indent="0">
+              <a:buNone/>
             </a:pPr>
             <a:r>
               <a:rPr lang="zh-CN" altLang="en-US" sz="1200">
                 <a:latin typeface="+mn-ea"/>
               </a:rPr>
-              <a:t>一个绝对定位元素，没有任何 left/top/right/bottom 属性设置，并且其祖先元素全部都是非定位元素，其位置在哪里？（</a:t>
-            </a:r>
-            <a:r>
-              <a:rPr lang="en-US" altLang="zh-CN" sz="1200">
-                <a:latin typeface="+mn-ea"/>
-                <a:sym typeface="+mn-ea"/>
-              </a:rPr>
-              <a:t>demo-2</a:t>
-            </a:r>
+              <a:t>所谓“宽度分离原则”，就是 CSS 中的 width 属性不与影响宽度的 padding/border（有时候包括 margin）属性共存，</a:t>
+            </a:r>
+            <a:endParaRPr lang="zh-CN" altLang="en-US" sz="1200">
+              <a:latin typeface="+mn-ea"/>
+            </a:endParaRPr>
+          </a:p>
+          <a:p>
+            <a:pPr marL="457200" lvl="1" indent="0">
+              <a:buNone/>
+            </a:pPr>
             <a:r>
               <a:rPr lang="zh-CN" altLang="en-US" sz="1200">
                 <a:latin typeface="+mn-ea"/>
-                <a:sym typeface="+mn-ea"/>
-              </a:rPr>
-              <a:t>，</a:t>
-            </a:r>
-            <a:r>
-              <a:rPr lang="en-US" altLang="zh-CN" sz="1200">
-                <a:latin typeface="+mn-ea"/>
-                <a:sym typeface="+mn-ea"/>
-              </a:rPr>
-              <a:t>demo-3</a:t>
-            </a:r>
+              </a:rPr>
+              <a:t>也就是不能出现以下的组合：</a:t>
+            </a:r>
+            <a:endParaRPr lang="zh-CN" altLang="en-US" sz="1200">
+              <a:latin typeface="+mn-ea"/>
+            </a:endParaRPr>
+          </a:p>
+          <a:p>
+            <a:pPr marL="457200" lvl="1" indent="0">
+              <a:buNone/>
+            </a:pPr>
+            <a:endParaRPr lang="zh-CN" altLang="en-US" sz="1200">
+              <a:latin typeface="+mn-ea"/>
+            </a:endParaRPr>
+          </a:p>
+          <a:p>
+            <a:pPr marL="457200" lvl="1" indent="0">
+              <a:buNone/>
+            </a:pPr>
             <a:r>
               <a:rPr lang="zh-CN" altLang="en-US" sz="1200">
                 <a:latin typeface="+mn-ea"/>
               </a:rPr>
-              <a:t>）</a:t>
+              <a:t>.box { width: 100px; border: 1px solid; } 或者 .box { width: 100px; padding: 20px; }</a:t>
             </a:r>
             <a:endParaRPr lang="zh-CN" altLang="en-US" sz="1200">
               <a:latin typeface="+mn-ea"/>
             </a:endParaRPr>
           </a:p>
           <a:p>
-            <a:pPr lvl="1">
-              <a:buAutoNum type="arabicPeriod"/>
+            <a:pPr marL="457200" lvl="1" indent="0">
+              <a:buNone/>
+            </a:pPr>
+            <a:endParaRPr lang="zh-CN" altLang="en-US" sz="1200">
+              <a:latin typeface="+mn-ea"/>
+            </a:endParaRPr>
+          </a:p>
+          <a:p>
+            <a:pPr marL="457200" lvl="1" indent="0">
+              <a:buNone/>
             </a:pPr>
             <a:r>
               <a:rPr lang="zh-CN" altLang="en-US" sz="1200">
                 <a:latin typeface="+mn-ea"/>
-                <a:sym typeface="+mn-ea"/>
-              </a:rPr>
-              <a:t>绝对定位元素，其祖先元素全部都是非定位元素，其位置在哪里？（</a:t>
-            </a:r>
-            <a:r>
-              <a:rPr lang="en-US" altLang="zh-CN" sz="1200">
-                <a:latin typeface="+mn-ea"/>
-                <a:sym typeface="+mn-ea"/>
-              </a:rPr>
-              <a:t>demo-4</a:t>
-            </a:r>
+              </a:rPr>
+              <a:t>推荐写法：</a:t>
+            </a:r>
+            <a:endParaRPr lang="zh-CN" altLang="en-US" sz="1200">
+              <a:latin typeface="+mn-ea"/>
+            </a:endParaRPr>
+          </a:p>
+          <a:p>
+            <a:pPr marL="457200" lvl="1" indent="0">
+              <a:buNone/>
+            </a:pPr>
             <a:r>
               <a:rPr lang="zh-CN" altLang="en-US" sz="1200">
                 <a:latin typeface="+mn-ea"/>
-                <a:sym typeface="+mn-ea"/>
-              </a:rPr>
-              <a:t>）</a:t>
+              </a:rPr>
+              <a:t>.father {</a:t>
             </a:r>
             <a:endParaRPr lang="zh-CN" altLang="en-US" sz="1200">
               <a:latin typeface="+mn-ea"/>
-              <a:sym typeface="+mn-ea"/>
-            </a:endParaRPr>
-          </a:p>
-          <a:p>
-            <a:pPr lvl="0"/>
-            <a:r>
-              <a:rPr lang="zh-CN" altLang="en-US" sz="1400">
-                <a:latin typeface="+mn-ea"/>
-                <a:sym typeface="+mn-ea"/>
-              </a:rPr>
-              <a:t>static</a:t>
-            </a:r>
-            <a:endParaRPr lang="zh-CN" altLang="en-US" sz="1400">
-              <a:latin typeface="+mn-ea"/>
-              <a:sym typeface="+mn-ea"/>
-            </a:endParaRPr>
-          </a:p>
-          <a:p>
-            <a:pPr marL="0" lvl="0" indent="0">
+            </a:endParaRPr>
+          </a:p>
+          <a:p>
+            <a:pPr marL="457200" lvl="1" indent="0">
               <a:buNone/>
             </a:pPr>
             <a:r>
               <a:rPr lang="zh-CN" altLang="en-US" sz="1200">
                 <a:latin typeface="+mn-ea"/>
-                <a:sym typeface="+mn-ea"/>
-              </a:rPr>
-              <a:t>    盒是个常规盒，根据常规流布局。'top'，'right'，'bottom'和'left'属性失效</a:t>
+              </a:rPr>
+              <a:t>    width: 180px;</a:t>
             </a:r>
             <a:endParaRPr lang="zh-CN" altLang="en-US" sz="1200">
               <a:latin typeface="+mn-ea"/>
-              <a:sym typeface="+mn-ea"/>
-            </a:endParaRPr>
-          </a:p>
-          <a:p>
-            <a:pPr lvl="0"/>
-            <a:r>
-              <a:rPr lang="zh-CN" altLang="en-US" sz="1400">
-                <a:latin typeface="+mn-ea"/>
-                <a:sym typeface="+mn-ea"/>
-              </a:rPr>
-              <a:t>relative</a:t>
-            </a:r>
-            <a:endParaRPr lang="zh-CN" altLang="en-US" sz="1400">
-              <a:latin typeface="+mn-ea"/>
-              <a:sym typeface="+mn-ea"/>
-            </a:endParaRPr>
-          </a:p>
-          <a:p>
-            <a:pPr marL="0" lvl="0" indent="0">
+            </a:endParaRPr>
+          </a:p>
+          <a:p>
+            <a:pPr marL="457200" lvl="1" indent="0">
               <a:buNone/>
             </a:pPr>
             <a:r>
               <a:rPr lang="zh-CN" altLang="en-US" sz="1200">
                 <a:latin typeface="+mn-ea"/>
-                <a:sym typeface="+mn-ea"/>
-              </a:rPr>
-              <a:t>    盒的位置是根据常规流计算的（被称为常规流中的位置），然后盒相对于其常规位置偏移。当盒B为相对定位时，后面的盒的位置仍按照B没有偏移量来计算</a:t>
+              </a:rPr>
+              <a:t>}</a:t>
             </a:r>
             <a:endParaRPr lang="zh-CN" altLang="en-US" sz="1200">
               <a:latin typeface="+mn-ea"/>
-              <a:sym typeface="+mn-ea"/>
-            </a:endParaRPr>
-          </a:p>
-          <a:p>
-            <a:pPr lvl="0"/>
-            <a:r>
-              <a:rPr lang="zh-CN" altLang="en-US" sz="1400">
-                <a:latin typeface="+mn-ea"/>
-                <a:sym typeface="+mn-ea"/>
-              </a:rPr>
-              <a:t>absolute</a:t>
-            </a:r>
-            <a:endParaRPr lang="zh-CN" altLang="en-US" sz="1400">
-              <a:latin typeface="+mn-ea"/>
-              <a:sym typeface="+mn-ea"/>
-            </a:endParaRPr>
-          </a:p>
-          <a:p>
-            <a:pPr marL="0" lvl="0" indent="0">
-              <a:buNone/>
-            </a:pPr>
-            <a:r>
-              <a:rPr lang="zh-CN" altLang="en-US" sz="1400">
-                <a:latin typeface="+mn-ea"/>
-                <a:sym typeface="+mn-ea"/>
-              </a:rPr>
-              <a:t>   </a:t>
-            </a:r>
+            </a:endParaRPr>
+          </a:p>
+          <a:p>
+            <a:pPr marL="457200" lvl="1" indent="0">
+              <a:buNone/>
+            </a:pPr>
             <a:r>
               <a:rPr lang="zh-CN" altLang="en-US" sz="1200">
                 <a:latin typeface="+mn-ea"/>
-                <a:sym typeface="+mn-ea"/>
-              </a:rPr>
-              <a:t>盒的位置（及可能的大小）由'top'，'right'，'bottom'和'left'属性指定，这些属性指定了相对于盒的包含块的偏移量。绝对定位的盒脱离了常规流，意味着它们不会影响后面兄弟元素的布局，而且，虽然绝对定位的盒有外边距，但它们不会与任何其它外边距合并</a:t>
+              </a:rPr>
+              <a:t>.son {</a:t>
             </a:r>
             <a:endParaRPr lang="zh-CN" altLang="en-US" sz="1200">
               <a:latin typeface="+mn-ea"/>
-              <a:sym typeface="+mn-ea"/>
-            </a:endParaRPr>
-          </a:p>
-          <a:p>
-            <a:pPr lvl="0"/>
-            <a:r>
-              <a:rPr lang="zh-CN" altLang="en-US" sz="1400">
-                <a:latin typeface="+mn-ea"/>
-                <a:sym typeface="+mn-ea"/>
-              </a:rPr>
-              <a:t>具有相对特性的无依赖absolute绝对定位   </a:t>
-            </a:r>
-            <a:r>
-              <a:rPr lang="en-US" altLang="zh-CN" sz="1400">
-                <a:latin typeface="+mn-ea"/>
-                <a:sym typeface="+mn-ea"/>
-              </a:rPr>
-              <a:t>- </a:t>
-            </a:r>
-            <a:r>
-              <a:rPr lang="zh-CN" altLang="en-US" sz="1400">
-                <a:latin typeface="+mn-ea"/>
-                <a:sym typeface="+mn-ea"/>
-              </a:rPr>
-              <a:t>《</a:t>
-            </a:r>
-            <a:r>
-              <a:rPr lang="en-US" altLang="zh-CN" sz="1400">
-                <a:latin typeface="+mn-ea"/>
-                <a:sym typeface="+mn-ea"/>
-              </a:rPr>
-              <a:t>CSS</a:t>
-            </a:r>
-            <a:r>
-              <a:rPr lang="zh-CN" altLang="en-US" sz="1400">
-                <a:latin typeface="+mn-ea"/>
-                <a:sym typeface="+mn-ea"/>
-              </a:rPr>
-              <a:t>世界》</a:t>
-            </a:r>
-            <a:endParaRPr lang="zh-CN" altLang="en-US" sz="1400">
-              <a:latin typeface="+mn-ea"/>
-              <a:sym typeface="+mn-ea"/>
-            </a:endParaRPr>
-          </a:p>
-          <a:p>
-            <a:pPr marL="0" lvl="0" indent="0">
-              <a:buNone/>
-            </a:pPr>
-            <a:r>
-              <a:rPr lang="en-US" altLang="zh-CN" sz="1400">
-                <a:latin typeface="+mn-ea"/>
-                <a:sym typeface="+mn-ea"/>
-              </a:rPr>
-              <a:t>       </a:t>
-            </a:r>
-            <a:r>
-              <a:rPr lang="en-US" altLang="zh-CN" sz="1200">
-                <a:latin typeface="+mn-ea"/>
-                <a:sym typeface="+mn-ea"/>
-              </a:rPr>
-              <a:t>把这种没有设置 left/top/right/bottom 属性值的绝对定位称为“无依赖绝对定位”。无依赖绝对定位”本质上就是“相对定位”，仅仅是不占据 CSS 流的尺寸空间而已。</a:t>
-            </a:r>
-            <a:endParaRPr lang="en-US" altLang="zh-CN" sz="1200">
-              <a:latin typeface="+mn-ea"/>
-              <a:sym typeface="+mn-ea"/>
-            </a:endParaRPr>
-          </a:p>
-          <a:p>
-            <a:pPr marL="0" lvl="0" indent="0">
-              <a:buNone/>
-            </a:pPr>
-            <a:r>
-              <a:rPr lang="en-US" altLang="zh-CN" sz="1200">
-                <a:latin typeface="+mn-ea"/>
-                <a:sym typeface="+mn-ea"/>
-              </a:rPr>
-              <a:t>        demo - </a:t>
-            </a:r>
+            </a:endParaRPr>
+          </a:p>
+          <a:p>
+            <a:pPr marL="457200" lvl="1" indent="0">
+              <a:buNone/>
+            </a:pPr>
             <a:r>
               <a:rPr lang="zh-CN" altLang="en-US" sz="1200">
                 <a:latin typeface="+mn-ea"/>
-                <a:sym typeface="+mn-ea"/>
-              </a:rPr>
-              <a:t>http://demo.cssworld.cn/6/5-4.php</a:t>
+              </a:rPr>
+              <a:t>    margin: 0 20px;</a:t>
             </a:r>
             <a:endParaRPr lang="zh-CN" altLang="en-US" sz="1200">
               <a:latin typeface="+mn-ea"/>
-              <a:sym typeface="+mn-ea"/>
-            </a:endParaRPr>
-          </a:p>
-          <a:p>
-            <a:pPr marL="0" lvl="0" indent="0">
-              <a:buNone/>
-            </a:pPr>
-            <a:endParaRPr lang="zh-CN" altLang="en-US" sz="1195"/>
+            </a:endParaRPr>
+          </a:p>
+          <a:p>
+            <a:pPr marL="457200" lvl="1" indent="0">
+              <a:buNone/>
+            </a:pPr>
+            <a:r>
+              <a:rPr lang="zh-CN" altLang="en-US" sz="1200">
+                <a:latin typeface="+mn-ea"/>
+              </a:rPr>
+              <a:t>    padding: 20px;</a:t>
+            </a:r>
+            <a:endParaRPr lang="zh-CN" altLang="en-US" sz="1200">
+              <a:latin typeface="+mn-ea"/>
+            </a:endParaRPr>
+          </a:p>
+          <a:p>
+            <a:pPr marL="457200" lvl="1" indent="0">
+              <a:buNone/>
+            </a:pPr>
+            <a:r>
+              <a:rPr lang="zh-CN" altLang="en-US" sz="1200">
+                <a:latin typeface="+mn-ea"/>
+              </a:rPr>
+              <a:t>    border: 1px solid;</a:t>
+            </a:r>
+            <a:endParaRPr lang="zh-CN" altLang="en-US" sz="1200">
+              <a:latin typeface="+mn-ea"/>
+            </a:endParaRPr>
+          </a:p>
+          <a:p>
+            <a:pPr marL="457200" lvl="1" indent="0">
+              <a:buNone/>
+            </a:pPr>
+            <a:r>
+              <a:rPr lang="zh-CN" altLang="en-US" sz="1200">
+                <a:latin typeface="+mn-ea"/>
+              </a:rPr>
+              <a:t>}</a:t>
+            </a:r>
+            <a:endParaRPr lang="zh-CN" altLang="en-US" sz="1200">
+              <a:latin typeface="+mn-ea"/>
+            </a:endParaRPr>
           </a:p>
         </p:txBody>
       </p:sp>
@@ -3358,6 +3328,354 @@
         </p:nvSpPr>
         <p:spPr/>
         <p:txBody>
+          <a:bodyPr>
+            <a:normAutofit fontScale="90000"/>
+          </a:bodyPr>
+          <a:p>
+            <a:br>
+              <a:rPr lang="zh-CN" altLang="en-US">
+                <a:sym typeface="+mn-ea"/>
+              </a:rPr>
+            </a:br>
+            <a:r>
+              <a:rPr lang="en-US" altLang="zh-CN">
+                <a:sym typeface="+mn-ea"/>
+              </a:rPr>
+              <a:t>position: absolute </a:t>
+            </a:r>
+            <a:r>
+              <a:rPr lang="zh-CN" altLang="en-US">
+                <a:sym typeface="+mn-ea"/>
+              </a:rPr>
+              <a:t>的相对特性</a:t>
+            </a:r>
+            <a:br>
+              <a:rPr lang="zh-CN" altLang="en-US">
+                <a:sym typeface="+mn-ea"/>
+              </a:rPr>
+            </a:br>
+            <a:endParaRPr lang="zh-CN" altLang="en-US"/>
+          </a:p>
+        </p:txBody>
+      </p:sp>
+      <p:sp>
+        <p:nvSpPr>
+          <p:cNvPr id="3" name="内容占位符 2"/>
+          <p:cNvSpPr>
+            <a:spLocks noGrp="1"/>
+          </p:cNvSpPr>
+          <p:nvPr>
+            <p:ph idx="1"/>
+          </p:nvPr>
+        </p:nvSpPr>
+        <p:spPr/>
+        <p:txBody>
+          <a:bodyPr/>
+          <a:p>
+            <a:r>
+              <a:rPr lang="zh-CN" altLang="en-US" sz="1400">
+                <a:latin typeface="+mn-ea"/>
+              </a:rPr>
+              <a:t>问题：</a:t>
+            </a:r>
+            <a:endParaRPr lang="zh-CN" altLang="en-US" sz="1400">
+              <a:latin typeface="+mn-ea"/>
+            </a:endParaRPr>
+          </a:p>
+          <a:p>
+            <a:pPr lvl="1">
+              <a:buAutoNum type="arabicPeriod"/>
+            </a:pPr>
+            <a:r>
+              <a:rPr lang="zh-CN" altLang="en-US" sz="1200">
+                <a:latin typeface="+mn-ea"/>
+              </a:rPr>
+              <a:t>一个绝对定位元素，没有任何 left/top/right/bottom 属性设置，并且其祖先元素全部都是非定位元素，其位置在哪里？（</a:t>
+            </a:r>
+            <a:r>
+              <a:rPr lang="en-US" altLang="zh-CN" sz="1200">
+                <a:latin typeface="+mn-ea"/>
+                <a:sym typeface="+mn-ea"/>
+              </a:rPr>
+              <a:t>demo-2</a:t>
+            </a:r>
+            <a:r>
+              <a:rPr lang="zh-CN" altLang="en-US" sz="1200">
+                <a:latin typeface="+mn-ea"/>
+                <a:sym typeface="+mn-ea"/>
+              </a:rPr>
+              <a:t>，</a:t>
+            </a:r>
+            <a:r>
+              <a:rPr lang="en-US" altLang="zh-CN" sz="1200">
+                <a:latin typeface="+mn-ea"/>
+                <a:sym typeface="+mn-ea"/>
+              </a:rPr>
+              <a:t>demo-3</a:t>
+            </a:r>
+            <a:r>
+              <a:rPr lang="zh-CN" altLang="en-US" sz="1200">
+                <a:latin typeface="+mn-ea"/>
+              </a:rPr>
+              <a:t>）</a:t>
+            </a:r>
+            <a:endParaRPr lang="zh-CN" altLang="en-US" sz="1200">
+              <a:latin typeface="+mn-ea"/>
+            </a:endParaRPr>
+          </a:p>
+          <a:p>
+            <a:pPr lvl="1">
+              <a:buAutoNum type="arabicPeriod"/>
+            </a:pPr>
+            <a:r>
+              <a:rPr lang="zh-CN" altLang="en-US" sz="1200">
+                <a:latin typeface="+mn-ea"/>
+                <a:sym typeface="+mn-ea"/>
+              </a:rPr>
+              <a:t>绝对定位元素，其祖先元素全部都是非定位元素，其位置在哪里？（</a:t>
+            </a:r>
+            <a:r>
+              <a:rPr lang="en-US" altLang="zh-CN" sz="1200">
+                <a:latin typeface="+mn-ea"/>
+                <a:sym typeface="+mn-ea"/>
+              </a:rPr>
+              <a:t>demo-4</a:t>
+            </a:r>
+            <a:r>
+              <a:rPr lang="zh-CN" altLang="en-US" sz="1200">
+                <a:latin typeface="+mn-ea"/>
+                <a:sym typeface="+mn-ea"/>
+              </a:rPr>
+              <a:t>）</a:t>
+            </a:r>
+            <a:endParaRPr lang="zh-CN" altLang="en-US" sz="1200">
+              <a:latin typeface="+mn-ea"/>
+              <a:sym typeface="+mn-ea"/>
+            </a:endParaRPr>
+          </a:p>
+          <a:p>
+            <a:pPr lvl="0"/>
+            <a:r>
+              <a:rPr lang="zh-CN" altLang="en-US" sz="1400">
+                <a:latin typeface="+mn-ea"/>
+                <a:sym typeface="+mn-ea"/>
+              </a:rPr>
+              <a:t>static</a:t>
+            </a:r>
+            <a:endParaRPr lang="zh-CN" altLang="en-US" sz="1400">
+              <a:latin typeface="+mn-ea"/>
+              <a:sym typeface="+mn-ea"/>
+            </a:endParaRPr>
+          </a:p>
+          <a:p>
+            <a:pPr marL="0" lvl="0" indent="0">
+              <a:buNone/>
+            </a:pPr>
+            <a:r>
+              <a:rPr lang="zh-CN" altLang="en-US" sz="1200">
+                <a:latin typeface="+mn-ea"/>
+                <a:sym typeface="+mn-ea"/>
+              </a:rPr>
+              <a:t>    盒是个常规盒，根据常规流布局。'top'，'right'，'bottom'和'left'属性失效</a:t>
+            </a:r>
+            <a:endParaRPr lang="zh-CN" altLang="en-US" sz="1200">
+              <a:latin typeface="+mn-ea"/>
+              <a:sym typeface="+mn-ea"/>
+            </a:endParaRPr>
+          </a:p>
+          <a:p>
+            <a:pPr lvl="0"/>
+            <a:r>
+              <a:rPr lang="zh-CN" altLang="en-US" sz="1400">
+                <a:latin typeface="+mn-ea"/>
+                <a:sym typeface="+mn-ea"/>
+              </a:rPr>
+              <a:t>relative</a:t>
+            </a:r>
+            <a:endParaRPr lang="zh-CN" altLang="en-US" sz="1400">
+              <a:latin typeface="+mn-ea"/>
+              <a:sym typeface="+mn-ea"/>
+            </a:endParaRPr>
+          </a:p>
+          <a:p>
+            <a:pPr marL="0" lvl="0" indent="0">
+              <a:buNone/>
+            </a:pPr>
+            <a:r>
+              <a:rPr lang="zh-CN" altLang="en-US" sz="1200">
+                <a:latin typeface="+mn-ea"/>
+                <a:sym typeface="+mn-ea"/>
+              </a:rPr>
+              <a:t>    盒的位置是根据常规流计算的（被称为常规流中的位置），然后盒相对于其常规位置偏移。当盒B为相对定位时，后面的盒的位置仍按照B没有偏移量来计算</a:t>
+            </a:r>
+            <a:endParaRPr lang="zh-CN" altLang="en-US" sz="1200">
+              <a:latin typeface="+mn-ea"/>
+              <a:sym typeface="+mn-ea"/>
+            </a:endParaRPr>
+          </a:p>
+          <a:p>
+            <a:pPr lvl="0"/>
+            <a:r>
+              <a:rPr lang="zh-CN" altLang="en-US" sz="1400">
+                <a:latin typeface="+mn-ea"/>
+                <a:sym typeface="+mn-ea"/>
+              </a:rPr>
+              <a:t>absolute</a:t>
+            </a:r>
+            <a:endParaRPr lang="zh-CN" altLang="en-US" sz="1400">
+              <a:latin typeface="+mn-ea"/>
+              <a:sym typeface="+mn-ea"/>
+            </a:endParaRPr>
+          </a:p>
+          <a:p>
+            <a:pPr marL="0" lvl="0" indent="0">
+              <a:buNone/>
+            </a:pPr>
+            <a:r>
+              <a:rPr lang="zh-CN" altLang="en-US" sz="1400">
+                <a:latin typeface="+mn-ea"/>
+                <a:sym typeface="+mn-ea"/>
+              </a:rPr>
+              <a:t>   </a:t>
+            </a:r>
+            <a:r>
+              <a:rPr lang="zh-CN" altLang="en-US" sz="1200">
+                <a:latin typeface="+mn-ea"/>
+                <a:sym typeface="+mn-ea"/>
+              </a:rPr>
+              <a:t>盒的位置（及可能的大小）由'top'，'right'，'bottom'和'left'属性指定，这些属性指定了相对于盒的包含块的偏移量。绝对定位的盒脱离了常规流，意味着它们不会影响后面兄弟元素的布局，而且，虽然绝对定位的盒有外边距，但它们不会与任何其它外边距合并</a:t>
+            </a:r>
+            <a:endParaRPr lang="zh-CN" altLang="en-US" sz="1200">
+              <a:latin typeface="+mn-ea"/>
+              <a:sym typeface="+mn-ea"/>
+            </a:endParaRPr>
+          </a:p>
+          <a:p>
+            <a:pPr lvl="0"/>
+            <a:r>
+              <a:rPr lang="zh-CN" altLang="en-US" sz="1400">
+                <a:latin typeface="+mn-ea"/>
+                <a:sym typeface="+mn-ea"/>
+              </a:rPr>
+              <a:t>具有相对特性的无依赖absolute绝对定位   </a:t>
+            </a:r>
+            <a:r>
+              <a:rPr lang="en-US" altLang="zh-CN" sz="1400">
+                <a:latin typeface="+mn-ea"/>
+                <a:sym typeface="+mn-ea"/>
+              </a:rPr>
+              <a:t>- </a:t>
+            </a:r>
+            <a:r>
+              <a:rPr lang="zh-CN" altLang="en-US" sz="1400">
+                <a:latin typeface="+mn-ea"/>
+                <a:sym typeface="+mn-ea"/>
+              </a:rPr>
+              <a:t>《</a:t>
+            </a:r>
+            <a:r>
+              <a:rPr lang="en-US" altLang="zh-CN" sz="1400">
+                <a:latin typeface="+mn-ea"/>
+                <a:sym typeface="+mn-ea"/>
+              </a:rPr>
+              <a:t>CSS</a:t>
+            </a:r>
+            <a:r>
+              <a:rPr lang="zh-CN" altLang="en-US" sz="1400">
+                <a:latin typeface="+mn-ea"/>
+                <a:sym typeface="+mn-ea"/>
+              </a:rPr>
+              <a:t>世界》</a:t>
+            </a:r>
+            <a:endParaRPr lang="zh-CN" altLang="en-US" sz="1400">
+              <a:latin typeface="+mn-ea"/>
+              <a:sym typeface="+mn-ea"/>
+            </a:endParaRPr>
+          </a:p>
+          <a:p>
+            <a:pPr marL="0" lvl="0" indent="0">
+              <a:buNone/>
+            </a:pPr>
+            <a:r>
+              <a:rPr lang="en-US" altLang="zh-CN" sz="1400">
+                <a:latin typeface="+mn-ea"/>
+                <a:sym typeface="+mn-ea"/>
+              </a:rPr>
+              <a:t>       </a:t>
+            </a:r>
+            <a:r>
+              <a:rPr lang="en-US" altLang="zh-CN" sz="1200">
+                <a:latin typeface="+mn-ea"/>
+                <a:sym typeface="+mn-ea"/>
+              </a:rPr>
+              <a:t>把这种没有设置 left/top/right/bottom 属性值的绝对定位称为“无依赖绝对定位”。无依赖绝对定位”本质上就是“相对定位”，仅仅是不占据 CSS 流的尺寸空间而已。</a:t>
+            </a:r>
+            <a:endParaRPr lang="en-US" altLang="zh-CN" sz="1200">
+              <a:latin typeface="+mn-ea"/>
+              <a:sym typeface="+mn-ea"/>
+            </a:endParaRPr>
+          </a:p>
+          <a:p>
+            <a:pPr marL="0" lvl="0" indent="0">
+              <a:buNone/>
+            </a:pPr>
+            <a:r>
+              <a:rPr lang="en-US" altLang="zh-CN" sz="1200">
+                <a:latin typeface="+mn-ea"/>
+                <a:sym typeface="+mn-ea"/>
+              </a:rPr>
+              <a:t>        demo - </a:t>
+            </a:r>
+            <a:r>
+              <a:rPr lang="zh-CN" altLang="en-US" sz="1200">
+                <a:latin typeface="+mn-ea"/>
+                <a:sym typeface="+mn-ea"/>
+              </a:rPr>
+              <a:t>http://demo.cssworld.cn/6/5-4.php</a:t>
+            </a:r>
+            <a:endParaRPr lang="zh-CN" altLang="en-US" sz="1200">
+              <a:latin typeface="+mn-ea"/>
+              <a:sym typeface="+mn-ea"/>
+            </a:endParaRPr>
+          </a:p>
+          <a:p>
+            <a:pPr marL="0" lvl="0" indent="0">
+              <a:buNone/>
+            </a:pPr>
+            <a:endParaRPr lang="zh-CN" altLang="en-US" sz="1195"/>
+          </a:p>
+        </p:txBody>
+      </p:sp>
+    </p:spTree>
+  </p:cSld>
+  <p:clrMapOvr>
+    <a:masterClrMapping/>
+  </p:clrMapOvr>
+</p:sld>
+</file>
+
+<file path=ppt/slides/slide12.xml><?xml version="1.0" encoding="utf-8"?>
+<p:sld xmlns:a="http://schemas.openxmlformats.org/drawingml/2006/main" xmlns:r="http://schemas.openxmlformats.org/officeDocument/2006/relationships" xmlns:p="http://schemas.openxmlformats.org/presentationml/2006/main">
+  <p:cSld>
+    <p:spTree>
+      <p:nvGrpSpPr>
+        <p:cNvPr id="1" name=""/>
+        <p:cNvGrpSpPr/>
+        <p:nvPr/>
+      </p:nvGrpSpPr>
+      <p:grpSpPr/>
+      <p:sp>
+        <p:nvSpPr>
+          <p:cNvPr id="2" name="标题 1"/>
+          <p:cNvSpPr>
+            <a:spLocks noGrp="1"/>
+          </p:cNvSpPr>
+          <p:nvPr>
+            <p:ph type="title"/>
+          </p:nvPr>
+        </p:nvSpPr>
+        <p:spPr/>
+        <p:txBody>
           <a:bodyPr/>
           <a:p>
             <a:r>
@@ -3614,58 +3932,16 @@
                 <a:latin typeface="+mn-ea"/>
                 <a:sym typeface="+mn-ea"/>
               </a:rPr>
-              <a:t>case - </a:t>
-            </a:r>
-            <a:r>
-              <a:rPr lang="zh-CN" altLang="en-US" sz="1000">
-                <a:latin typeface="+mn-ea"/>
-                <a:sym typeface="+mn-ea"/>
-              </a:rPr>
-              <a:t>好于坏的基本原则：实现相同的布局，</a:t>
-            </a:r>
-            <a:r>
-              <a:rPr lang="en-US" altLang="zh-CN" sz="1000">
-                <a:latin typeface="+mn-ea"/>
-                <a:sym typeface="+mn-ea"/>
-              </a:rPr>
-              <a:t>html</a:t>
-            </a:r>
-            <a:r>
-              <a:rPr lang="zh-CN" altLang="en-US" sz="1000">
-                <a:latin typeface="+mn-ea"/>
-                <a:sym typeface="+mn-ea"/>
-              </a:rPr>
-              <a:t>和</a:t>
-            </a:r>
-            <a:r>
-              <a:rPr lang="en-US" altLang="zh-CN" sz="1000">
-                <a:latin typeface="+mn-ea"/>
-                <a:sym typeface="+mn-ea"/>
-              </a:rPr>
-              <a:t>css</a:t>
-            </a:r>
-            <a:r>
-              <a:rPr lang="zh-CN" altLang="en-US" sz="1000">
-                <a:latin typeface="+mn-ea"/>
-                <a:sym typeface="+mn-ea"/>
-              </a:rPr>
-              <a:t>代码越少越好，要避免重写原生的和组件内置的</a:t>
-            </a:r>
-            <a:r>
-              <a:rPr lang="en-US" altLang="zh-CN" sz="1000">
-                <a:latin typeface="+mn-ea"/>
-                <a:sym typeface="+mn-ea"/>
-              </a:rPr>
-              <a:t>css</a:t>
-            </a:r>
-            <a:r>
-              <a:rPr lang="zh-CN" altLang="en-US" sz="1000">
-                <a:latin typeface="+mn-ea"/>
-                <a:sym typeface="+mn-ea"/>
-              </a:rPr>
-              <a:t>属性。</a:t>
-            </a:r>
-            <a:endParaRPr lang="zh-CN" altLang="en-US" sz="1000">
+              <a:t>case</a:t>
+            </a:r>
+            <a:r>
+              <a:rPr lang="zh-CN" altLang="en-US" sz="1400">
+                <a:latin typeface="+mn-ea"/>
+                <a:sym typeface="+mn-ea"/>
+              </a:rPr>
+              <a:t>与总结</a:t>
+            </a:r>
+            <a:endParaRPr lang="zh-CN" altLang="en-US" sz="1400">
               <a:latin typeface="+mn-ea"/>
               <a:sym typeface="+mn-ea"/>
             </a:endParaRPr>
@@ -3677,7 +3953,7 @@
               </a:lnSpc>
               <a:buAutoNum type="arabicPeriod"/>
             </a:pPr>
-            <a:endParaRPr lang="zh-CN" altLang="en-US" sz="1630">
+            <a:endParaRPr lang="zh-CN" altLang="en-US" sz="1400">
               <a:latin typeface="+mn-ea"/>
               <a:sym typeface="+mn-ea"/>
             </a:endParaRPr>
@@ -4053,13 +4329,13 @@
             </a:pPr>
             <a:r>
               <a:rPr lang="en-US" altLang="zh-CN" sz="1200">
-                <a:hlinkClick r:id="rId1" tooltip="" action="ppaction://hlinkfile"/>
+                <a:hlinkClick r:id="rId1" action="ppaction://hlinkfile"/>
               </a:rPr>
               <a:t>MDN - </a:t>
             </a:r>
             <a:r>
               <a:rPr lang="zh-CN" altLang="en-US" sz="1200">
-                <a:hlinkClick r:id="rId1" tooltip="" action="ppaction://hlinkfile"/>
+                <a:hlinkClick r:id="rId1" action="ppaction://hlinkfile"/>
               </a:rPr>
               <a:t>Grid and flexbox</a:t>
             </a:r>
@@ -4393,10 +4669,16 @@
           <a:bodyPr/>
           <a:p>
             <a:r>
-              <a:rPr lang="zh-CN">
-                <a:sym typeface="+mn-ea"/>
-              </a:rPr>
-              <a:t>文档流</a:t>
+              <a:rPr lang="zh-CN" altLang="en-US"/>
+              <a:t>项目</a:t>
+            </a:r>
+            <a:r>
+              <a:rPr lang="en-US" altLang="zh-CN"/>
+              <a:t>case</a:t>
+            </a:r>
+            <a:r>
+              <a:rPr lang="zh-CN" altLang="en-US"/>
+              <a:t>与总结</a:t>
             </a:r>
             <a:endParaRPr lang="zh-CN" altLang="en-US"/>
           </a:p>
@@ -4412,26 +4694,319 @@
             <p:ph idx="1"/>
           </p:nvPr>
         </p:nvSpPr>
-        <p:spPr/>
-        <p:txBody>
-          <a:bodyPr/>
+        <p:spPr>
+          <a:xfrm>
+            <a:off x="838200" y="1825625"/>
+            <a:ext cx="11033125" cy="4351655"/>
+          </a:xfrm>
+        </p:spPr>
+        <p:txBody>
+          <a:bodyPr>
+            <a:normAutofit lnSpcReduction="20000"/>
+          </a:bodyPr>
           <a:p>
             <a:pPr marL="0" indent="0">
               <a:buNone/>
             </a:pPr>
             <a:r>
-              <a:rPr lang="zh-CN" sz="1400">
-                <a:latin typeface="+mn-ea"/>
-                <a:sym typeface="+mn-ea"/>
-              </a:rPr>
-              <a:t>文档流 </a:t>
-            </a:r>
+              <a:rPr lang="zh-CN" altLang="en-US" sz="1800">
+                <a:latin typeface="+mn-ea"/>
+              </a:rPr>
+              <a:t>以下只是建议：</a:t>
+            </a:r>
+            <a:endParaRPr lang="zh-CN" altLang="en-US" sz="1800">
+              <a:latin typeface="+mn-ea"/>
+            </a:endParaRPr>
+          </a:p>
+          <a:p>
+            <a:pPr marL="0" indent="0">
+              <a:buNone/>
+            </a:pPr>
+            <a:endParaRPr lang="zh-CN" altLang="en-US" sz="1400">
+              <a:latin typeface="+mn-ea"/>
+            </a:endParaRPr>
+          </a:p>
+          <a:p>
+            <a:pPr marL="0" indent="0">
+              <a:buNone/>
+            </a:pPr>
             <a:r>
               <a:rPr lang="en-US" altLang="zh-CN" sz="1400">
                 <a:latin typeface="+mn-ea"/>
-                <a:sym typeface="+mn-ea"/>
-              </a:rPr>
-              <a:t>- 常规流（Normal flow）</a:t>
+              </a:rPr>
+              <a:t>1. </a:t>
+            </a:r>
+            <a:r>
+              <a:rPr lang="zh-CN" altLang="en-US" sz="1400">
+                <a:latin typeface="+mn-ea"/>
+                <a:sym typeface="+mn-ea"/>
+              </a:rPr>
+              <a:t>如何写出比较好的</a:t>
+            </a:r>
+            <a:r>
+              <a:rPr lang="en-US" altLang="zh-CN" sz="1400">
+                <a:latin typeface="+mn-ea"/>
+                <a:sym typeface="+mn-ea"/>
+              </a:rPr>
+              <a:t>CSS</a:t>
+            </a:r>
+            <a:r>
+              <a:rPr lang="zh-CN" altLang="en-US" sz="1400">
+                <a:latin typeface="+mn-ea"/>
+                <a:sym typeface="+mn-ea"/>
+              </a:rPr>
+              <a:t>？</a:t>
+            </a:r>
+            <a:endParaRPr lang="zh-CN" altLang="en-US" sz="1400">
+              <a:latin typeface="+mn-ea"/>
+              <a:sym typeface="+mn-ea"/>
+            </a:endParaRPr>
+          </a:p>
+          <a:p>
+            <a:pPr marL="0" lvl="0" indent="0">
+              <a:buNone/>
+            </a:pPr>
+            <a:r>
+              <a:rPr lang="zh-CN" altLang="en-US" sz="1400">
+                <a:latin typeface="+mn-ea"/>
+                <a:sym typeface="+mn-ea"/>
+              </a:rPr>
+              <a:t>     用尽量少的</a:t>
+            </a:r>
+            <a:r>
+              <a:rPr lang="en-US" altLang="zh-CN" sz="1400">
+                <a:latin typeface="+mn-ea"/>
+                <a:sym typeface="+mn-ea"/>
+              </a:rPr>
+              <a:t>css</a:t>
+            </a:r>
+            <a:r>
+              <a:rPr lang="zh-CN" altLang="en-US" sz="1400">
+                <a:latin typeface="+mn-ea"/>
+                <a:sym typeface="+mn-ea"/>
+              </a:rPr>
+              <a:t>属性，</a:t>
+            </a:r>
+            <a:r>
+              <a:rPr lang="zh-CN" altLang="en-US" sz="1400">
+                <a:latin typeface="+mn-ea"/>
+                <a:sym typeface="+mn-ea"/>
+              </a:rPr>
+              <a:t>使用比较</a:t>
+            </a:r>
+            <a:r>
+              <a:rPr lang="en-US" altLang="zh-CN" sz="1400">
+                <a:latin typeface="+mn-ea"/>
+                <a:sym typeface="+mn-ea"/>
+              </a:rPr>
+              <a:t>“</a:t>
+            </a:r>
+            <a:r>
+              <a:rPr lang="zh-CN" altLang="en-US" sz="1400">
+                <a:latin typeface="+mn-ea"/>
+                <a:sym typeface="+mn-ea"/>
+              </a:rPr>
+              <a:t>科学</a:t>
+            </a:r>
+            <a:r>
+              <a:rPr lang="en-US" altLang="zh-CN" sz="1400">
+                <a:latin typeface="+mn-ea"/>
+                <a:sym typeface="+mn-ea"/>
+              </a:rPr>
+              <a:t>”</a:t>
+            </a:r>
+            <a:r>
+              <a:rPr lang="zh-CN" altLang="en-US" sz="1400">
+                <a:latin typeface="+mn-ea"/>
+                <a:sym typeface="+mn-ea"/>
+              </a:rPr>
+              <a:t>的属性</a:t>
+            </a:r>
+            <a:r>
+              <a:rPr lang="zh-CN" altLang="en-US" sz="1400">
+                <a:latin typeface="+mn-ea"/>
+                <a:sym typeface="+mn-ea"/>
+              </a:rPr>
+              <a:t>。</a:t>
+            </a:r>
+            <a:endParaRPr lang="zh-CN" altLang="en-US" sz="1400">
+              <a:latin typeface="+mn-ea"/>
+              <a:sym typeface="+mn-ea"/>
+            </a:endParaRPr>
+          </a:p>
+          <a:p>
+            <a:pPr marL="0" lvl="0" indent="0">
+              <a:buNone/>
+            </a:pPr>
+            <a:r>
+              <a:rPr lang="zh-CN" altLang="en-US" sz="1400">
+                <a:latin typeface="+mn-ea"/>
+                <a:sym typeface="+mn-ea"/>
+              </a:rPr>
+              <a:t>     </a:t>
+            </a:r>
+            <a:r>
+              <a:rPr lang="en-US" altLang="zh-CN" sz="1400">
+                <a:latin typeface="+mn-ea"/>
+                <a:sym typeface="+mn-ea"/>
+              </a:rPr>
+              <a:t>bad case</a:t>
+            </a:r>
+            <a:r>
+              <a:rPr lang="zh-CN" altLang="en-US" sz="1400">
+                <a:latin typeface="+mn-ea"/>
+                <a:sym typeface="+mn-ea"/>
+              </a:rPr>
+              <a:t>：</a:t>
+            </a:r>
+            <a:r>
+              <a:rPr lang="en-US" altLang="zh-CN" sz="1400">
+                <a:latin typeface="+mn-ea"/>
+                <a:sym typeface="+mn-ea"/>
+              </a:rPr>
+              <a:t>width: 100%</a:t>
+            </a:r>
+            <a:r>
+              <a:rPr lang="zh-CN" altLang="en-US" sz="1400">
+                <a:latin typeface="+mn-ea"/>
+                <a:sym typeface="+mn-ea"/>
+              </a:rPr>
+              <a:t>、滥用</a:t>
+            </a:r>
+            <a:r>
+              <a:rPr lang="en-US" altLang="zh-CN" sz="1400">
+                <a:latin typeface="+mn-ea"/>
+                <a:sym typeface="+mn-ea"/>
+              </a:rPr>
+              <a:t>important</a:t>
+            </a:r>
+            <a:r>
+              <a:rPr lang="zh-CN" altLang="en-US" sz="1400">
+                <a:latin typeface="+mn-ea"/>
+                <a:sym typeface="+mn-ea"/>
+              </a:rPr>
+              <a:t>、滥用</a:t>
+            </a:r>
+            <a:r>
+              <a:rPr lang="en-US" altLang="zh-CN" sz="1400">
+                <a:latin typeface="+mn-ea"/>
+                <a:sym typeface="+mn-ea"/>
+              </a:rPr>
+              <a:t>calc</a:t>
+            </a:r>
+            <a:r>
+              <a:rPr lang="zh-CN" altLang="en-US" sz="1400">
+                <a:latin typeface="+mn-ea"/>
+                <a:sym typeface="+mn-ea"/>
+              </a:rPr>
+              <a:t>、</a:t>
+            </a:r>
+            <a:r>
+              <a:rPr lang="zh-CN" altLang="en-US" sz="1400">
+                <a:latin typeface="+mn-ea"/>
+                <a:sym typeface="+mn-ea"/>
+              </a:rPr>
+              <a:t>单行文本垂直居中</a:t>
+            </a:r>
+            <a:r>
+              <a:rPr lang="en-US" altLang="zh-CN" sz="1400">
+                <a:latin typeface="+mn-ea"/>
+                <a:sym typeface="+mn-ea"/>
+              </a:rPr>
+              <a:t>line-height</a:t>
+            </a:r>
+            <a:r>
+              <a:rPr lang="zh-CN" altLang="en-US" sz="1400">
+                <a:latin typeface="+mn-ea"/>
+                <a:sym typeface="+mn-ea"/>
+              </a:rPr>
+              <a:t>和</a:t>
+            </a:r>
+            <a:r>
+              <a:rPr lang="en-US" altLang="zh-CN" sz="1400">
+                <a:latin typeface="+mn-ea"/>
+                <a:sym typeface="+mn-ea"/>
+              </a:rPr>
+              <a:t>height</a:t>
+            </a:r>
+            <a:r>
+              <a:rPr lang="zh-CN" altLang="en-US" sz="1400">
+                <a:latin typeface="+mn-ea"/>
+                <a:sym typeface="+mn-ea"/>
+              </a:rPr>
+              <a:t>一起用、组件</a:t>
+            </a:r>
+            <a:r>
+              <a:rPr lang="zh-CN" altLang="en-US" sz="1400">
+                <a:latin typeface="+mn-ea"/>
+                <a:sym typeface="+mn-ea"/>
+              </a:rPr>
+              <a:t>样式重置比如</a:t>
+            </a:r>
+            <a:r>
+              <a:rPr lang="en-US" altLang="zh-CN" sz="1400">
+                <a:latin typeface="+mn-ea"/>
+                <a:sym typeface="+mn-ea"/>
+              </a:rPr>
+              <a:t>line-height: 0</a:t>
+            </a:r>
+            <a:r>
+              <a:rPr lang="zh-CN" altLang="en-US" sz="1400">
+                <a:latin typeface="+mn-ea"/>
+                <a:sym typeface="+mn-ea"/>
+              </a:rPr>
+              <a:t>、</a:t>
+            </a:r>
+            <a:endParaRPr lang="zh-CN" altLang="en-US" sz="1400">
+              <a:latin typeface="+mn-ea"/>
+              <a:sym typeface="+mn-ea"/>
+            </a:endParaRPr>
+          </a:p>
+          <a:p>
+            <a:pPr marL="0" lvl="0" indent="0">
+              <a:buNone/>
+            </a:pPr>
+            <a:r>
+              <a:rPr lang="en-US" altLang="zh-CN" sz="1400">
+                <a:latin typeface="+mn-ea"/>
+                <a:sym typeface="+mn-ea"/>
+              </a:rPr>
+              <a:t>                           </a:t>
+            </a:r>
+            <a:r>
+              <a:rPr lang="en-US" altLang="zh-CN" sz="1400">
+                <a:latin typeface="+mn-ea"/>
+                <a:sym typeface="+mn-ea"/>
+              </a:rPr>
+              <a:t>overflow-x: hidden</a:t>
+            </a:r>
+            <a:r>
+              <a:rPr lang="zh-CN" altLang="en-US" sz="1400">
+                <a:latin typeface="+mn-ea"/>
+                <a:sym typeface="+mn-ea"/>
+              </a:rPr>
+              <a:t>和</a:t>
+            </a:r>
+            <a:r>
+              <a:rPr lang="en-US" altLang="zh-CN" sz="1400">
+                <a:latin typeface="+mn-ea"/>
+                <a:sym typeface="+mn-ea"/>
+              </a:rPr>
+              <a:t>overflow-y: auto</a:t>
+            </a:r>
+            <a:r>
+              <a:rPr lang="zh-CN" altLang="en-US" sz="1400">
+                <a:latin typeface="+mn-ea"/>
+                <a:sym typeface="+mn-ea"/>
+              </a:rPr>
+              <a:t>。</a:t>
+            </a:r>
+            <a:r>
+              <a:rPr lang="zh-CN" altLang="en-US" sz="1400">
+                <a:latin typeface="+mn-ea"/>
+                <a:sym typeface="+mn-ea"/>
+              </a:rPr>
+              <a:t> </a:t>
             </a:r>
             <a:endParaRPr lang="en-US" altLang="zh-CN" sz="1400">
               <a:latin typeface="+mn-ea"/>
@@ -4439,177 +5014,340 @@
             </a:endParaRPr>
           </a:p>
           <a:p>
+            <a:pPr marL="0" lvl="0" indent="0">
+              <a:buNone/>
+            </a:pPr>
+            <a:r>
+              <a:rPr lang="zh-CN" altLang="en-US" sz="1400">
+                <a:latin typeface="+mn-ea"/>
+                <a:sym typeface="+mn-ea"/>
+              </a:rPr>
+              <a:t>      </a:t>
+            </a:r>
+            <a:endParaRPr lang="zh-CN" altLang="en-US" sz="1400">
+              <a:latin typeface="+mn-ea"/>
+              <a:sym typeface="+mn-ea"/>
+            </a:endParaRPr>
+          </a:p>
+          <a:p>
             <a:pPr marL="0" indent="0">
               <a:buNone/>
             </a:pPr>
+            <a:r>
+              <a:rPr lang="en-US" altLang="zh-CN" sz="1400">
+                <a:latin typeface="+mn-ea"/>
+              </a:rPr>
+              <a:t>2</a:t>
+            </a:r>
+            <a:r>
+              <a:rPr lang="zh-CN" altLang="en-US" sz="1400">
+                <a:latin typeface="+mn-ea"/>
+              </a:rPr>
+              <a:t>.如何实现多栏布局、响应式布局和垂直居中布局？</a:t>
+            </a:r>
+            <a:endParaRPr lang="zh-CN" altLang="en-US" sz="1400">
+              <a:latin typeface="+mn-ea"/>
+            </a:endParaRPr>
+          </a:p>
+          <a:p>
+            <a:pPr marL="457200" lvl="1" indent="0">
+              <a:buNone/>
+            </a:pPr>
+            <a:r>
+              <a:rPr lang="zh-CN" altLang="en-US" sz="1400">
+                <a:latin typeface="+mn-ea"/>
+              </a:rPr>
+              <a:t>使用Flex：css3中的flexbox生来就是为了布局而生的，使用它能使许多布局布局变得简单。典型的三栏式布局、垂直水平   </a:t>
+            </a:r>
+            <a:endParaRPr lang="zh-CN" altLang="en-US" sz="1400">
+              <a:latin typeface="+mn-ea"/>
+            </a:endParaRPr>
+          </a:p>
+          <a:p>
+            <a:pPr marL="457200" lvl="1" indent="0">
+              <a:buNone/>
+            </a:pPr>
+            <a:r>
+              <a:rPr lang="zh-CN" altLang="en-US" sz="1400">
+                <a:latin typeface="+mn-ea"/>
+                <a:sym typeface="+mn-ea"/>
+              </a:rPr>
+              <a:t>          居中布局，使用的是传统的浮动法、定位法，代码相对复杂难懂，如果使用flexbox就会变得很简单。</a:t>
+            </a:r>
+            <a:endParaRPr lang="zh-CN" altLang="en-US" sz="1400">
+              <a:latin typeface="+mn-ea"/>
+              <a:sym typeface="+mn-ea"/>
+            </a:endParaRPr>
+          </a:p>
+          <a:p>
+            <a:pPr marL="457200" lvl="1" indent="0">
+              <a:buNone/>
+            </a:pPr>
+            <a:endParaRPr lang="zh-CN" altLang="en-US" sz="1400">
+              <a:latin typeface="+mn-ea"/>
+            </a:endParaRPr>
+          </a:p>
+          <a:p>
+            <a:pPr marL="0" lvl="0" indent="0">
+              <a:buNone/>
+            </a:pPr>
+            <a:r>
+              <a:rPr lang="en-US" altLang="zh-CN" sz="1400">
+                <a:latin typeface="+mn-ea"/>
+              </a:rPr>
+              <a:t>3</a:t>
+            </a:r>
+            <a:r>
+              <a:rPr lang="zh-CN" altLang="en-US" sz="1400">
+                <a:latin typeface="+mn-ea"/>
+              </a:rPr>
+              <a:t>.命名规范（</a:t>
+            </a:r>
+            <a:r>
+              <a:rPr lang="en-US" altLang="zh-CN" sz="1400">
+                <a:latin typeface="+mn-ea"/>
+              </a:rPr>
+              <a:t>BEM</a:t>
+            </a:r>
+            <a:r>
+              <a:rPr lang="zh-CN" altLang="en-US" sz="1400">
+                <a:latin typeface="+mn-ea"/>
+              </a:rPr>
+              <a:t>）</a:t>
+            </a:r>
+            <a:r>
+              <a:rPr lang="en-US" altLang="zh-CN" sz="1400">
+                <a:latin typeface="+mn-ea"/>
+              </a:rPr>
+              <a:t>- 组件之间的完全解耦，不会造成命名空间的污染</a:t>
+            </a:r>
+            <a:r>
+              <a:rPr lang="zh-CN" altLang="en-US" sz="1400">
+                <a:latin typeface="+mn-ea"/>
+              </a:rPr>
+              <a:t>。</a:t>
+            </a:r>
+            <a:endParaRPr lang="zh-CN" altLang="en-US" sz="1400">
+              <a:latin typeface="+mn-ea"/>
+            </a:endParaRPr>
+          </a:p>
+          <a:p>
+            <a:pPr marL="0" lvl="0" indent="0">
+              <a:buNone/>
+            </a:pPr>
+            <a:r>
+              <a:rPr lang="zh-CN" altLang="en-US" sz="1400">
+                <a:latin typeface="+mn-ea"/>
+              </a:rPr>
+              <a:t>     </a:t>
+            </a:r>
+            <a:r>
+              <a:rPr lang="en-US" altLang="zh-CN" sz="1400">
+                <a:latin typeface="+mn-ea"/>
+              </a:rPr>
+              <a:t>block__element--modifier</a:t>
+            </a:r>
             <a:endParaRPr lang="en-US" altLang="zh-CN" sz="1400">
               <a:latin typeface="+mn-ea"/>
+            </a:endParaRPr>
+          </a:p>
+          <a:p>
+            <a:pPr marL="0" lvl="0" indent="0">
+              <a:buNone/>
+            </a:pPr>
+            <a:r>
+              <a:rPr lang="en-US" altLang="zh-CN" sz="1400">
+                <a:latin typeface="+mn-ea"/>
+              </a:rPr>
+              <a:t>         </a:t>
+            </a:r>
+            <a:r>
+              <a:rPr lang="en-US" altLang="zh-CN" sz="1400">
+                <a:latin typeface="+mn-ea"/>
+                <a:sym typeface="+mn-ea"/>
+              </a:rPr>
+              <a:t>modifier</a:t>
+            </a:r>
+            <a:r>
+              <a:rPr lang="zh-CN" altLang="en-US" sz="1400">
+                <a:latin typeface="+mn-ea"/>
+                <a:sym typeface="+mn-ea"/>
+              </a:rPr>
+              <a:t>参考值：</a:t>
+            </a:r>
+            <a:r>
+              <a:rPr lang="en-US" altLang="zh-CN" sz="1400">
+                <a:latin typeface="+mn-ea"/>
+                <a:sym typeface="+mn-ea"/>
+              </a:rPr>
+              <a:t>disabled</a:t>
+            </a:r>
+            <a:r>
+              <a:rPr lang="zh-CN" altLang="en-US" sz="1400">
+                <a:latin typeface="+mn-ea"/>
+                <a:sym typeface="+mn-ea"/>
+              </a:rPr>
+              <a:t>、</a:t>
+            </a:r>
+            <a:r>
+              <a:rPr lang="en-US" altLang="zh-CN" sz="1400">
+                <a:latin typeface="+mn-ea"/>
+                <a:sym typeface="+mn-ea"/>
+              </a:rPr>
+              <a:t>active</a:t>
+            </a:r>
+            <a:r>
+              <a:rPr lang="zh-CN" altLang="en-US" sz="1400">
+                <a:latin typeface="+mn-ea"/>
+                <a:sym typeface="+mn-ea"/>
+              </a:rPr>
+              <a:t>、</a:t>
+            </a:r>
+            <a:r>
+              <a:rPr lang="en-US" altLang="zh-CN" sz="1400">
+                <a:latin typeface="+mn-ea"/>
+                <a:sym typeface="+mn-ea"/>
+              </a:rPr>
+              <a:t>selected</a:t>
+            </a:r>
+            <a:r>
+              <a:rPr lang="zh-CN" altLang="en-US" sz="1400">
+                <a:latin typeface="+mn-ea"/>
+                <a:sym typeface="+mn-ea"/>
+              </a:rPr>
+              <a:t>、</a:t>
+            </a:r>
+            <a:r>
+              <a:rPr lang="en-US" altLang="zh-CN" sz="1400">
+                <a:latin typeface="+mn-ea"/>
+                <a:sym typeface="+mn-ea"/>
+              </a:rPr>
+              <a:t>checked</a:t>
+            </a:r>
+            <a:r>
+              <a:rPr lang="zh-CN" altLang="en-US" sz="1400">
+                <a:latin typeface="+mn-ea"/>
+                <a:sym typeface="+mn-ea"/>
+              </a:rPr>
+              <a:t>、</a:t>
+            </a:r>
+            <a:r>
+              <a:rPr lang="en-US" altLang="zh-CN" sz="1400">
+                <a:latin typeface="+mn-ea"/>
+                <a:sym typeface="+mn-ea"/>
+              </a:rPr>
+              <a:t>highlight</a:t>
+            </a:r>
+            <a:r>
+              <a:rPr lang="zh-CN" altLang="en-US" sz="1400">
+                <a:latin typeface="+mn-ea"/>
+                <a:sym typeface="+mn-ea"/>
+              </a:rPr>
+              <a:t>、</a:t>
+            </a:r>
+            <a:r>
+              <a:rPr lang="en-US" altLang="zh-CN" sz="1400">
+                <a:latin typeface="+mn-ea"/>
+                <a:sym typeface="+mn-ea"/>
+              </a:rPr>
+              <a:t>fixed</a:t>
+            </a:r>
+            <a:r>
+              <a:rPr lang="zh-CN" altLang="en-US" sz="1400">
+                <a:latin typeface="+mn-ea"/>
+                <a:sym typeface="+mn-ea"/>
+              </a:rPr>
+              <a:t>、</a:t>
+            </a:r>
+            <a:r>
+              <a:rPr lang="en-US" altLang="zh-CN" sz="1400">
+                <a:latin typeface="+mn-ea"/>
+                <a:sym typeface="+mn-ea"/>
+              </a:rPr>
+              <a:t>size-big</a:t>
+            </a:r>
+            <a:r>
+              <a:rPr lang="zh-CN" altLang="en-US" sz="1400">
+                <a:latin typeface="+mn-ea"/>
+                <a:sym typeface="+mn-ea"/>
+              </a:rPr>
+              <a:t>、</a:t>
+            </a:r>
+            <a:r>
+              <a:rPr lang="en-US" altLang="zh-CN" sz="1400">
+                <a:latin typeface="+mn-ea"/>
+                <a:sym typeface="+mn-ea"/>
+              </a:rPr>
+              <a:t>size-small</a:t>
+            </a:r>
+            <a:r>
+              <a:rPr lang="zh-CN" altLang="en-US" sz="1400">
+                <a:latin typeface="+mn-ea"/>
+                <a:sym typeface="+mn-ea"/>
+              </a:rPr>
+              <a:t>、</a:t>
+            </a:r>
+            <a:r>
+              <a:rPr lang="en-US" altLang="zh-CN" sz="1400">
+                <a:latin typeface="+mn-ea"/>
+                <a:sym typeface="+mn-ea"/>
+              </a:rPr>
+              <a:t>color-yellow</a:t>
+            </a:r>
+            <a:r>
+              <a:rPr lang="zh-CN" altLang="en-US" sz="1400">
+                <a:latin typeface="+mn-ea"/>
+                <a:sym typeface="+mn-ea"/>
+              </a:rPr>
+              <a:t>等等。</a:t>
+            </a:r>
+            <a:endParaRPr lang="zh-CN" altLang="en-US" sz="1400">
+              <a:latin typeface="+mn-ea"/>
               <a:sym typeface="+mn-ea"/>
             </a:endParaRPr>
           </a:p>
           <a:p>
-            <a:pPr lvl="1"/>
-            <a:r>
-              <a:rPr lang="en-US" altLang="zh-CN" sz="1200">
-                <a:latin typeface="+mn-ea"/>
-                <a:sym typeface="+mn-ea"/>
-              </a:rPr>
-              <a:t>常规流中的盒属于一个格式化上下文，可能是块或是行内（格式化上下文），但不能两者都是。</a:t>
-            </a:r>
-            <a:endParaRPr lang="en-US" altLang="zh-CN" sz="1200">
+            <a:pPr marL="0" lvl="0" indent="0">
+              <a:buNone/>
+            </a:pPr>
+            <a:r>
+              <a:rPr lang="en-US" altLang="zh-CN" sz="1400">
+                <a:latin typeface="+mn-ea"/>
+                <a:sym typeface="+mn-ea"/>
+              </a:rPr>
+              <a:t>         </a:t>
+            </a:r>
+            <a:r>
+              <a:rPr lang="zh-CN" altLang="en-US" sz="1400">
+                <a:latin typeface="+mn-ea"/>
+                <a:sym typeface="+mn-ea"/>
+              </a:rPr>
+              <a:t>使用了</a:t>
+            </a:r>
+            <a:r>
+              <a:rPr lang="en-US" altLang="zh-CN" sz="1400">
+                <a:latin typeface="+mn-ea"/>
+                <a:sym typeface="+mn-ea"/>
+              </a:rPr>
+              <a:t>BEM</a:t>
+            </a:r>
+            <a:r>
+              <a:rPr lang="zh-CN" altLang="en-US" sz="1400">
+                <a:latin typeface="+mn-ea"/>
+                <a:sym typeface="+mn-ea"/>
+              </a:rPr>
+              <a:t>尽量少嵌套，原则上不会出现2层以上选择器嵌套。</a:t>
+            </a:r>
+            <a:endParaRPr lang="zh-CN" altLang="en-US" sz="1400">
               <a:latin typeface="+mn-ea"/>
               <a:sym typeface="+mn-ea"/>
             </a:endParaRPr>
           </a:p>
           <a:p>
-            <a:pPr>
+            <a:pPr marL="0" lvl="0" indent="0">
               <a:buNone/>
             </a:pPr>
             <a:endParaRPr lang="en-US" altLang="zh-CN" sz="1400">
-              <a:latin typeface="+mn-ea"/>
-              <a:sym typeface="+mn-ea"/>
-            </a:endParaRPr>
-          </a:p>
-          <a:p>
-            <a:pPr lvl="1"/>
-            <a:r>
-              <a:rPr lang="en-US" altLang="zh-CN" sz="1200">
-                <a:latin typeface="+mn-ea"/>
-                <a:sym typeface="+mn-ea"/>
-              </a:rPr>
-              <a:t>CSS 2.1中，一个盒可能会根据三种定位方案来布局：</a:t>
-            </a:r>
-            <a:endParaRPr lang="en-US" altLang="zh-CN" sz="1200">
-              <a:latin typeface="+mn-ea"/>
-              <a:sym typeface="+mn-ea"/>
-            </a:endParaRPr>
-          </a:p>
-          <a:p>
-            <a:pPr marL="457200" lvl="1" indent="0">
-              <a:buNone/>
-            </a:pPr>
-            <a:endParaRPr lang="en-US" altLang="zh-CN" sz="1200">
-              <a:latin typeface="+mn-ea"/>
-              <a:sym typeface="+mn-ea"/>
-            </a:endParaRPr>
-          </a:p>
-          <a:p>
-            <a:pPr lvl="2">
-              <a:buAutoNum type="arabicPeriod"/>
-            </a:pPr>
-            <a:r>
-              <a:rPr lang="en-US" altLang="zh-CN" sz="1000">
-                <a:latin typeface="+mn-ea"/>
-                <a:sym typeface="+mn-ea"/>
-              </a:rPr>
-              <a:t>常规流 CSS 2.1中，常规流包括块级盒的块格式化（block formatting），行内级盒的行内格式化和块级与行内级盒的相对定位</a:t>
-            </a:r>
-            <a:r>
-              <a:rPr lang="zh-CN" altLang="en-US" sz="1000">
-                <a:latin typeface="+mn-ea"/>
-                <a:sym typeface="+mn-ea"/>
-              </a:rPr>
-              <a:t>。</a:t>
-            </a:r>
-            <a:endParaRPr lang="zh-CN" altLang="en-US" sz="1000">
-              <a:latin typeface="+mn-ea"/>
-              <a:sym typeface="+mn-ea"/>
-            </a:endParaRPr>
-          </a:p>
-          <a:p>
-            <a:pPr lvl="2">
-              <a:buAutoNum type="arabicPeriod"/>
-            </a:pPr>
-            <a:endParaRPr lang="zh-CN" altLang="en-US" sz="1000">
-              <a:latin typeface="+mn-ea"/>
-              <a:sym typeface="+mn-ea"/>
-            </a:endParaRPr>
-          </a:p>
-          <a:p>
-            <a:pPr lvl="2">
-              <a:buAutoNum type="arabicPeriod"/>
-            </a:pPr>
-            <a:r>
-              <a:rPr lang="en-US" altLang="zh-CN" sz="1000">
-                <a:latin typeface="+mn-ea"/>
-                <a:sym typeface="+mn-ea"/>
-              </a:rPr>
-              <a:t>浮动 在浮动模型中，盒先根据常规流来放置，然后从常规流中取出来并尽可能远地向左或向右移动。其它内容可能沿着浮动（盒）的一侧排列（Content may flow along the side of a float）</a:t>
-            </a:r>
-            <a:r>
-              <a:rPr lang="zh-CN" altLang="en-US" sz="1000">
-                <a:latin typeface="+mn-ea"/>
-                <a:sym typeface="+mn-ea"/>
-              </a:rPr>
-              <a:t>。</a:t>
-            </a:r>
-            <a:endParaRPr lang="zh-CN" altLang="en-US" sz="1000">
-              <a:latin typeface="+mn-ea"/>
-              <a:sym typeface="+mn-ea"/>
-            </a:endParaRPr>
-          </a:p>
-          <a:p>
-            <a:pPr lvl="2">
-              <a:buAutoNum type="arabicPeriod"/>
-            </a:pPr>
-            <a:endParaRPr lang="zh-CN" altLang="en-US" sz="1000">
-              <a:latin typeface="+mn-ea"/>
-              <a:sym typeface="+mn-ea"/>
-            </a:endParaRPr>
-          </a:p>
-          <a:p>
-            <a:pPr lvl="2">
-              <a:buAutoNum type="arabicPeriod"/>
-            </a:pPr>
-            <a:r>
-              <a:rPr lang="en-US" altLang="zh-CN" sz="1000">
-                <a:latin typeface="+mn-ea"/>
-                <a:sym typeface="+mn-ea"/>
-              </a:rPr>
-              <a:t>绝对定位 在绝对定位模型中，一个盒会从常规流中全部移除（它不会影响后面的兄弟元素）并根据包含块确定位置</a:t>
-            </a:r>
-            <a:r>
-              <a:rPr lang="zh-CN" altLang="en-US" sz="1000">
-                <a:latin typeface="+mn-ea"/>
-                <a:sym typeface="+mn-ea"/>
-              </a:rPr>
-              <a:t>。</a:t>
-            </a:r>
-            <a:endParaRPr lang="zh-CN" altLang="en-US" sz="1000">
-              <a:latin typeface="+mn-ea"/>
-              <a:sym typeface="+mn-ea"/>
-            </a:endParaRPr>
-          </a:p>
-          <a:p>
-            <a:pPr marL="914400" lvl="2" indent="0">
-              <a:buNone/>
-            </a:pPr>
-            <a:endParaRPr lang="zh-CN" altLang="en-US" sz="1000">
-              <a:latin typeface="+mn-ea"/>
-              <a:sym typeface="+mn-ea"/>
-            </a:endParaRPr>
-          </a:p>
-          <a:p>
-            <a:pPr marL="914400" lvl="2" indent="0">
-              <a:buNone/>
-            </a:pPr>
-            <a:endParaRPr lang="zh-CN" altLang="en-US" sz="1000">
-              <a:latin typeface="+mn-ea"/>
-              <a:sym typeface="+mn-ea"/>
-            </a:endParaRPr>
-          </a:p>
-          <a:p>
-            <a:pPr marL="457200" lvl="1" indent="0">
-              <a:buNone/>
-            </a:pPr>
-            <a:r>
-              <a:rPr lang="zh-CN" altLang="en-US" sz="1200">
-                <a:latin typeface="+mn-ea"/>
-                <a:sym typeface="+mn-ea"/>
-              </a:rPr>
-              <a:t>如果一个元素是浮动的，绝对定位的或者是根元素，它就叫流外（out of flow）（元素）。如果一个元素不是流外的，就叫流内（in-flow）（元素）。</a:t>
-            </a:r>
-            <a:endParaRPr lang="zh-CN" altLang="en-US" sz="1200">
               <a:latin typeface="+mn-ea"/>
               <a:sym typeface="+mn-ea"/>
             </a:endParaRPr>
@@ -4652,27 +5390,9 @@
               <a:rPr lang="zh-CN">
                 <a:sym typeface="+mn-ea"/>
               </a:rPr>
-              <a:t>文档流作用原理 </a:t>
-            </a:r>
-            <a:r>
-              <a:rPr lang="en-US" altLang="zh-CN">
-                <a:sym typeface="+mn-ea"/>
-              </a:rPr>
-              <a:t>- </a:t>
-            </a:r>
-            <a:r>
-              <a:rPr lang="en-US" altLang="zh-CN"/>
-              <a:t>BFC</a:t>
-            </a:r>
-            <a:r>
-              <a:rPr lang="zh-CN" altLang="en-US"/>
-              <a:t>和</a:t>
-            </a:r>
-            <a:r>
-              <a:rPr lang="en-US" altLang="zh-CN"/>
-              <a:t>IFC</a:t>
-            </a:r>
-            <a:endParaRPr lang="en-US" altLang="zh-CN"/>
+              <a:t>文档流</a:t>
+            </a:r>
+            <a:endParaRPr lang="zh-CN" altLang="en-US"/>
           </a:p>
         </p:txBody>
       </p:sp>
@@ -4690,19 +5410,22 @@
         <p:txBody>
           <a:bodyPr/>
           <a:p>
+            <a:pPr marL="0" indent="0">
+              <a:buNone/>
+            </a:pPr>
+            <a:r>
+              <a:rPr lang="zh-CN" sz="1400">
+                <a:latin typeface="+mn-ea"/>
+                <a:sym typeface="+mn-ea"/>
+              </a:rPr>
+              <a:t>文档流 </a:t>
+            </a:r>
             <a:r>
               <a:rPr lang="en-US" altLang="zh-CN" sz="1400">
                 <a:latin typeface="+mn-ea"/>
                 <a:sym typeface="+mn-ea"/>
               </a:rPr>
-              <a:t>BFC - </a:t>
-            </a:r>
-            <a:r>
-              <a:rPr lang="zh-CN" altLang="en-US" sz="1400">
-                <a:latin typeface="+mn-ea"/>
-                <a:sym typeface="+mn-ea"/>
-              </a:rPr>
-              <a:t>块级格式化上下文</a:t>
+              <a:t>- 常规流（Normal flow）</a:t>
             </a:r>
             <a:endParaRPr lang="en-US" altLang="zh-CN" sz="1400">
               <a:latin typeface="+mn-ea"/>
@@ -4710,6 +5433,9 @@
             </a:endParaRPr>
           </a:p>
           <a:p>
+            <a:pPr marL="0" indent="0">
+              <a:buNone/>
+            </a:pPr>
             <a:endParaRPr lang="en-US" altLang="zh-CN" sz="1400">
               <a:latin typeface="+mn-ea"/>
               <a:sym typeface="+mn-ea"/>
@@ -4718,152 +5444,168 @@
           <a:p>
             <a:pPr lvl="1"/>
             <a:r>
+              <a:rPr lang="en-US" altLang="zh-CN" sz="1200">
+                <a:latin typeface="+mn-ea"/>
+                <a:sym typeface="+mn-ea"/>
+              </a:rPr>
+              <a:t>常规流中的盒属于一个格式化上下文，可能是块或是行内（格式化上下文），但不能两者都是。</a:t>
+            </a:r>
+            <a:endParaRPr lang="en-US" altLang="zh-CN" sz="1200">
+              <a:latin typeface="+mn-ea"/>
+              <a:sym typeface="+mn-ea"/>
+            </a:endParaRPr>
+          </a:p>
+          <a:p>
+            <a:pPr>
+              <a:buNone/>
+            </a:pPr>
+            <a:endParaRPr lang="en-US" altLang="zh-CN" sz="1400">
+              <a:latin typeface="+mn-ea"/>
+              <a:sym typeface="+mn-ea"/>
+            </a:endParaRPr>
+          </a:p>
+          <a:p>
+            <a:pPr lvl="1"/>
+            <a:r>
+              <a:rPr lang="en-US" altLang="zh-CN" sz="1200">
+                <a:latin typeface="+mn-ea"/>
+                <a:sym typeface="+mn-ea"/>
+              </a:rPr>
+              <a:t>CSS 2.1中，一个盒可能会根据三种定位方案来布局：</a:t>
+            </a:r>
+            <a:endParaRPr lang="en-US" altLang="zh-CN" sz="1200">
+              <a:latin typeface="+mn-ea"/>
+              <a:sym typeface="+mn-ea"/>
+            </a:endParaRPr>
+          </a:p>
+          <a:p>
+            <a:pPr marL="457200" lvl="1" indent="0">
+              <a:buNone/>
+            </a:pPr>
+            <a:endParaRPr lang="en-US" altLang="zh-CN" sz="1200">
+              <a:latin typeface="+mn-ea"/>
+              <a:sym typeface="+mn-ea"/>
+            </a:endParaRPr>
+          </a:p>
+          <a:p>
+            <a:pPr lvl="2">
+              <a:buAutoNum type="arabicPeriod"/>
+            </a:pPr>
+            <a:r>
+              <a:rPr lang="en-US" altLang="zh-CN" sz="1000">
+                <a:latin typeface="+mn-ea"/>
+                <a:sym typeface="+mn-ea"/>
+              </a:rPr>
+              <a:t>常规流 CSS 2.1中，常规流包括块级盒的块格式化（block formatting），行内级盒的行内格式化和块级与行内级盒的相对定位</a:t>
+            </a:r>
+            <a:r>
+              <a:rPr lang="zh-CN" altLang="en-US" sz="1000">
+                <a:latin typeface="+mn-ea"/>
+                <a:sym typeface="+mn-ea"/>
+              </a:rPr>
+              <a:t>。</a:t>
+            </a:r>
+            <a:endParaRPr lang="zh-CN" altLang="en-US" sz="1000">
+              <a:latin typeface="+mn-ea"/>
+              <a:sym typeface="+mn-ea"/>
+            </a:endParaRPr>
+          </a:p>
+          <a:p>
+            <a:pPr lvl="2">
+              <a:buAutoNum type="arabicPeriod"/>
+            </a:pPr>
+            <a:endParaRPr lang="zh-CN" altLang="en-US" sz="1000">
+              <a:latin typeface="+mn-ea"/>
+              <a:sym typeface="+mn-ea"/>
+            </a:endParaRPr>
+          </a:p>
+          <a:p>
+            <a:pPr lvl="2">
+              <a:buAutoNum type="arabicPeriod"/>
+            </a:pPr>
+            <a:r>
+              <a:rPr lang="en-US" altLang="zh-CN" sz="1000">
+                <a:latin typeface="+mn-ea"/>
+                <a:sym typeface="+mn-ea"/>
+              </a:rPr>
+              <a:t>浮动 在浮动模型中，盒先根据常规流来放置，然后从常规流中取出来并尽可能远地向左或向右移动。其它内容可能沿着浮动（盒）的一侧排列（Content may flow along the side of a float）</a:t>
+            </a:r>
+            <a:r>
+              <a:rPr lang="zh-CN" altLang="en-US" sz="1000">
+                <a:latin typeface="+mn-ea"/>
+                <a:sym typeface="+mn-ea"/>
+              </a:rPr>
+              <a:t>。</a:t>
+            </a:r>
+            <a:endParaRPr lang="zh-CN" altLang="en-US" sz="1000">
+              <a:latin typeface="+mn-ea"/>
+              <a:sym typeface="+mn-ea"/>
+            </a:endParaRPr>
+          </a:p>
+          <a:p>
+            <a:pPr lvl="2">
+              <a:buAutoNum type="arabicPeriod"/>
+            </a:pPr>
+            <a:endParaRPr lang="zh-CN" altLang="en-US" sz="1000">
+              <a:latin typeface="+mn-ea"/>
+              <a:sym typeface="+mn-ea"/>
+            </a:endParaRPr>
+          </a:p>
+          <a:p>
+            <a:pPr lvl="2">
+              <a:buAutoNum type="arabicPeriod"/>
+            </a:pPr>
+            <a:r>
+              <a:rPr lang="en-US" altLang="zh-CN" sz="1000">
+                <a:latin typeface="+mn-ea"/>
+                <a:sym typeface="+mn-ea"/>
+              </a:rPr>
+              <a:t>绝对定位 在绝对定位模型中，一个盒会从常规流中全部移除（它不会影响后面的兄弟元素）并根据包含块确定位置</a:t>
+            </a:r>
+            <a:r>
+              <a:rPr lang="zh-CN" altLang="en-US" sz="1000">
+                <a:latin typeface="+mn-ea"/>
+                <a:sym typeface="+mn-ea"/>
+              </a:rPr>
+              <a:t>。</a:t>
+            </a:r>
+            <a:endParaRPr lang="zh-CN" altLang="en-US" sz="1000">
+              <a:latin typeface="+mn-ea"/>
+              <a:sym typeface="+mn-ea"/>
+            </a:endParaRPr>
+          </a:p>
+          <a:p>
+            <a:pPr marL="914400" lvl="2" indent="0">
+              <a:buNone/>
+            </a:pPr>
+            <a:endParaRPr lang="zh-CN" altLang="en-US" sz="1000">
+              <a:latin typeface="+mn-ea"/>
+              <a:sym typeface="+mn-ea"/>
+            </a:endParaRPr>
+          </a:p>
+          <a:p>
+            <a:pPr marL="914400" lvl="2" indent="0">
+              <a:buNone/>
+            </a:pPr>
+            <a:endParaRPr lang="zh-CN" altLang="en-US" sz="1000">
+              <a:latin typeface="+mn-ea"/>
+              <a:sym typeface="+mn-ea"/>
+            </a:endParaRPr>
+          </a:p>
+          <a:p>
+            <a:pPr marL="457200" lvl="1" indent="0">
+              <a:buNone/>
+            </a:pPr>
+            <a:r>
               <a:rPr lang="zh-CN" altLang="en-US" sz="1200">
                 <a:latin typeface="+mn-ea"/>
                 <a:sym typeface="+mn-ea"/>
               </a:rPr>
-              <a:t>如何创建</a:t>
-            </a:r>
-            <a:r>
-              <a:rPr lang="en-US" altLang="zh-CN" sz="1200">
-                <a:latin typeface="+mn-ea"/>
-                <a:sym typeface="+mn-ea"/>
-              </a:rPr>
-              <a:t>BFC</a:t>
-            </a:r>
-            <a:r>
-              <a:rPr lang="zh-CN" altLang="en-US" sz="1200">
-                <a:latin typeface="+mn-ea"/>
-                <a:sym typeface="+mn-ea"/>
-              </a:rPr>
-              <a:t>：</a:t>
-            </a:r>
-            <a:r>
-              <a:rPr lang="en-US" altLang="zh-CN" sz="1200">
-                <a:latin typeface="+mn-ea"/>
-                <a:sym typeface="+mn-ea"/>
-              </a:rPr>
-              <a:t>浮动，绝对定位的元素，非块盒的块容器（例如inline-blocks，table-cells和table-captions），以及’overflow’不为’visible’的块盒</a:t>
-            </a:r>
-            <a:endParaRPr lang="en-US" altLang="zh-CN" sz="1200">
+              <a:t>如果一个元素是浮动的，绝对定位的或者是根元素，它就叫流外（out of flow）（元素）。如果一个元素不是流外的，就叫流内（in-flow）（元素）。</a:t>
+            </a:r>
+            <a:endParaRPr lang="zh-CN" altLang="en-US" sz="1200">
               <a:latin typeface="+mn-ea"/>
               <a:sym typeface="+mn-ea"/>
-            </a:endParaRPr>
-          </a:p>
-          <a:p>
-            <a:pPr lvl="1"/>
-            <a:endParaRPr lang="en-US" altLang="zh-CN" sz="1200">
-              <a:latin typeface="+mn-ea"/>
-              <a:sym typeface="+mn-ea"/>
-            </a:endParaRPr>
-          </a:p>
-          <a:p>
-            <a:pPr lvl="1"/>
-            <a:r>
-              <a:rPr lang="en-US" altLang="zh-CN" sz="1200">
-                <a:latin typeface="+mn-ea"/>
-                <a:sym typeface="+mn-ea"/>
-              </a:rPr>
-              <a:t>在BFC中，盒在垂直方向一个接一个地放置，从包含块的顶部开始。两个兄弟盒之间的垂直距离由'margin'属性决定。同一个BFC中的相邻块级盒之间的垂直外边距会合并</a:t>
-            </a:r>
-            <a:r>
-              <a:rPr lang="zh-CN" altLang="en-US" sz="1200">
-                <a:latin typeface="+mn-ea"/>
-                <a:sym typeface="+mn-ea"/>
-              </a:rPr>
-              <a:t>。</a:t>
-            </a:r>
-            <a:endParaRPr lang="zh-CN" altLang="en-US" sz="1200">
-              <a:latin typeface="+mn-ea"/>
-              <a:sym typeface="+mn-ea"/>
-            </a:endParaRPr>
-          </a:p>
-          <a:p>
-            <a:pPr lvl="1">
-              <a:buAutoNum type="arabicPeriod"/>
-            </a:pPr>
-            <a:endParaRPr lang="en-US" altLang="zh-CN" sz="1200">
-              <a:latin typeface="+mn-ea"/>
-              <a:sym typeface="+mn-ea"/>
-            </a:endParaRPr>
-          </a:p>
-          <a:p>
-            <a:r>
-              <a:rPr lang="en-US" altLang="zh-CN" sz="1400">
-                <a:latin typeface="+mn-ea"/>
-                <a:sym typeface="+mn-ea"/>
-              </a:rPr>
-              <a:t>IFC - </a:t>
-            </a:r>
-            <a:r>
-              <a:rPr lang="zh-CN" altLang="en-US" sz="1400">
-                <a:latin typeface="+mn-ea"/>
-                <a:sym typeface="+mn-ea"/>
-              </a:rPr>
-              <a:t>行内格式化上下文</a:t>
-            </a:r>
-            <a:endParaRPr lang="en-US" altLang="zh-CN" sz="1400">
-              <a:latin typeface="+mn-ea"/>
-              <a:sym typeface="+mn-ea"/>
-            </a:endParaRPr>
-          </a:p>
-          <a:p>
-            <a:endParaRPr lang="en-US" altLang="zh-CN" sz="1400">
-              <a:latin typeface="+mn-ea"/>
-              <a:sym typeface="+mn-ea"/>
-            </a:endParaRPr>
-          </a:p>
-          <a:p>
-            <a:pPr lvl="1"/>
-            <a:r>
-              <a:rPr lang="zh-CN" altLang="en-US" sz="1200">
-                <a:latin typeface="+mn-ea"/>
-                <a:sym typeface="+mn-ea"/>
-              </a:rPr>
-              <a:t>如何创建</a:t>
-            </a:r>
-            <a:r>
-              <a:rPr lang="en-US" altLang="zh-CN" sz="1200">
-                <a:latin typeface="+mn-ea"/>
-                <a:sym typeface="+mn-ea"/>
-              </a:rPr>
-              <a:t>IFC</a:t>
-            </a:r>
-            <a:r>
-              <a:rPr lang="zh-CN" altLang="en-US" sz="1200">
-                <a:latin typeface="+mn-ea"/>
-                <a:sym typeface="+mn-ea"/>
-              </a:rPr>
-              <a:t>：？</a:t>
-            </a:r>
-            <a:endParaRPr lang="zh-CN" altLang="en-US" sz="1200">
-              <a:latin typeface="+mn-ea"/>
-              <a:sym typeface="+mn-ea"/>
-            </a:endParaRPr>
-          </a:p>
-          <a:p>
-            <a:pPr lvl="1"/>
-            <a:endParaRPr lang="en-US" altLang="zh-CN" sz="1200">
-              <a:latin typeface="+mn-ea"/>
-              <a:sym typeface="+mn-ea"/>
-            </a:endParaRPr>
-          </a:p>
-          <a:p>
-            <a:pPr lvl="1"/>
-            <a:r>
-              <a:rPr lang="en-US" altLang="zh-CN" sz="1025">
-                <a:latin typeface="+mn-ea"/>
-              </a:rPr>
-              <a:t>在行内格式化上下文中，盒是从包含块的顶部开始一个挨一个水平放置的。这些盒之间的水平外边距，边框和内边距都有效。盒可能会以不同的方式垂直对齐：以它们的底部或者顶部对齐，或者以它们里面的文本的基线对齐。包含来自同一行的盒的矩形区域叫做行框</a:t>
-            </a:r>
-            <a:r>
-              <a:rPr lang="zh-CN" altLang="en-US" sz="1025">
-                <a:latin typeface="+mn-ea"/>
-              </a:rPr>
-              <a:t>。</a:t>
-            </a:r>
-            <a:endParaRPr lang="zh-CN" altLang="en-US" sz="1025">
-              <a:latin typeface="+mn-ea"/>
             </a:endParaRPr>
           </a:p>
         </p:txBody>
@@ -4901,31 +5643,30 @@
           <a:bodyPr/>
           <a:p>
             <a:r>
+              <a:rPr lang="zh-CN">
+                <a:sym typeface="+mn-ea"/>
+              </a:rPr>
+              <a:t>文档流作用原理 </a:t>
+            </a:r>
+            <a:r>
               <a:rPr lang="en-US" altLang="zh-CN">
-                <a:latin typeface="+mn-ea"/>
-                <a:sym typeface="+mn-ea"/>
-              </a:rPr>
-              <a:t>“</a:t>
-            </a:r>
-            <a:r>
-              <a:rPr lang="zh-CN" altLang="en-US">
-                <a:latin typeface="+mn-ea"/>
-                <a:sym typeface="+mn-ea"/>
-              </a:rPr>
-              <a:t>父元素</a:t>
-            </a:r>
-            <a:r>
-              <a:rPr lang="en-US" altLang="zh-CN">
-                <a:latin typeface="+mn-ea"/>
-                <a:sym typeface="+mn-ea"/>
-              </a:rPr>
-              <a:t>” - </a:t>
+                <a:sym typeface="+mn-ea"/>
+              </a:rPr>
+              <a:t>- </a:t>
+            </a:r>
+            <a:r>
+              <a:rPr lang="en-US" altLang="zh-CN"/>
+              <a:t>BFC</a:t>
             </a:r>
             <a:r>
               <a:rPr lang="zh-CN" altLang="en-US"/>
-              <a:t>包含块</a:t>
-            </a:r>
-            <a:endParaRPr lang="zh-CN" altLang="en-US"/>
+              <a:t>和</a:t>
+            </a:r>
+            <a:r>
+              <a:rPr lang="en-US" altLang="zh-CN"/>
+              <a:t>IFC</a:t>
+            </a:r>
+            <a:endParaRPr lang="en-US" altLang="zh-CN"/>
           </a:p>
         </p:txBody>
       </p:sp>
@@ -4941,191 +5682,181 @@
         </p:nvSpPr>
         <p:spPr/>
         <p:txBody>
-          <a:bodyPr>
-            <a:normAutofit/>
-          </a:bodyPr>
-          <a:p>
-            <a:pPr marL="0" indent="0">
-              <a:buNone/>
-            </a:pPr>
-            <a:r>
-              <a:rPr lang="zh-CN" altLang="en-US" sz="1400">
-                <a:latin typeface="+mn-ea"/>
-              </a:rPr>
-              <a:t>元素（生成的）盒的位置和大小有时是根据一个特定矩形计算的，叫做该元素的包含块（containing block）。</a:t>
-            </a:r>
-            <a:endParaRPr lang="zh-CN" altLang="en-US" sz="1400">
-              <a:latin typeface="+mn-ea"/>
+          <a:bodyPr/>
+          <a:p>
+            <a:r>
+              <a:rPr lang="en-US" altLang="zh-CN" sz="1400">
+                <a:latin typeface="+mn-ea"/>
+                <a:sym typeface="+mn-ea"/>
+              </a:rPr>
+              <a:t>BFC - </a:t>
+            </a:r>
+            <a:r>
+              <a:rPr lang="zh-CN" altLang="en-US" sz="1400">
+                <a:latin typeface="+mn-ea"/>
+                <a:sym typeface="+mn-ea"/>
+              </a:rPr>
+              <a:t>块级格式化上下文</a:t>
+            </a:r>
+            <a:endParaRPr lang="en-US" altLang="zh-CN" sz="1400">
+              <a:latin typeface="+mn-ea"/>
+              <a:sym typeface="+mn-ea"/>
+            </a:endParaRPr>
+          </a:p>
+          <a:p>
+            <a:endParaRPr lang="en-US" altLang="zh-CN" sz="1400">
+              <a:latin typeface="+mn-ea"/>
+              <a:sym typeface="+mn-ea"/>
+            </a:endParaRPr>
+          </a:p>
+          <a:p>
+            <a:pPr lvl="1"/>
+            <a:r>
+              <a:rPr lang="zh-CN" altLang="en-US" sz="1200">
+                <a:latin typeface="+mn-ea"/>
+                <a:sym typeface="+mn-ea"/>
+              </a:rPr>
+              <a:t>如何创建</a:t>
+            </a:r>
+            <a:r>
+              <a:rPr lang="en-US" altLang="zh-CN" sz="1200">
+                <a:latin typeface="+mn-ea"/>
+                <a:sym typeface="+mn-ea"/>
+              </a:rPr>
+              <a:t>BFC</a:t>
+            </a:r>
+            <a:r>
+              <a:rPr lang="zh-CN" altLang="en-US" sz="1200">
+                <a:latin typeface="+mn-ea"/>
+                <a:sym typeface="+mn-ea"/>
+              </a:rPr>
+              <a:t>：</a:t>
+            </a:r>
+            <a:r>
+              <a:rPr lang="en-US" altLang="zh-CN" sz="1200">
+                <a:latin typeface="+mn-ea"/>
+                <a:sym typeface="+mn-ea"/>
+              </a:rPr>
+              <a:t>浮动，绝对定位的元素，非块盒的块容器（例如inline-blocks，table-cells和table-captions），以及’overflow’不为’visible’的块盒</a:t>
+            </a:r>
+            <a:endParaRPr lang="en-US" altLang="zh-CN" sz="1200">
+              <a:latin typeface="+mn-ea"/>
+              <a:sym typeface="+mn-ea"/>
+            </a:endParaRPr>
+          </a:p>
+          <a:p>
+            <a:pPr lvl="1"/>
+            <a:endParaRPr lang="en-US" altLang="zh-CN" sz="1200">
+              <a:latin typeface="+mn-ea"/>
+              <a:sym typeface="+mn-ea"/>
+            </a:endParaRPr>
+          </a:p>
+          <a:p>
+            <a:pPr lvl="1"/>
+            <a:r>
+              <a:rPr lang="en-US" altLang="zh-CN" sz="1200">
+                <a:latin typeface="+mn-ea"/>
+                <a:sym typeface="+mn-ea"/>
+              </a:rPr>
+              <a:t>在BFC中，盒在垂直方向一个接一个地放置，从包含块的顶部开始。两个兄弟盒之间的垂直距离由'margin'属性决定。同一个BFC中的相邻块级盒之间的垂直外边距会合并</a:t>
+            </a:r>
+            <a:r>
+              <a:rPr lang="zh-CN" altLang="en-US" sz="1200">
+                <a:latin typeface="+mn-ea"/>
+                <a:sym typeface="+mn-ea"/>
+              </a:rPr>
+              <a:t>。</a:t>
+            </a:r>
+            <a:endParaRPr lang="zh-CN" altLang="en-US" sz="1200">
+              <a:latin typeface="+mn-ea"/>
+              <a:sym typeface="+mn-ea"/>
             </a:endParaRPr>
           </a:p>
           <a:p>
             <a:pPr lvl="1">
-              <a:lnSpc>
-                <a:spcPct val="130000"/>
-              </a:lnSpc>
-            </a:pPr>
+              <a:buAutoNum type="arabicPeriod"/>
+            </a:pPr>
+            <a:endParaRPr lang="en-US" altLang="zh-CN" sz="1200">
+              <a:latin typeface="+mn-ea"/>
+              <a:sym typeface="+mn-ea"/>
+            </a:endParaRPr>
+          </a:p>
+          <a:p>
+            <a:r>
+              <a:rPr lang="en-US" altLang="zh-CN" sz="1400">
+                <a:latin typeface="+mn-ea"/>
+                <a:sym typeface="+mn-ea"/>
+              </a:rPr>
+              <a:t>IFC - </a:t>
+            </a:r>
+            <a:r>
+              <a:rPr lang="zh-CN" altLang="en-US" sz="1400">
+                <a:latin typeface="+mn-ea"/>
+                <a:sym typeface="+mn-ea"/>
+              </a:rPr>
+              <a:t>行内格式化上下文</a:t>
+            </a:r>
+            <a:endParaRPr lang="en-US" altLang="zh-CN" sz="1400">
+              <a:latin typeface="+mn-ea"/>
+              <a:sym typeface="+mn-ea"/>
+            </a:endParaRPr>
+          </a:p>
+          <a:p>
+            <a:endParaRPr lang="en-US" altLang="zh-CN" sz="1400">
+              <a:latin typeface="+mn-ea"/>
+              <a:sym typeface="+mn-ea"/>
+            </a:endParaRPr>
+          </a:p>
+          <a:p>
+            <a:pPr lvl="1"/>
             <a:r>
               <a:rPr lang="zh-CN" altLang="en-US" sz="1200">
                 <a:latin typeface="+mn-ea"/>
-              </a:rPr>
-              <a:t>盒定位</a:t>
+                <a:sym typeface="+mn-ea"/>
+              </a:rPr>
+              <a:t>如何创建</a:t>
+            </a:r>
+            <a:r>
+              <a:rPr lang="en-US" altLang="zh-CN" sz="1200">
+                <a:latin typeface="+mn-ea"/>
+                <a:sym typeface="+mn-ea"/>
+              </a:rPr>
+              <a:t>IFC</a:t>
+            </a:r>
+            <a:r>
+              <a:rPr lang="zh-CN" altLang="en-US" sz="1200">
+                <a:latin typeface="+mn-ea"/>
+                <a:sym typeface="+mn-ea"/>
+              </a:rPr>
+              <a:t>：？</a:t>
             </a:r>
             <a:endParaRPr lang="zh-CN" altLang="en-US" sz="1200">
               <a:latin typeface="+mn-ea"/>
-            </a:endParaRPr>
-          </a:p>
-          <a:p>
-            <a:pPr lvl="1">
-              <a:lnSpc>
-                <a:spcPct val="130000"/>
-              </a:lnSpc>
-            </a:pPr>
-            <a:r>
-              <a:rPr lang="zh-CN" altLang="en-US" sz="1200">
-                <a:latin typeface="+mn-ea"/>
-              </a:rPr>
-              <a:t>盒尺寸</a:t>
-            </a:r>
-            <a:endParaRPr lang="zh-CN" altLang="en-US" sz="1200">
-              <a:latin typeface="+mn-ea"/>
-            </a:endParaRPr>
-          </a:p>
-          <a:p>
-            <a:pPr marL="0" indent="0">
-              <a:buNone/>
-            </a:pPr>
-            <a:r>
-              <a:rPr lang="zh-CN" altLang="en-US" sz="1400">
-                <a:latin typeface="+mn-ea"/>
-              </a:rPr>
-              <a:t>元素包含块的定义如下：</a:t>
-            </a:r>
-            <a:endParaRPr lang="zh-CN" altLang="en-US" sz="1400">
-              <a:latin typeface="+mn-ea"/>
-            </a:endParaRPr>
-          </a:p>
-          <a:p>
-            <a:pPr marL="342900" indent="-342900">
-              <a:buAutoNum type="arabicPeriod"/>
-            </a:pPr>
-            <a:r>
-              <a:rPr lang="zh-CN" altLang="en-US" sz="1400">
-                <a:latin typeface="+mn-ea"/>
-              </a:rPr>
-              <a:t>根元素所在的包含块是一个被称为初始包含块的矩形。</a:t>
-            </a:r>
-            <a:endParaRPr lang="zh-CN" altLang="en-US" sz="1400">
-              <a:latin typeface="+mn-ea"/>
-            </a:endParaRPr>
-          </a:p>
-          <a:p>
-            <a:pPr marL="342900" indent="-342900">
-              <a:buAutoNum type="arabicPeriod"/>
-            </a:pPr>
-            <a:r>
-              <a:rPr lang="zh-CN" altLang="en-US" sz="1400">
-                <a:latin typeface="+mn-ea"/>
-                <a:sym typeface="+mn-ea"/>
-              </a:rPr>
-              <a:t>position是'relative'或者'static'</a:t>
-            </a:r>
-            <a:r>
-              <a:rPr lang="zh-CN" altLang="en-US" sz="1400">
-                <a:latin typeface="+mn-ea"/>
-              </a:rPr>
-              <a:t>，包含块由其最近的块容器祖先盒的内容边界形成。（类似于父元素边界）</a:t>
-            </a:r>
-            <a:endParaRPr lang="zh-CN" altLang="en-US" sz="1400">
-              <a:latin typeface="+mn-ea"/>
-            </a:endParaRPr>
-          </a:p>
-          <a:p>
-            <a:pPr marL="342900" indent="-342900">
-              <a:buAutoNum type="arabicPeriod"/>
-            </a:pPr>
-            <a:r>
-              <a:rPr lang="zh-CN" altLang="en-US" sz="1400">
-                <a:latin typeface="+mn-ea"/>
-                <a:sym typeface="+mn-ea"/>
-              </a:rPr>
-              <a:t>'position: fixed'</a:t>
-            </a:r>
-            <a:r>
-              <a:rPr lang="zh-CN" altLang="en-US" sz="1400">
-                <a:latin typeface="+mn-ea"/>
-              </a:rPr>
-              <a:t>，包含块是初始包含块。（不是相对根元素定位，而是相对于初始包含块）</a:t>
-            </a:r>
-            <a:endParaRPr lang="zh-CN" altLang="en-US" sz="1400">
-              <a:latin typeface="+mn-ea"/>
-            </a:endParaRPr>
-          </a:p>
-          <a:p>
-            <a:pPr marL="342900" indent="-342900">
-              <a:buAutoNum type="arabicPeriod"/>
-            </a:pPr>
-            <a:r>
-              <a:rPr lang="zh-CN" altLang="en-US" sz="1400">
-                <a:latin typeface="+mn-ea"/>
-                <a:sym typeface="+mn-ea"/>
-              </a:rPr>
-              <a:t>'position: absolute'</a:t>
-            </a:r>
-            <a:r>
-              <a:rPr lang="zh-CN" altLang="en-US" sz="1400">
-                <a:latin typeface="+mn-ea"/>
-              </a:rPr>
-              <a:t>，包含块由最近的'position'为'absolute'，'relative'或者'fixed'的祖先建立，按照如下方式：</a:t>
-            </a:r>
-            <a:endParaRPr lang="zh-CN" altLang="en-US" sz="1400">
-              <a:latin typeface="+mn-ea"/>
-            </a:endParaRPr>
-          </a:p>
-          <a:p>
-            <a:pPr marL="800100" lvl="1" indent="-342900">
-              <a:lnSpc>
-                <a:spcPct val="100000"/>
-              </a:lnSpc>
-              <a:buAutoNum type="arabicPeriod"/>
-            </a:pPr>
-            <a:r>
-              <a:rPr lang="zh-CN" altLang="en-US" sz="1200">
-                <a:latin typeface="+mn-ea"/>
-              </a:rPr>
-              <a:t>如果该祖先是一个行内元素，包含块就是环绕着为该元素生成的第一个和最后一个行内盒的内边距框的边界框（bounding box）。在CSS 2.1中，如果该行内元素被跨行分割了，那么包含块是未定义的</a:t>
-            </a:r>
-            <a:endParaRPr lang="zh-CN" altLang="en-US" sz="1200">
-              <a:latin typeface="+mn-ea"/>
-            </a:endParaRPr>
-          </a:p>
-          <a:p>
-            <a:pPr marL="800100" lvl="1" indent="-342900">
-              <a:lnSpc>
-                <a:spcPct val="100000"/>
-              </a:lnSpc>
-              <a:buAutoNum type="arabicPeriod"/>
-            </a:pPr>
-            <a:r>
-              <a:rPr lang="zh-CN" altLang="en-US" sz="1200">
-                <a:latin typeface="+mn-ea"/>
-              </a:rPr>
-              <a:t>否则，包含块由该祖先的内边距边界形成</a:t>
-            </a:r>
-            <a:endParaRPr lang="zh-CN" altLang="en-US" sz="1200">
-              <a:latin typeface="+mn-ea"/>
-            </a:endParaRPr>
-          </a:p>
-          <a:p>
-            <a:pPr marL="342900" lvl="0" indent="-342900">
-              <a:buAutoNum type="arabicPeriod"/>
-            </a:pPr>
-            <a:r>
-              <a:rPr lang="zh-CN" altLang="en-US" sz="1400">
-                <a:latin typeface="+mn-ea"/>
-              </a:rPr>
-              <a:t>如果没有这样的祖先，包含块就是初始包含块。</a:t>
-            </a:r>
-            <a:endParaRPr lang="en-US" altLang="zh-CN" sz="1400">
+              <a:sym typeface="+mn-ea"/>
+            </a:endParaRPr>
+          </a:p>
+          <a:p>
+            <a:pPr lvl="1"/>
+            <a:endParaRPr lang="en-US" altLang="zh-CN" sz="1200">
+              <a:latin typeface="+mn-ea"/>
+              <a:sym typeface="+mn-ea"/>
+            </a:endParaRPr>
+          </a:p>
+          <a:p>
+            <a:pPr lvl="1"/>
+            <a:r>
+              <a:rPr lang="en-US" altLang="zh-CN" sz="1025">
+                <a:latin typeface="+mn-ea"/>
+              </a:rPr>
+              <a:t>在行内格式化上下文中，盒是从包含块的顶部开始一个挨一个水平放置的。这些盒之间的水平外边距，边框和内边距都有效。盒可能会以不同的方式垂直对齐：以它们的底部或者顶部对齐，或者以它们里面的文本的基线对齐。包含来自同一行的盒的矩形区域叫做行框</a:t>
+            </a:r>
+            <a:r>
+              <a:rPr lang="zh-CN" altLang="en-US" sz="1025">
+                <a:latin typeface="+mn-ea"/>
+              </a:rPr>
+              <a:t>。</a:t>
+            </a:r>
+            <a:endParaRPr lang="zh-CN" altLang="en-US" sz="1025">
               <a:latin typeface="+mn-ea"/>
             </a:endParaRPr>
           </a:p>
@@ -5164,22 +5895,29 @@
           <a:bodyPr/>
           <a:p>
             <a:r>
-              <a:rPr lang="en-US">
-                <a:sym typeface="+mn-ea"/>
-              </a:rPr>
-              <a:t>div </a:t>
+              <a:rPr lang="en-US" altLang="zh-CN">
+                <a:latin typeface="+mn-ea"/>
+                <a:sym typeface="+mn-ea"/>
+              </a:rPr>
+              <a:t>“</a:t>
             </a:r>
             <a:r>
               <a:rPr lang="zh-CN" altLang="en-US">
-                <a:sym typeface="+mn-ea"/>
-              </a:rPr>
-              <a:t>的 </a:t>
+                <a:latin typeface="+mn-ea"/>
+                <a:sym typeface="+mn-ea"/>
+              </a:rPr>
+              <a:t>父元素</a:t>
             </a:r>
             <a:r>
               <a:rPr lang="en-US" altLang="zh-CN">
-                <a:sym typeface="+mn-ea"/>
-              </a:rPr>
-              <a:t>width: 100%</a:t>
+                <a:latin typeface="+mn-ea"/>
+                <a:sym typeface="+mn-ea"/>
+              </a:rPr>
+              <a:t>” - </a:t>
+            </a:r>
+            <a:r>
+              <a:rPr lang="zh-CN" altLang="en-US"/>
+              <a:t>包含块</a:t>
             </a:r>
             <a:endParaRPr lang="zh-CN" altLang="en-US"/>
           </a:p>
@@ -5198,251 +5936,190 @@
         <p:spPr/>
         <p:txBody>
           <a:bodyPr>
-            <a:normAutofit lnSpcReduction="10000"/>
+            <a:normAutofit/>
           </a:bodyPr>
           <a:p>
-            <a:r>
-              <a:rPr lang="en-US" altLang="zh-CN" sz="1800">
-                <a:latin typeface="+mn-ea"/>
-              </a:rPr>
-              <a:t>demo-1</a:t>
-            </a:r>
-            <a:endParaRPr lang="en-US" altLang="zh-CN" sz="1800">
-              <a:latin typeface="+mn-ea"/>
-            </a:endParaRPr>
-          </a:p>
-          <a:p>
-            <a:r>
-              <a:rPr lang="zh-CN" altLang="en-US" sz="1800">
-                <a:latin typeface="+mn-ea"/>
-              </a:rPr>
-              <a:t>流体布局</a:t>
-            </a:r>
-            <a:endParaRPr lang="en-US" altLang="zh-CN" sz="1800">
-              <a:latin typeface="+mn-ea"/>
-            </a:endParaRPr>
-          </a:p>
-          <a:p>
-            <a:r>
-              <a:rPr lang="zh-CN" altLang="en-US" sz="1800">
-                <a:latin typeface="+mn-ea"/>
-              </a:rPr>
-              <a:t>CSS 流体布局下的宽度分离原则  </a:t>
-            </a:r>
-            <a:r>
-              <a:rPr lang="en-US" altLang="zh-CN" sz="1800">
-                <a:latin typeface="+mn-ea"/>
-              </a:rPr>
-              <a:t>-</a:t>
-            </a:r>
-            <a:r>
-              <a:rPr lang="zh-CN" altLang="en-US" sz="1800">
-                <a:latin typeface="+mn-ea"/>
-              </a:rPr>
-              <a:t>《</a:t>
-            </a:r>
-            <a:r>
-              <a:rPr lang="en-US" altLang="zh-CN" sz="1800">
-                <a:latin typeface="+mn-ea"/>
-              </a:rPr>
-              <a:t>CSS</a:t>
-            </a:r>
-            <a:r>
-              <a:rPr lang="zh-CN" altLang="en-US" sz="1800">
-                <a:latin typeface="+mn-ea"/>
-              </a:rPr>
-              <a:t>世界》</a:t>
-            </a:r>
-            <a:endParaRPr lang="zh-CN" altLang="en-US" sz="1800">
-              <a:latin typeface="+mn-ea"/>
-            </a:endParaRPr>
-          </a:p>
-          <a:p>
+            <a:pPr marL="0" indent="0">
+              <a:buNone/>
+            </a:pPr>
+            <a:r>
+              <a:rPr lang="zh-CN" altLang="en-US" sz="1400">
+                <a:latin typeface="+mn-ea"/>
+              </a:rPr>
+              <a:t>元素（生成的）盒的位置和大小有时是根据一个特定矩形计算的，叫做该元素的包含块（containing block）。</a:t>
+            </a:r>
             <a:endParaRPr lang="zh-CN" altLang="en-US" sz="1400">
               <a:latin typeface="+mn-ea"/>
             </a:endParaRPr>
           </a:p>
           <a:p>
-            <a:pPr marL="457200" lvl="1" indent="0">
-              <a:buNone/>
+            <a:pPr lvl="1">
+              <a:lnSpc>
+                <a:spcPct val="130000"/>
+              </a:lnSpc>
             </a:pPr>
             <a:r>
               <a:rPr lang="zh-CN" altLang="en-US" sz="1200">
                 <a:latin typeface="+mn-ea"/>
               </a:rPr>
-              <a:t>所谓“宽度分离原则”，就是 CSS 中的 width 属性不与影响宽度的 padding/border（有时候包括 margin）属性共存，</a:t>
+              <a:t>盒定位</a:t>
             </a:r>
             <a:endParaRPr lang="zh-CN" altLang="en-US" sz="1200">
               <a:latin typeface="+mn-ea"/>
             </a:endParaRPr>
           </a:p>
           <a:p>
-            <a:pPr marL="457200" lvl="1" indent="0">
-              <a:buNone/>
+            <a:pPr lvl="1">
+              <a:lnSpc>
+                <a:spcPct val="130000"/>
+              </a:lnSpc>
             </a:pPr>
             <a:r>
               <a:rPr lang="zh-CN" altLang="en-US" sz="1200">
                 <a:latin typeface="+mn-ea"/>
               </a:rPr>
-              <a:t>也就是不能出现以下的组合：</a:t>
+              <a:t>盒尺寸</a:t>
             </a:r>
             <a:endParaRPr lang="zh-CN" altLang="en-US" sz="1200">
               <a:latin typeface="+mn-ea"/>
             </a:endParaRPr>
           </a:p>
           <a:p>
-            <a:pPr marL="457200" lvl="1" indent="0">
-              <a:buNone/>
-            </a:pPr>
+            <a:pPr marL="0" indent="0">
+              <a:buNone/>
+            </a:pPr>
+            <a:r>
+              <a:rPr lang="zh-CN" altLang="en-US" sz="1400">
+                <a:latin typeface="+mn-ea"/>
+              </a:rPr>
+              <a:t>元素包含块的定义如下：</a:t>
+            </a:r>
+            <a:endParaRPr lang="zh-CN" altLang="en-US" sz="1400">
+              <a:latin typeface="+mn-ea"/>
+            </a:endParaRPr>
+          </a:p>
+          <a:p>
+            <a:pPr marL="342900" indent="-342900">
+              <a:buAutoNum type="arabicPeriod"/>
+            </a:pPr>
+            <a:r>
+              <a:rPr lang="zh-CN" altLang="en-US" sz="1400">
+                <a:latin typeface="+mn-ea"/>
+              </a:rPr>
+              <a:t>根元素所在的包含块是一个被称为初始包含块的矩形。</a:t>
+            </a:r>
+            <a:endParaRPr lang="zh-CN" altLang="en-US" sz="1400">
+              <a:latin typeface="+mn-ea"/>
+            </a:endParaRPr>
+          </a:p>
+          <a:p>
+            <a:pPr marL="342900" indent="-342900">
+              <a:buAutoNum type="arabicPeriod"/>
+            </a:pPr>
+            <a:r>
+              <a:rPr lang="zh-CN" altLang="en-US" sz="1400">
+                <a:latin typeface="+mn-ea"/>
+                <a:sym typeface="+mn-ea"/>
+              </a:rPr>
+              <a:t>position是'relative'或者'static'</a:t>
+            </a:r>
+            <a:r>
+              <a:rPr lang="zh-CN" altLang="en-US" sz="1400">
+                <a:latin typeface="+mn-ea"/>
+              </a:rPr>
+              <a:t>，包含块由其最近的块容器祖先盒的内容边界形成。（类似于父元素边界）</a:t>
+            </a:r>
+            <a:endParaRPr lang="zh-CN" altLang="en-US" sz="1400">
+              <a:latin typeface="+mn-ea"/>
+            </a:endParaRPr>
+          </a:p>
+          <a:p>
+            <a:pPr marL="342900" indent="-342900">
+              <a:buAutoNum type="arabicPeriod"/>
+            </a:pPr>
+            <a:r>
+              <a:rPr lang="zh-CN" altLang="en-US" sz="1400">
+                <a:latin typeface="+mn-ea"/>
+                <a:sym typeface="+mn-ea"/>
+              </a:rPr>
+              <a:t>'position: fixed'</a:t>
+            </a:r>
+            <a:r>
+              <a:rPr lang="zh-CN" altLang="en-US" sz="1400">
+                <a:latin typeface="+mn-ea"/>
+              </a:rPr>
+              <a:t>，包含块是初始包含块。（不是相对根元素定位，而是相对于初始包含块）</a:t>
+            </a:r>
+            <a:endParaRPr lang="zh-CN" altLang="en-US" sz="1400">
+              <a:latin typeface="+mn-ea"/>
+            </a:endParaRPr>
+          </a:p>
+          <a:p>
+            <a:pPr marL="342900" indent="-342900">
+              <a:buAutoNum type="arabicPeriod"/>
+            </a:pPr>
+            <a:r>
+              <a:rPr lang="zh-CN" altLang="en-US" sz="1400">
+                <a:latin typeface="+mn-ea"/>
+                <a:sym typeface="+mn-ea"/>
+              </a:rPr>
+              <a:t>'position: absolute'</a:t>
+            </a:r>
+            <a:r>
+              <a:rPr lang="zh-CN" altLang="en-US" sz="1400">
+                <a:latin typeface="+mn-ea"/>
+              </a:rPr>
+              <a:t>，包含块由最近的'position'为'absolute'，'relative'或者'fixed'的祖先建立，按照如下方式：</a:t>
+            </a:r>
+            <a:endParaRPr lang="zh-CN" altLang="en-US" sz="1400">
+              <a:latin typeface="+mn-ea"/>
+            </a:endParaRPr>
+          </a:p>
+          <a:p>
+            <a:pPr marL="800100" lvl="1" indent="-342900">
+              <a:lnSpc>
+                <a:spcPct val="100000"/>
+              </a:lnSpc>
+              <a:buAutoNum type="arabicPeriod"/>
+            </a:pPr>
+            <a:r>
+              <a:rPr lang="zh-CN" altLang="en-US" sz="1200">
+                <a:latin typeface="+mn-ea"/>
+              </a:rPr>
+              <a:t>如果该祖先是一个行内元素，包含块就是环绕着为该元素生成的第一个和最后一个行内盒的内边距框的边界框（bounding box）。在CSS 2.1中，如果该行内元素被跨行分割了，那么包含块是未定义的</a:t>
+            </a:r>
             <a:endParaRPr lang="zh-CN" altLang="en-US" sz="1200">
               <a:latin typeface="+mn-ea"/>
             </a:endParaRPr>
           </a:p>
           <a:p>
-            <a:pPr marL="457200" lvl="1" indent="0">
-              <a:buNone/>
+            <a:pPr marL="800100" lvl="1" indent="-342900">
+              <a:lnSpc>
+                <a:spcPct val="100000"/>
+              </a:lnSpc>
+              <a:buAutoNum type="arabicPeriod"/>
             </a:pPr>
             <a:r>
               <a:rPr lang="zh-CN" altLang="en-US" sz="1200">
                 <a:latin typeface="+mn-ea"/>
               </a:rPr>
-              <a:t>.box { width: 100px; border: 1px solid; } 或者 .box { width: 100px; padding: 20px; }</a:t>
+              <a:t>否则，包含块由该祖先的内边距边界形成</a:t>
             </a:r>
             <a:endParaRPr lang="zh-CN" altLang="en-US" sz="1200">
               <a:latin typeface="+mn-ea"/>
             </a:endParaRPr>
           </a:p>
           <a:p>
-            <a:pPr marL="457200" lvl="1" indent="0">
-              <a:buNone/>
-            </a:pPr>
-            <a:endParaRPr lang="zh-CN" altLang="en-US" sz="1200">
-              <a:latin typeface="+mn-ea"/>
-            </a:endParaRPr>
-          </a:p>
-          <a:p>
-            <a:pPr marL="457200" lvl="1" indent="0">
-              <a:buNone/>
-            </a:pPr>
-            <a:r>
-              <a:rPr lang="zh-CN" altLang="en-US" sz="1200">
-                <a:latin typeface="+mn-ea"/>
-              </a:rPr>
-              <a:t>推荐写法：</a:t>
-            </a:r>
-            <a:endParaRPr lang="zh-CN" altLang="en-US" sz="1200">
-              <a:latin typeface="+mn-ea"/>
-            </a:endParaRPr>
-          </a:p>
-          <a:p>
-            <a:pPr marL="457200" lvl="1" indent="0">
-              <a:buNone/>
-            </a:pPr>
-            <a:r>
-              <a:rPr lang="zh-CN" altLang="en-US" sz="1200">
-                <a:latin typeface="+mn-ea"/>
-              </a:rPr>
-              <a:t>.father {</a:t>
-            </a:r>
-            <a:endParaRPr lang="zh-CN" altLang="en-US" sz="1200">
-              <a:latin typeface="+mn-ea"/>
-            </a:endParaRPr>
-          </a:p>
-          <a:p>
-            <a:pPr marL="457200" lvl="1" indent="0">
-              <a:buNone/>
-            </a:pPr>
-            <a:r>
-              <a:rPr lang="zh-CN" altLang="en-US" sz="1200">
-                <a:latin typeface="+mn-ea"/>
-              </a:rPr>
-              <a:t>    width: 180px;</a:t>
-            </a:r>
-            <a:endParaRPr lang="zh-CN" altLang="en-US" sz="1200">
-              <a:latin typeface="+mn-ea"/>
-            </a:endParaRPr>
-          </a:p>
-          <a:p>
-            <a:pPr marL="457200" lvl="1" indent="0">
-              <a:buNone/>
-            </a:pPr>
-            <a:r>
-              <a:rPr lang="zh-CN" altLang="en-US" sz="1200">
-                <a:latin typeface="+mn-ea"/>
-              </a:rPr>
-              <a:t>}</a:t>
-            </a:r>
-            <a:endParaRPr lang="zh-CN" altLang="en-US" sz="1200">
-              <a:latin typeface="+mn-ea"/>
-            </a:endParaRPr>
-          </a:p>
-          <a:p>
-            <a:pPr marL="457200" lvl="1" indent="0">
-              <a:buNone/>
-            </a:pPr>
-            <a:r>
-              <a:rPr lang="zh-CN" altLang="en-US" sz="1200">
-                <a:latin typeface="+mn-ea"/>
-              </a:rPr>
-              <a:t>.son {</a:t>
-            </a:r>
-            <a:endParaRPr lang="zh-CN" altLang="en-US" sz="1200">
-              <a:latin typeface="+mn-ea"/>
-            </a:endParaRPr>
-          </a:p>
-          <a:p>
-            <a:pPr marL="457200" lvl="1" indent="0">
-              <a:buNone/>
-            </a:pPr>
-            <a:r>
-              <a:rPr lang="zh-CN" altLang="en-US" sz="1200">
-                <a:latin typeface="+mn-ea"/>
-              </a:rPr>
-              <a:t>    margin: 0 20px;</a:t>
-            </a:r>
-            <a:endParaRPr lang="zh-CN" altLang="en-US" sz="1200">
-              <a:latin typeface="+mn-ea"/>
-            </a:endParaRPr>
-          </a:p>
-          <a:p>
-            <a:pPr marL="457200" lvl="1" indent="0">
-              <a:buNone/>
-            </a:pPr>
-            <a:r>
-              <a:rPr lang="zh-CN" altLang="en-US" sz="1200">
-                <a:latin typeface="+mn-ea"/>
-              </a:rPr>
-              <a:t>    padding: 20px;</a:t>
-            </a:r>
-            <a:endParaRPr lang="zh-CN" altLang="en-US" sz="1200">
-              <a:latin typeface="+mn-ea"/>
-            </a:endParaRPr>
-          </a:p>
-          <a:p>
-            <a:pPr marL="457200" lvl="1" indent="0">
-              <a:buNone/>
-            </a:pPr>
-            <a:r>
-              <a:rPr lang="zh-CN" altLang="en-US" sz="1200">
-                <a:latin typeface="+mn-ea"/>
-              </a:rPr>
-              <a:t>    border: 1px solid;</a:t>
-            </a:r>
-            <a:endParaRPr lang="zh-CN" altLang="en-US" sz="1200">
-              <a:latin typeface="+mn-ea"/>
-            </a:endParaRPr>
-          </a:p>
-          <a:p>
-            <a:pPr marL="457200" lvl="1" indent="0">
-              <a:buNone/>
-            </a:pPr>
-            <a:r>
-              <a:rPr lang="zh-CN" altLang="en-US" sz="1200">
-                <a:latin typeface="+mn-ea"/>
-              </a:rPr>
-              <a:t>}</a:t>
-            </a:r>
-            <a:endParaRPr lang="zh-CN" altLang="en-US" sz="1200">
+            <a:pPr marL="342900" lvl="0" indent="-342900">
+              <a:buAutoNum type="arabicPeriod"/>
+            </a:pPr>
+            <a:r>
+              <a:rPr lang="zh-CN" altLang="en-US" sz="1400">
+                <a:latin typeface="+mn-ea"/>
+              </a:rPr>
+              <a:t>如果没有这样的祖先，包含块就是初始包含块。</a:t>
+            </a:r>
+            <a:endParaRPr lang="en-US" altLang="zh-CN" sz="1400">
               <a:latin typeface="+mn-ea"/>
             </a:endParaRPr>
           </a:p>
